--- a/발표 PPT.pptx
+++ b/발표 PPT.pptx
@@ -2,10 +2,15 @@
 <file path=ppt/presentation.xml><?xml version="1.0" encoding="utf-8"?>
 <p:presentation xmlns:a="http://schemas.openxmlformats.org/drawingml/2006/main" xmlns:r="http://schemas.openxmlformats.org/officeDocument/2006/relationships" xmlns:p="http://schemas.openxmlformats.org/presentationml/2006/main" saveSubsetFonts="1">
   <p:sldMasterIdLst>
-    <p:sldMasterId id="2147483648" r:id="rId1"/>
+    <p:sldMasterId id="2147483678" r:id="rId1"/>
   </p:sldMasterIdLst>
   <p:sldIdLst>
     <p:sldId id="256" r:id="rId2"/>
+    <p:sldId id="257" r:id="rId3"/>
+    <p:sldId id="258" r:id="rId4"/>
+    <p:sldId id="260" r:id="rId5"/>
+    <p:sldId id="259" r:id="rId6"/>
+    <p:sldId id="261" r:id="rId7"/>
   </p:sldIdLst>
   <p:sldSz cx="12192000" cy="6858000"/>
   <p:notesSz cx="6858000" cy="9144000"/>
@@ -126,7 +131,7 @@
       </p:grpSpPr>
       <p:sp>
         <p:nvSpPr>
-          <p:cNvPr id="2" name="제목 1"/>
+          <p:cNvPr id="2" name="Title 1"/>
           <p:cNvSpPr>
             <a:spLocks noGrp="1"/>
           </p:cNvSpPr>
@@ -136,15 +141,15 @@
         </p:nvSpPr>
         <p:spPr>
           <a:xfrm>
-            <a:off x="1524000" y="1122363"/>
-            <a:ext cx="9144000" cy="2387600"/>
+            <a:off x="1154955" y="1447800"/>
+            <a:ext cx="8825658" cy="3329581"/>
           </a:xfrm>
         </p:spPr>
         <p:txBody>
           <a:bodyPr anchor="b"/>
           <a:lstStyle>
-            <a:lvl1pPr algn="ctr">
-              <a:defRPr sz="6000"/>
+            <a:lvl1pPr>
+              <a:defRPr sz="7200"/>
             </a:lvl1pPr>
           </a:lstStyle>
           <a:p>
@@ -152,13 +157,13 @@
               <a:rPr lang="ko-KR" altLang="en-US" smtClean="0"/>
               <a:t>마스터 제목 스타일 편집</a:t>
             </a:r>
-            <a:endParaRPr lang="ko-KR" altLang="en-US"/>
-          </a:p>
-        </p:txBody>
-      </p:sp>
-      <p:sp>
-        <p:nvSpPr>
-          <p:cNvPr id="3" name="부제목 2"/>
+            <a:endParaRPr lang="en-US" dirty="0"/>
+          </a:p>
+        </p:txBody>
+      </p:sp>
+      <p:sp>
+        <p:nvSpPr>
+          <p:cNvPr id="3" name="Subtitle 2"/>
           <p:cNvSpPr>
             <a:spLocks noGrp="1"/>
           </p:cNvSpPr>
@@ -168,48 +173,103 @@
         </p:nvSpPr>
         <p:spPr>
           <a:xfrm>
-            <a:off x="1524000" y="3602038"/>
-            <a:ext cx="9144000" cy="1655762"/>
-          </a:xfrm>
-        </p:spPr>
-        <p:txBody>
-          <a:bodyPr/>
+            <a:off x="1154955" y="4777380"/>
+            <a:ext cx="8825658" cy="861420"/>
+          </a:xfrm>
+        </p:spPr>
+        <p:txBody>
+          <a:bodyPr anchor="t"/>
           <a:lstStyle>
-            <a:lvl1pPr marL="0" indent="0" algn="ctr">
-              <a:buNone/>
-              <a:defRPr sz="2400"/>
+            <a:lvl1pPr marL="0" indent="0" algn="l">
+              <a:buNone/>
+              <a:defRPr cap="all">
+                <a:solidFill>
+                  <a:schemeClr val="bg2">
+                    <a:lumMod val="40000"/>
+                    <a:lumOff val="60000"/>
+                  </a:schemeClr>
+                </a:solidFill>
+              </a:defRPr>
             </a:lvl1pPr>
             <a:lvl2pPr marL="457200" indent="0" algn="ctr">
               <a:buNone/>
-              <a:defRPr sz="2000"/>
+              <a:defRPr>
+                <a:solidFill>
+                  <a:schemeClr val="tx1">
+                    <a:tint val="75000"/>
+                  </a:schemeClr>
+                </a:solidFill>
+              </a:defRPr>
             </a:lvl2pPr>
             <a:lvl3pPr marL="914400" indent="0" algn="ctr">
               <a:buNone/>
-              <a:defRPr sz="1800"/>
+              <a:defRPr>
+                <a:solidFill>
+                  <a:schemeClr val="tx1">
+                    <a:tint val="75000"/>
+                  </a:schemeClr>
+                </a:solidFill>
+              </a:defRPr>
             </a:lvl3pPr>
             <a:lvl4pPr marL="1371600" indent="0" algn="ctr">
               <a:buNone/>
-              <a:defRPr sz="1600"/>
+              <a:defRPr>
+                <a:solidFill>
+                  <a:schemeClr val="tx1">
+                    <a:tint val="75000"/>
+                  </a:schemeClr>
+                </a:solidFill>
+              </a:defRPr>
             </a:lvl4pPr>
             <a:lvl5pPr marL="1828800" indent="0" algn="ctr">
               <a:buNone/>
-              <a:defRPr sz="1600"/>
+              <a:defRPr>
+                <a:solidFill>
+                  <a:schemeClr val="tx1">
+                    <a:tint val="75000"/>
+                  </a:schemeClr>
+                </a:solidFill>
+              </a:defRPr>
             </a:lvl5pPr>
             <a:lvl6pPr marL="2286000" indent="0" algn="ctr">
               <a:buNone/>
-              <a:defRPr sz="1600"/>
+              <a:defRPr>
+                <a:solidFill>
+                  <a:schemeClr val="tx1">
+                    <a:tint val="75000"/>
+                  </a:schemeClr>
+                </a:solidFill>
+              </a:defRPr>
             </a:lvl6pPr>
             <a:lvl7pPr marL="2743200" indent="0" algn="ctr">
               <a:buNone/>
-              <a:defRPr sz="1600"/>
+              <a:defRPr>
+                <a:solidFill>
+                  <a:schemeClr val="tx1">
+                    <a:tint val="75000"/>
+                  </a:schemeClr>
+                </a:solidFill>
+              </a:defRPr>
             </a:lvl7pPr>
             <a:lvl8pPr marL="3200400" indent="0" algn="ctr">
               <a:buNone/>
-              <a:defRPr sz="1600"/>
+              <a:defRPr>
+                <a:solidFill>
+                  <a:schemeClr val="tx1">
+                    <a:tint val="75000"/>
+                  </a:schemeClr>
+                </a:solidFill>
+              </a:defRPr>
             </a:lvl8pPr>
             <a:lvl9pPr marL="3657600" indent="0" algn="ctr">
               <a:buNone/>
-              <a:defRPr sz="1600"/>
+              <a:defRPr>
+                <a:solidFill>
+                  <a:schemeClr val="tx1">
+                    <a:tint val="75000"/>
+                  </a:schemeClr>
+                </a:solidFill>
+              </a:defRPr>
             </a:lvl9pPr>
           </a:lstStyle>
           <a:p>
@@ -217,13 +277,13 @@
               <a:rPr lang="ko-KR" altLang="en-US" smtClean="0"/>
               <a:t>클릭하여 마스터 부제목 스타일 편집</a:t>
             </a:r>
-            <a:endParaRPr lang="ko-KR" altLang="en-US"/>
-          </a:p>
-        </p:txBody>
-      </p:sp>
-      <p:sp>
-        <p:nvSpPr>
-          <p:cNvPr id="4" name="날짜 개체 틀 3"/>
+            <a:endParaRPr lang="en-US" dirty="0"/>
+          </a:p>
+        </p:txBody>
+      </p:sp>
+      <p:sp>
+        <p:nvSpPr>
+          <p:cNvPr id="4" name="Date Placeholder 3"/>
           <p:cNvSpPr>
             <a:spLocks noGrp="1"/>
           </p:cNvSpPr>
@@ -246,7 +306,7 @@
       </p:sp>
       <p:sp>
         <p:nvSpPr>
-          <p:cNvPr id="5" name="바닥글 개체 틀 4"/>
+          <p:cNvPr id="5" name="Footer Placeholder 4"/>
           <p:cNvSpPr>
             <a:spLocks noGrp="1"/>
           </p:cNvSpPr>
@@ -265,7 +325,7 @@
       </p:sp>
       <p:sp>
         <p:nvSpPr>
-          <p:cNvPr id="6" name="슬라이드 번호 개체 틀 5"/>
+          <p:cNvPr id="6" name="Slide Number Placeholder 5"/>
           <p:cNvSpPr>
             <a:spLocks noGrp="1"/>
           </p:cNvSpPr>
@@ -289,7 +349,7 @@
     </p:spTree>
     <p:extLst>
       <p:ext uri="{BB962C8B-B14F-4D97-AF65-F5344CB8AC3E}">
-        <p14:creationId xmlns:p14="http://schemas.microsoft.com/office/powerpoint/2010/main" val="2115393839"/>
+        <p14:creationId xmlns:p14="http://schemas.microsoft.com/office/powerpoint/2010/main" val="3394458691"/>
       </p:ext>
     </p:extLst>
   </p:cSld>
@@ -300,6 +360,2572 @@
 </file>
 
 <file path=ppt/slideLayouts/slideLayout10.xml><?xml version="1.0" encoding="utf-8"?>
+<p:sldLayout xmlns:a="http://schemas.openxmlformats.org/drawingml/2006/main" xmlns:r="http://schemas.openxmlformats.org/officeDocument/2006/relationships" xmlns:p="http://schemas.openxmlformats.org/presentationml/2006/main" preserve="1">
+  <p:cSld name="캡션 있는 파노라마 그림">
+    <p:spTree>
+      <p:nvGrpSpPr>
+        <p:cNvPr id="1" name=""/>
+        <p:cNvGrpSpPr/>
+        <p:nvPr/>
+      </p:nvGrpSpPr>
+      <p:grpSpPr>
+        <a:xfrm>
+          <a:off x="0" y="0"/>
+          <a:ext cx="0" cy="0"/>
+          <a:chOff x="0" y="0"/>
+          <a:chExt cx="0" cy="0"/>
+        </a:xfrm>
+      </p:grpSpPr>
+      <p:sp>
+        <p:nvSpPr>
+          <p:cNvPr id="2" name="Title 1"/>
+          <p:cNvSpPr>
+            <a:spLocks noGrp="1"/>
+          </p:cNvSpPr>
+          <p:nvPr>
+            <p:ph type="title"/>
+          </p:nvPr>
+        </p:nvSpPr>
+        <p:spPr>
+          <a:xfrm>
+            <a:off x="1154956" y="4800587"/>
+            <a:ext cx="8825657" cy="566738"/>
+          </a:xfrm>
+        </p:spPr>
+        <p:txBody>
+          <a:bodyPr anchor="b">
+            <a:normAutofit/>
+          </a:bodyPr>
+          <a:lstStyle>
+            <a:lvl1pPr algn="l">
+              <a:defRPr sz="2400" b="0"/>
+            </a:lvl1pPr>
+          </a:lstStyle>
+          <a:p>
+            <a:r>
+              <a:rPr lang="ko-KR" altLang="en-US" smtClean="0"/>
+              <a:t>마스터 제목 스타일 편집</a:t>
+            </a:r>
+            <a:endParaRPr lang="en-US" dirty="0"/>
+          </a:p>
+        </p:txBody>
+      </p:sp>
+      <p:sp>
+        <p:nvSpPr>
+          <p:cNvPr id="3" name="Picture Placeholder 2"/>
+          <p:cNvSpPr>
+            <a:spLocks noGrp="1" noChangeAspect="1"/>
+          </p:cNvSpPr>
+          <p:nvPr>
+            <p:ph type="pic" idx="1"/>
+          </p:nvPr>
+        </p:nvSpPr>
+        <p:spPr>
+          <a:xfrm>
+            <a:off x="1154955" y="685800"/>
+            <a:ext cx="8825658" cy="3640666"/>
+          </a:xfrm>
+          <a:prstGeom prst="roundRect">
+            <a:avLst>
+              <a:gd name="adj" fmla="val 1858"/>
+            </a:avLst>
+          </a:prstGeom>
+          <a:effectLst>
+            <a:outerShdw blurRad="50800" dist="50800" dir="5400000" algn="tl" rotWithShape="0">
+              <a:srgbClr val="000000">
+                <a:alpha val="43000"/>
+              </a:srgbClr>
+            </a:outerShdw>
+          </a:effectLst>
+        </p:spPr>
+        <p:txBody>
+          <a:bodyPr anchor="t">
+            <a:normAutofit/>
+          </a:bodyPr>
+          <a:lstStyle>
+            <a:lvl1pPr marL="0" indent="0" algn="ctr">
+              <a:buNone/>
+              <a:defRPr sz="1600"/>
+            </a:lvl1pPr>
+            <a:lvl2pPr marL="457200" indent="0">
+              <a:buNone/>
+              <a:defRPr sz="1600"/>
+            </a:lvl2pPr>
+            <a:lvl3pPr marL="914400" indent="0">
+              <a:buNone/>
+              <a:defRPr sz="1600"/>
+            </a:lvl3pPr>
+            <a:lvl4pPr marL="1371600" indent="0">
+              <a:buNone/>
+              <a:defRPr sz="1600"/>
+            </a:lvl4pPr>
+            <a:lvl5pPr marL="1828800" indent="0">
+              <a:buNone/>
+              <a:defRPr sz="1600"/>
+            </a:lvl5pPr>
+            <a:lvl6pPr marL="2286000" indent="0">
+              <a:buNone/>
+              <a:defRPr sz="1600"/>
+            </a:lvl6pPr>
+            <a:lvl7pPr marL="2743200" indent="0">
+              <a:buNone/>
+              <a:defRPr sz="1600"/>
+            </a:lvl7pPr>
+            <a:lvl8pPr marL="3200400" indent="0">
+              <a:buNone/>
+              <a:defRPr sz="1600"/>
+            </a:lvl8pPr>
+            <a:lvl9pPr marL="3657600" indent="0">
+              <a:buNone/>
+              <a:defRPr sz="1600"/>
+            </a:lvl9pPr>
+          </a:lstStyle>
+          <a:p>
+            <a:r>
+              <a:rPr lang="ko-KR" altLang="en-US" smtClean="0"/>
+              <a:t>그림을 추가하려면 아이콘을 클릭하십시오</a:t>
+            </a:r>
+            <a:endParaRPr lang="en-US" dirty="0"/>
+          </a:p>
+        </p:txBody>
+      </p:sp>
+      <p:sp>
+        <p:nvSpPr>
+          <p:cNvPr id="4" name="Text Placeholder 3"/>
+          <p:cNvSpPr>
+            <a:spLocks noGrp="1"/>
+          </p:cNvSpPr>
+          <p:nvPr>
+            <p:ph type="body" sz="half" idx="2"/>
+          </p:nvPr>
+        </p:nvSpPr>
+        <p:spPr>
+          <a:xfrm>
+            <a:off x="1154956" y="5367325"/>
+            <a:ext cx="8825656" cy="493712"/>
+          </a:xfrm>
+        </p:spPr>
+        <p:txBody>
+          <a:bodyPr>
+            <a:normAutofit/>
+          </a:bodyPr>
+          <a:lstStyle>
+            <a:lvl1pPr marL="0" indent="0">
+              <a:buNone/>
+              <a:defRPr sz="1200"/>
+            </a:lvl1pPr>
+            <a:lvl2pPr marL="457200" indent="0">
+              <a:buNone/>
+              <a:defRPr sz="1200"/>
+            </a:lvl2pPr>
+            <a:lvl3pPr marL="914400" indent="0">
+              <a:buNone/>
+              <a:defRPr sz="1000"/>
+            </a:lvl3pPr>
+            <a:lvl4pPr marL="1371600" indent="0">
+              <a:buNone/>
+              <a:defRPr sz="900"/>
+            </a:lvl4pPr>
+            <a:lvl5pPr marL="1828800" indent="0">
+              <a:buNone/>
+              <a:defRPr sz="900"/>
+            </a:lvl5pPr>
+            <a:lvl6pPr marL="2286000" indent="0">
+              <a:buNone/>
+              <a:defRPr sz="900"/>
+            </a:lvl6pPr>
+            <a:lvl7pPr marL="2743200" indent="0">
+              <a:buNone/>
+              <a:defRPr sz="900"/>
+            </a:lvl7pPr>
+            <a:lvl8pPr marL="3200400" indent="0">
+              <a:buNone/>
+              <a:defRPr sz="900"/>
+            </a:lvl8pPr>
+            <a:lvl9pPr marL="3657600" indent="0">
+              <a:buNone/>
+              <a:defRPr sz="900"/>
+            </a:lvl9pPr>
+          </a:lstStyle>
+          <a:p>
+            <a:pPr lvl="0"/>
+            <a:r>
+              <a:rPr lang="ko-KR" altLang="en-US" smtClean="0"/>
+              <a:t>마스터 텍스트 스타일 편집</a:t>
+            </a:r>
+          </a:p>
+        </p:txBody>
+      </p:sp>
+      <p:sp>
+        <p:nvSpPr>
+          <p:cNvPr id="5" name="Date Placeholder 4"/>
+          <p:cNvSpPr>
+            <a:spLocks noGrp="1"/>
+          </p:cNvSpPr>
+          <p:nvPr>
+            <p:ph type="dt" sz="half" idx="10"/>
+          </p:nvPr>
+        </p:nvSpPr>
+        <p:spPr/>
+        <p:txBody>
+          <a:bodyPr/>
+          <a:lstStyle/>
+          <a:p>
+            <a:fld id="{B38698DB-F693-4909-A9D1-53D55708E0A0}" type="datetimeFigureOut">
+              <a:rPr lang="ko-KR" altLang="en-US" smtClean="0"/>
+              <a:t>2023-10-14</a:t>
+            </a:fld>
+            <a:endParaRPr lang="ko-KR" altLang="en-US"/>
+          </a:p>
+        </p:txBody>
+      </p:sp>
+      <p:sp>
+        <p:nvSpPr>
+          <p:cNvPr id="6" name="Footer Placeholder 5"/>
+          <p:cNvSpPr>
+            <a:spLocks noGrp="1"/>
+          </p:cNvSpPr>
+          <p:nvPr>
+            <p:ph type="ftr" sz="quarter" idx="11"/>
+          </p:nvPr>
+        </p:nvSpPr>
+        <p:spPr/>
+        <p:txBody>
+          <a:bodyPr/>
+          <a:lstStyle/>
+          <a:p>
+            <a:endParaRPr lang="ko-KR" altLang="en-US"/>
+          </a:p>
+        </p:txBody>
+      </p:sp>
+      <p:sp>
+        <p:nvSpPr>
+          <p:cNvPr id="7" name="Slide Number Placeholder 6"/>
+          <p:cNvSpPr>
+            <a:spLocks noGrp="1"/>
+          </p:cNvSpPr>
+          <p:nvPr>
+            <p:ph type="sldNum" sz="quarter" idx="12"/>
+          </p:nvPr>
+        </p:nvSpPr>
+        <p:spPr/>
+        <p:txBody>
+          <a:bodyPr/>
+          <a:lstStyle/>
+          <a:p>
+            <a:fld id="{FE32CF24-D5FF-4E68-B94B-B1D79DE49D41}" type="slidenum">
+              <a:rPr lang="ko-KR" altLang="en-US" smtClean="0"/>
+              <a:t>‹#›</a:t>
+            </a:fld>
+            <a:endParaRPr lang="ko-KR" altLang="en-US"/>
+          </a:p>
+        </p:txBody>
+      </p:sp>
+    </p:spTree>
+    <p:extLst>
+      <p:ext uri="{BB962C8B-B14F-4D97-AF65-F5344CB8AC3E}">
+        <p14:creationId xmlns:p14="http://schemas.microsoft.com/office/powerpoint/2010/main" val="2995961541"/>
+      </p:ext>
+    </p:extLst>
+  </p:cSld>
+  <p:clrMapOvr>
+    <a:masterClrMapping/>
+  </p:clrMapOvr>
+</p:sldLayout>
+</file>
+
+<file path=ppt/slideLayouts/slideLayout11.xml><?xml version="1.0" encoding="utf-8"?>
+<p:sldLayout xmlns:a="http://schemas.openxmlformats.org/drawingml/2006/main" xmlns:r="http://schemas.openxmlformats.org/officeDocument/2006/relationships" xmlns:p="http://schemas.openxmlformats.org/presentationml/2006/main" preserve="1">
+  <p:cSld name="제목 및 캡션">
+    <p:spTree>
+      <p:nvGrpSpPr>
+        <p:cNvPr id="1" name=""/>
+        <p:cNvGrpSpPr/>
+        <p:nvPr/>
+      </p:nvGrpSpPr>
+      <p:grpSpPr>
+        <a:xfrm>
+          <a:off x="0" y="0"/>
+          <a:ext cx="0" cy="0"/>
+          <a:chOff x="0" y="0"/>
+          <a:chExt cx="0" cy="0"/>
+        </a:xfrm>
+      </p:grpSpPr>
+      <p:sp>
+        <p:nvSpPr>
+          <p:cNvPr id="2" name="Title 1"/>
+          <p:cNvSpPr>
+            <a:spLocks noGrp="1"/>
+          </p:cNvSpPr>
+          <p:nvPr>
+            <p:ph type="title"/>
+          </p:nvPr>
+        </p:nvSpPr>
+        <p:spPr>
+          <a:xfrm>
+            <a:off x="1154954" y="1447800"/>
+            <a:ext cx="8825659" cy="1981200"/>
+          </a:xfrm>
+        </p:spPr>
+        <p:txBody>
+          <a:bodyPr/>
+          <a:lstStyle>
+            <a:lvl1pPr>
+              <a:defRPr sz="4800"/>
+            </a:lvl1pPr>
+          </a:lstStyle>
+          <a:p>
+            <a:r>
+              <a:rPr lang="ko-KR" altLang="en-US" smtClean="0"/>
+              <a:t>마스터 제목 스타일 편집</a:t>
+            </a:r>
+            <a:endParaRPr lang="en-US" dirty="0"/>
+          </a:p>
+        </p:txBody>
+      </p:sp>
+      <p:sp>
+        <p:nvSpPr>
+          <p:cNvPr id="8" name="Text Placeholder 3"/>
+          <p:cNvSpPr>
+            <a:spLocks noGrp="1"/>
+          </p:cNvSpPr>
+          <p:nvPr>
+            <p:ph type="body" sz="half" idx="2"/>
+          </p:nvPr>
+        </p:nvSpPr>
+        <p:spPr>
+          <a:xfrm>
+            <a:off x="1154954" y="3657600"/>
+            <a:ext cx="8825659" cy="2362200"/>
+          </a:xfrm>
+        </p:spPr>
+        <p:txBody>
+          <a:bodyPr anchor="ctr">
+            <a:normAutofit/>
+          </a:bodyPr>
+          <a:lstStyle>
+            <a:lvl1pPr marL="0" indent="0">
+              <a:buNone/>
+              <a:defRPr sz="1800"/>
+            </a:lvl1pPr>
+            <a:lvl2pPr marL="457200" indent="0">
+              <a:buNone/>
+              <a:defRPr sz="1200"/>
+            </a:lvl2pPr>
+            <a:lvl3pPr marL="914400" indent="0">
+              <a:buNone/>
+              <a:defRPr sz="1000"/>
+            </a:lvl3pPr>
+            <a:lvl4pPr marL="1371600" indent="0">
+              <a:buNone/>
+              <a:defRPr sz="900"/>
+            </a:lvl4pPr>
+            <a:lvl5pPr marL="1828800" indent="0">
+              <a:buNone/>
+              <a:defRPr sz="900"/>
+            </a:lvl5pPr>
+            <a:lvl6pPr marL="2286000" indent="0">
+              <a:buNone/>
+              <a:defRPr sz="900"/>
+            </a:lvl6pPr>
+            <a:lvl7pPr marL="2743200" indent="0">
+              <a:buNone/>
+              <a:defRPr sz="900"/>
+            </a:lvl7pPr>
+            <a:lvl8pPr marL="3200400" indent="0">
+              <a:buNone/>
+              <a:defRPr sz="900"/>
+            </a:lvl8pPr>
+            <a:lvl9pPr marL="3657600" indent="0">
+              <a:buNone/>
+              <a:defRPr sz="900"/>
+            </a:lvl9pPr>
+          </a:lstStyle>
+          <a:p>
+            <a:pPr lvl="0"/>
+            <a:r>
+              <a:rPr lang="ko-KR" altLang="en-US" smtClean="0"/>
+              <a:t>마스터 텍스트 스타일 편집</a:t>
+            </a:r>
+          </a:p>
+        </p:txBody>
+      </p:sp>
+      <p:sp>
+        <p:nvSpPr>
+          <p:cNvPr id="4" name="Date Placeholder 3"/>
+          <p:cNvSpPr>
+            <a:spLocks noGrp="1"/>
+          </p:cNvSpPr>
+          <p:nvPr>
+            <p:ph type="dt" sz="half" idx="10"/>
+          </p:nvPr>
+        </p:nvSpPr>
+        <p:spPr/>
+        <p:txBody>
+          <a:bodyPr/>
+          <a:lstStyle/>
+          <a:p>
+            <a:fld id="{B38698DB-F693-4909-A9D1-53D55708E0A0}" type="datetimeFigureOut">
+              <a:rPr lang="ko-KR" altLang="en-US" smtClean="0"/>
+              <a:t>2023-10-14</a:t>
+            </a:fld>
+            <a:endParaRPr lang="ko-KR" altLang="en-US"/>
+          </a:p>
+        </p:txBody>
+      </p:sp>
+      <p:sp>
+        <p:nvSpPr>
+          <p:cNvPr id="5" name="Footer Placeholder 4"/>
+          <p:cNvSpPr>
+            <a:spLocks noGrp="1"/>
+          </p:cNvSpPr>
+          <p:nvPr>
+            <p:ph type="ftr" sz="quarter" idx="11"/>
+          </p:nvPr>
+        </p:nvSpPr>
+        <p:spPr/>
+        <p:txBody>
+          <a:bodyPr/>
+          <a:lstStyle/>
+          <a:p>
+            <a:endParaRPr lang="ko-KR" altLang="en-US"/>
+          </a:p>
+        </p:txBody>
+      </p:sp>
+      <p:sp>
+        <p:nvSpPr>
+          <p:cNvPr id="6" name="Slide Number Placeholder 5"/>
+          <p:cNvSpPr>
+            <a:spLocks noGrp="1"/>
+          </p:cNvSpPr>
+          <p:nvPr>
+            <p:ph type="sldNum" sz="quarter" idx="12"/>
+          </p:nvPr>
+        </p:nvSpPr>
+        <p:spPr/>
+        <p:txBody>
+          <a:bodyPr/>
+          <a:lstStyle/>
+          <a:p>
+            <a:fld id="{FE32CF24-D5FF-4E68-B94B-B1D79DE49D41}" type="slidenum">
+              <a:rPr lang="ko-KR" altLang="en-US" smtClean="0"/>
+              <a:t>‹#›</a:t>
+            </a:fld>
+            <a:endParaRPr lang="ko-KR" altLang="en-US"/>
+          </a:p>
+        </p:txBody>
+      </p:sp>
+    </p:spTree>
+    <p:extLst>
+      <p:ext uri="{BB962C8B-B14F-4D97-AF65-F5344CB8AC3E}">
+        <p14:creationId xmlns:p14="http://schemas.microsoft.com/office/powerpoint/2010/main" val="1559961002"/>
+      </p:ext>
+    </p:extLst>
+  </p:cSld>
+  <p:clrMapOvr>
+    <a:masterClrMapping/>
+  </p:clrMapOvr>
+</p:sldLayout>
+</file>
+
+<file path=ppt/slideLayouts/slideLayout12.xml><?xml version="1.0" encoding="utf-8"?>
+<p:sldLayout xmlns:a="http://schemas.openxmlformats.org/drawingml/2006/main" xmlns:r="http://schemas.openxmlformats.org/officeDocument/2006/relationships" xmlns:p="http://schemas.openxmlformats.org/presentationml/2006/main" preserve="1">
+  <p:cSld name="캡션 있는 인용문">
+    <p:spTree>
+      <p:nvGrpSpPr>
+        <p:cNvPr id="1" name=""/>
+        <p:cNvGrpSpPr/>
+        <p:nvPr/>
+      </p:nvGrpSpPr>
+      <p:grpSpPr>
+        <a:xfrm>
+          <a:off x="0" y="0"/>
+          <a:ext cx="0" cy="0"/>
+          <a:chOff x="0" y="0"/>
+          <a:chExt cx="0" cy="0"/>
+        </a:xfrm>
+      </p:grpSpPr>
+      <p:sp>
+        <p:nvSpPr>
+          <p:cNvPr id="2" name="Title 1"/>
+          <p:cNvSpPr>
+            <a:spLocks noGrp="1"/>
+          </p:cNvSpPr>
+          <p:nvPr>
+            <p:ph type="title"/>
+          </p:nvPr>
+        </p:nvSpPr>
+        <p:spPr>
+          <a:xfrm>
+            <a:off x="1574801" y="1447800"/>
+            <a:ext cx="7999315" cy="2323374"/>
+          </a:xfrm>
+        </p:spPr>
+        <p:txBody>
+          <a:bodyPr/>
+          <a:lstStyle>
+            <a:lvl1pPr>
+              <a:defRPr sz="4800"/>
+            </a:lvl1pPr>
+          </a:lstStyle>
+          <a:p>
+            <a:r>
+              <a:rPr lang="ko-KR" altLang="en-US" smtClean="0"/>
+              <a:t>마스터 제목 스타일 편집</a:t>
+            </a:r>
+            <a:endParaRPr lang="en-US" dirty="0"/>
+          </a:p>
+        </p:txBody>
+      </p:sp>
+      <p:sp>
+        <p:nvSpPr>
+          <p:cNvPr id="11" name="Text Placeholder 3"/>
+          <p:cNvSpPr>
+            <a:spLocks noGrp="1"/>
+          </p:cNvSpPr>
+          <p:nvPr>
+            <p:ph type="body" sz="half" idx="14"/>
+          </p:nvPr>
+        </p:nvSpPr>
+        <p:spPr>
+          <a:xfrm>
+            <a:off x="1930400" y="3771174"/>
+            <a:ext cx="7279649" cy="342174"/>
+          </a:xfrm>
+        </p:spPr>
+        <p:txBody>
+          <a:bodyPr vert="horz" lIns="91440" tIns="45720" rIns="91440" bIns="45720" rtlCol="0" anchor="t">
+            <a:normAutofit/>
+          </a:bodyPr>
+          <a:lstStyle>
+            <a:lvl1pPr marL="0" indent="0">
+              <a:buNone/>
+              <a:defRPr lang="en-US" sz="1400" b="0" i="0" kern="1200" cap="small" dirty="0">
+                <a:solidFill>
+                  <a:schemeClr val="bg2">
+                    <a:lumMod val="40000"/>
+                    <a:lumOff val="60000"/>
+                  </a:schemeClr>
+                </a:solidFill>
+                <a:latin typeface="+mj-lt"/>
+                <a:ea typeface="+mj-ea"/>
+                <a:cs typeface="+mj-cs"/>
+              </a:defRPr>
+            </a:lvl1pPr>
+            <a:lvl2pPr marL="457200" indent="0">
+              <a:buNone/>
+              <a:defRPr sz="1200"/>
+            </a:lvl2pPr>
+            <a:lvl3pPr marL="914400" indent="0">
+              <a:buNone/>
+              <a:defRPr sz="1000"/>
+            </a:lvl3pPr>
+            <a:lvl4pPr marL="1371600" indent="0">
+              <a:buNone/>
+              <a:defRPr sz="900"/>
+            </a:lvl4pPr>
+            <a:lvl5pPr marL="1828800" indent="0">
+              <a:buNone/>
+              <a:defRPr sz="900"/>
+            </a:lvl5pPr>
+            <a:lvl6pPr marL="2286000" indent="0">
+              <a:buNone/>
+              <a:defRPr sz="900"/>
+            </a:lvl6pPr>
+            <a:lvl7pPr marL="2743200" indent="0">
+              <a:buNone/>
+              <a:defRPr sz="900"/>
+            </a:lvl7pPr>
+            <a:lvl8pPr marL="3200400" indent="0">
+              <a:buNone/>
+              <a:defRPr sz="900"/>
+            </a:lvl8pPr>
+            <a:lvl9pPr marL="3657600" indent="0">
+              <a:buNone/>
+              <a:defRPr sz="900"/>
+            </a:lvl9pPr>
+          </a:lstStyle>
+          <a:p>
+            <a:pPr marL="0" lvl="0" indent="0">
+              <a:buNone/>
+            </a:pPr>
+            <a:r>
+              <a:rPr lang="ko-KR" altLang="en-US" smtClean="0"/>
+              <a:t>마스터 텍스트 스타일 편집</a:t>
+            </a:r>
+          </a:p>
+        </p:txBody>
+      </p:sp>
+      <p:sp>
+        <p:nvSpPr>
+          <p:cNvPr id="10" name="Text Placeholder 3"/>
+          <p:cNvSpPr>
+            <a:spLocks noGrp="1"/>
+          </p:cNvSpPr>
+          <p:nvPr>
+            <p:ph type="body" sz="half" idx="2"/>
+          </p:nvPr>
+        </p:nvSpPr>
+        <p:spPr>
+          <a:xfrm>
+            <a:off x="1154954" y="4350657"/>
+            <a:ext cx="8825659" cy="1676400"/>
+          </a:xfrm>
+        </p:spPr>
+        <p:txBody>
+          <a:bodyPr anchor="ctr">
+            <a:normAutofit/>
+          </a:bodyPr>
+          <a:lstStyle>
+            <a:lvl1pPr marL="0" indent="0">
+              <a:buNone/>
+              <a:defRPr sz="1800"/>
+            </a:lvl1pPr>
+            <a:lvl2pPr marL="457200" indent="0">
+              <a:buNone/>
+              <a:defRPr sz="1200"/>
+            </a:lvl2pPr>
+            <a:lvl3pPr marL="914400" indent="0">
+              <a:buNone/>
+              <a:defRPr sz="1000"/>
+            </a:lvl3pPr>
+            <a:lvl4pPr marL="1371600" indent="0">
+              <a:buNone/>
+              <a:defRPr sz="900"/>
+            </a:lvl4pPr>
+            <a:lvl5pPr marL="1828800" indent="0">
+              <a:buNone/>
+              <a:defRPr sz="900"/>
+            </a:lvl5pPr>
+            <a:lvl6pPr marL="2286000" indent="0">
+              <a:buNone/>
+              <a:defRPr sz="900"/>
+            </a:lvl6pPr>
+            <a:lvl7pPr marL="2743200" indent="0">
+              <a:buNone/>
+              <a:defRPr sz="900"/>
+            </a:lvl7pPr>
+            <a:lvl8pPr marL="3200400" indent="0">
+              <a:buNone/>
+              <a:defRPr sz="900"/>
+            </a:lvl8pPr>
+            <a:lvl9pPr marL="3657600" indent="0">
+              <a:buNone/>
+              <a:defRPr sz="900"/>
+            </a:lvl9pPr>
+          </a:lstStyle>
+          <a:p>
+            <a:pPr lvl="0"/>
+            <a:r>
+              <a:rPr lang="ko-KR" altLang="en-US" smtClean="0"/>
+              <a:t>마스터 텍스트 스타일 편집</a:t>
+            </a:r>
+          </a:p>
+        </p:txBody>
+      </p:sp>
+      <p:sp>
+        <p:nvSpPr>
+          <p:cNvPr id="4" name="Date Placeholder 3"/>
+          <p:cNvSpPr>
+            <a:spLocks noGrp="1"/>
+          </p:cNvSpPr>
+          <p:nvPr>
+            <p:ph type="dt" sz="half" idx="10"/>
+          </p:nvPr>
+        </p:nvSpPr>
+        <p:spPr/>
+        <p:txBody>
+          <a:bodyPr/>
+          <a:lstStyle/>
+          <a:p>
+            <a:fld id="{B38698DB-F693-4909-A9D1-53D55708E0A0}" type="datetimeFigureOut">
+              <a:rPr lang="ko-KR" altLang="en-US" smtClean="0"/>
+              <a:t>2023-10-14</a:t>
+            </a:fld>
+            <a:endParaRPr lang="ko-KR" altLang="en-US"/>
+          </a:p>
+        </p:txBody>
+      </p:sp>
+      <p:sp>
+        <p:nvSpPr>
+          <p:cNvPr id="5" name="Footer Placeholder 4"/>
+          <p:cNvSpPr>
+            <a:spLocks noGrp="1"/>
+          </p:cNvSpPr>
+          <p:nvPr>
+            <p:ph type="ftr" sz="quarter" idx="11"/>
+          </p:nvPr>
+        </p:nvSpPr>
+        <p:spPr/>
+        <p:txBody>
+          <a:bodyPr/>
+          <a:lstStyle/>
+          <a:p>
+            <a:endParaRPr lang="ko-KR" altLang="en-US"/>
+          </a:p>
+        </p:txBody>
+      </p:sp>
+      <p:sp>
+        <p:nvSpPr>
+          <p:cNvPr id="6" name="Slide Number Placeholder 5"/>
+          <p:cNvSpPr>
+            <a:spLocks noGrp="1"/>
+          </p:cNvSpPr>
+          <p:nvPr>
+            <p:ph type="sldNum" sz="quarter" idx="12"/>
+          </p:nvPr>
+        </p:nvSpPr>
+        <p:spPr/>
+        <p:txBody>
+          <a:bodyPr/>
+          <a:lstStyle/>
+          <a:p>
+            <a:fld id="{FE32CF24-D5FF-4E68-B94B-B1D79DE49D41}" type="slidenum">
+              <a:rPr lang="ko-KR" altLang="en-US" smtClean="0"/>
+              <a:t>‹#›</a:t>
+            </a:fld>
+            <a:endParaRPr lang="ko-KR" altLang="en-US"/>
+          </a:p>
+        </p:txBody>
+      </p:sp>
+      <p:sp>
+        <p:nvSpPr>
+          <p:cNvPr id="12" name="TextBox 11"/>
+          <p:cNvSpPr txBox="1"/>
+          <p:nvPr/>
+        </p:nvSpPr>
+        <p:spPr>
+          <a:xfrm>
+            <a:off x="898295" y="971253"/>
+            <a:ext cx="801912" cy="1969770"/>
+          </a:xfrm>
+          <a:prstGeom prst="rect">
+            <a:avLst/>
+          </a:prstGeom>
+          <a:noFill/>
+        </p:spPr>
+        <p:txBody>
+          <a:bodyPr wrap="square" rtlCol="0">
+            <a:spAutoFit/>
+          </a:bodyPr>
+          <a:lstStyle>
+            <a:defPPr>
+              <a:defRPr lang="en-US"/>
+            </a:defPPr>
+            <a:lvl1pPr algn="r">
+              <a:defRPr sz="12200" b="0" i="0">
+                <a:solidFill>
+                  <a:schemeClr val="bg2">
+                    <a:lumMod val="40000"/>
+                    <a:lumOff val="60000"/>
+                  </a:schemeClr>
+                </a:solidFill>
+                <a:latin typeface="Arial"/>
+                <a:ea typeface="+mj-ea"/>
+                <a:cs typeface="+mj-cs"/>
+              </a:defRPr>
+            </a:lvl1pPr>
+          </a:lstStyle>
+          <a:p>
+            <a:pPr lvl="0"/>
+            <a:r>
+              <a:rPr lang="en-US" dirty="0"/>
+              <a:t>“</a:t>
+            </a:r>
+          </a:p>
+        </p:txBody>
+      </p:sp>
+      <p:sp>
+        <p:nvSpPr>
+          <p:cNvPr id="15" name="TextBox 14"/>
+          <p:cNvSpPr txBox="1"/>
+          <p:nvPr/>
+        </p:nvSpPr>
+        <p:spPr>
+          <a:xfrm>
+            <a:off x="9330490" y="2613787"/>
+            <a:ext cx="801912" cy="1969770"/>
+          </a:xfrm>
+          <a:prstGeom prst="rect">
+            <a:avLst/>
+          </a:prstGeom>
+          <a:noFill/>
+        </p:spPr>
+        <p:txBody>
+          <a:bodyPr wrap="square" rtlCol="0">
+            <a:spAutoFit/>
+          </a:bodyPr>
+          <a:lstStyle>
+            <a:defPPr>
+              <a:defRPr lang="en-US"/>
+            </a:defPPr>
+            <a:lvl1pPr algn="r">
+              <a:defRPr sz="12200" b="0" i="0">
+                <a:solidFill>
+                  <a:schemeClr val="bg2">
+                    <a:lumMod val="40000"/>
+                    <a:lumOff val="60000"/>
+                  </a:schemeClr>
+                </a:solidFill>
+                <a:latin typeface="Arial"/>
+                <a:ea typeface="+mj-ea"/>
+                <a:cs typeface="+mj-cs"/>
+              </a:defRPr>
+            </a:lvl1pPr>
+          </a:lstStyle>
+          <a:p>
+            <a:pPr lvl="0"/>
+            <a:r>
+              <a:rPr lang="en-US" dirty="0"/>
+              <a:t>”</a:t>
+            </a:r>
+          </a:p>
+        </p:txBody>
+      </p:sp>
+    </p:spTree>
+    <p:extLst>
+      <p:ext uri="{BB962C8B-B14F-4D97-AF65-F5344CB8AC3E}">
+        <p14:creationId xmlns:p14="http://schemas.microsoft.com/office/powerpoint/2010/main" val="4271737028"/>
+      </p:ext>
+    </p:extLst>
+  </p:cSld>
+  <p:clrMapOvr>
+    <a:masterClrMapping/>
+  </p:clrMapOvr>
+</p:sldLayout>
+</file>
+
+<file path=ppt/slideLayouts/slideLayout13.xml><?xml version="1.0" encoding="utf-8"?>
+<p:sldLayout xmlns:a="http://schemas.openxmlformats.org/drawingml/2006/main" xmlns:r="http://schemas.openxmlformats.org/officeDocument/2006/relationships" xmlns:p="http://schemas.openxmlformats.org/presentationml/2006/main" preserve="1">
+  <p:cSld name="명함">
+    <p:spTree>
+      <p:nvGrpSpPr>
+        <p:cNvPr id="1" name=""/>
+        <p:cNvGrpSpPr/>
+        <p:nvPr/>
+      </p:nvGrpSpPr>
+      <p:grpSpPr>
+        <a:xfrm>
+          <a:off x="0" y="0"/>
+          <a:ext cx="0" cy="0"/>
+          <a:chOff x="0" y="0"/>
+          <a:chExt cx="0" cy="0"/>
+        </a:xfrm>
+      </p:grpSpPr>
+      <p:sp>
+        <p:nvSpPr>
+          <p:cNvPr id="2" name="Title 1"/>
+          <p:cNvSpPr>
+            <a:spLocks noGrp="1"/>
+          </p:cNvSpPr>
+          <p:nvPr>
+            <p:ph type="title"/>
+          </p:nvPr>
+        </p:nvSpPr>
+        <p:spPr>
+          <a:xfrm>
+            <a:off x="1154954" y="3124201"/>
+            <a:ext cx="8825660" cy="1653180"/>
+          </a:xfrm>
+        </p:spPr>
+        <p:txBody>
+          <a:bodyPr anchor="b"/>
+          <a:lstStyle>
+            <a:lvl1pPr algn="l">
+              <a:defRPr sz="4000" b="0" cap="none"/>
+            </a:lvl1pPr>
+          </a:lstStyle>
+          <a:p>
+            <a:r>
+              <a:rPr lang="ko-KR" altLang="en-US" smtClean="0"/>
+              <a:t>마스터 제목 스타일 편집</a:t>
+            </a:r>
+            <a:endParaRPr lang="en-US" dirty="0"/>
+          </a:p>
+        </p:txBody>
+      </p:sp>
+      <p:sp>
+        <p:nvSpPr>
+          <p:cNvPr id="3" name="Text Placeholder 2"/>
+          <p:cNvSpPr>
+            <a:spLocks noGrp="1"/>
+          </p:cNvSpPr>
+          <p:nvPr>
+            <p:ph type="body" idx="1"/>
+          </p:nvPr>
+        </p:nvSpPr>
+        <p:spPr>
+          <a:xfrm>
+            <a:off x="1154954" y="4777381"/>
+            <a:ext cx="8825659" cy="860400"/>
+          </a:xfrm>
+        </p:spPr>
+        <p:txBody>
+          <a:bodyPr anchor="t"/>
+          <a:lstStyle>
+            <a:lvl1pPr marL="0" indent="0" algn="l">
+              <a:buNone/>
+              <a:defRPr sz="2000" cap="none">
+                <a:solidFill>
+                  <a:schemeClr val="bg2">
+                    <a:lumMod val="40000"/>
+                    <a:lumOff val="60000"/>
+                  </a:schemeClr>
+                </a:solidFill>
+              </a:defRPr>
+            </a:lvl1pPr>
+            <a:lvl2pPr marL="457200" indent="0">
+              <a:buNone/>
+              <a:defRPr sz="1800">
+                <a:solidFill>
+                  <a:schemeClr val="tx1">
+                    <a:tint val="75000"/>
+                  </a:schemeClr>
+                </a:solidFill>
+              </a:defRPr>
+            </a:lvl2pPr>
+            <a:lvl3pPr marL="914400" indent="0">
+              <a:buNone/>
+              <a:defRPr sz="1600">
+                <a:solidFill>
+                  <a:schemeClr val="tx1">
+                    <a:tint val="75000"/>
+                  </a:schemeClr>
+                </a:solidFill>
+              </a:defRPr>
+            </a:lvl3pPr>
+            <a:lvl4pPr marL="1371600" indent="0">
+              <a:buNone/>
+              <a:defRPr sz="1400">
+                <a:solidFill>
+                  <a:schemeClr val="tx1">
+                    <a:tint val="75000"/>
+                  </a:schemeClr>
+                </a:solidFill>
+              </a:defRPr>
+            </a:lvl4pPr>
+            <a:lvl5pPr marL="1828800" indent="0">
+              <a:buNone/>
+              <a:defRPr sz="1400">
+                <a:solidFill>
+                  <a:schemeClr val="tx1">
+                    <a:tint val="75000"/>
+                  </a:schemeClr>
+                </a:solidFill>
+              </a:defRPr>
+            </a:lvl5pPr>
+            <a:lvl6pPr marL="2286000" indent="0">
+              <a:buNone/>
+              <a:defRPr sz="1400">
+                <a:solidFill>
+                  <a:schemeClr val="tx1">
+                    <a:tint val="75000"/>
+                  </a:schemeClr>
+                </a:solidFill>
+              </a:defRPr>
+            </a:lvl6pPr>
+            <a:lvl7pPr marL="2743200" indent="0">
+              <a:buNone/>
+              <a:defRPr sz="1400">
+                <a:solidFill>
+                  <a:schemeClr val="tx1">
+                    <a:tint val="75000"/>
+                  </a:schemeClr>
+                </a:solidFill>
+              </a:defRPr>
+            </a:lvl7pPr>
+            <a:lvl8pPr marL="3200400" indent="0">
+              <a:buNone/>
+              <a:defRPr sz="1400">
+                <a:solidFill>
+                  <a:schemeClr val="tx1">
+                    <a:tint val="75000"/>
+                  </a:schemeClr>
+                </a:solidFill>
+              </a:defRPr>
+            </a:lvl8pPr>
+            <a:lvl9pPr marL="3657600" indent="0">
+              <a:buNone/>
+              <a:defRPr sz="1400">
+                <a:solidFill>
+                  <a:schemeClr val="tx1">
+                    <a:tint val="75000"/>
+                  </a:schemeClr>
+                </a:solidFill>
+              </a:defRPr>
+            </a:lvl9pPr>
+          </a:lstStyle>
+          <a:p>
+            <a:pPr lvl="0"/>
+            <a:r>
+              <a:rPr lang="ko-KR" altLang="en-US" smtClean="0"/>
+              <a:t>마스터 텍스트 스타일 편집</a:t>
+            </a:r>
+          </a:p>
+        </p:txBody>
+      </p:sp>
+      <p:sp>
+        <p:nvSpPr>
+          <p:cNvPr id="4" name="Date Placeholder 3"/>
+          <p:cNvSpPr>
+            <a:spLocks noGrp="1"/>
+          </p:cNvSpPr>
+          <p:nvPr>
+            <p:ph type="dt" sz="half" idx="10"/>
+          </p:nvPr>
+        </p:nvSpPr>
+        <p:spPr/>
+        <p:txBody>
+          <a:bodyPr/>
+          <a:lstStyle/>
+          <a:p>
+            <a:fld id="{B38698DB-F693-4909-A9D1-53D55708E0A0}" type="datetimeFigureOut">
+              <a:rPr lang="ko-KR" altLang="en-US" smtClean="0"/>
+              <a:t>2023-10-14</a:t>
+            </a:fld>
+            <a:endParaRPr lang="ko-KR" altLang="en-US"/>
+          </a:p>
+        </p:txBody>
+      </p:sp>
+      <p:sp>
+        <p:nvSpPr>
+          <p:cNvPr id="5" name="Footer Placeholder 4"/>
+          <p:cNvSpPr>
+            <a:spLocks noGrp="1"/>
+          </p:cNvSpPr>
+          <p:nvPr>
+            <p:ph type="ftr" sz="quarter" idx="11"/>
+          </p:nvPr>
+        </p:nvSpPr>
+        <p:spPr/>
+        <p:txBody>
+          <a:bodyPr/>
+          <a:lstStyle/>
+          <a:p>
+            <a:endParaRPr lang="ko-KR" altLang="en-US"/>
+          </a:p>
+        </p:txBody>
+      </p:sp>
+      <p:sp>
+        <p:nvSpPr>
+          <p:cNvPr id="6" name="Slide Number Placeholder 5"/>
+          <p:cNvSpPr>
+            <a:spLocks noGrp="1"/>
+          </p:cNvSpPr>
+          <p:nvPr>
+            <p:ph type="sldNum" sz="quarter" idx="12"/>
+          </p:nvPr>
+        </p:nvSpPr>
+        <p:spPr/>
+        <p:txBody>
+          <a:bodyPr/>
+          <a:lstStyle/>
+          <a:p>
+            <a:fld id="{FE32CF24-D5FF-4E68-B94B-B1D79DE49D41}" type="slidenum">
+              <a:rPr lang="ko-KR" altLang="en-US" smtClean="0"/>
+              <a:t>‹#›</a:t>
+            </a:fld>
+            <a:endParaRPr lang="ko-KR" altLang="en-US"/>
+          </a:p>
+        </p:txBody>
+      </p:sp>
+    </p:spTree>
+    <p:extLst>
+      <p:ext uri="{BB962C8B-B14F-4D97-AF65-F5344CB8AC3E}">
+        <p14:creationId xmlns:p14="http://schemas.microsoft.com/office/powerpoint/2010/main" val="3395420918"/>
+      </p:ext>
+    </p:extLst>
+  </p:cSld>
+  <p:clrMapOvr>
+    <a:masterClrMapping/>
+  </p:clrMapOvr>
+</p:sldLayout>
+</file>
+
+<file path=ppt/slideLayouts/slideLayout14.xml><?xml version="1.0" encoding="utf-8"?>
+<p:sldLayout xmlns:a="http://schemas.openxmlformats.org/drawingml/2006/main" xmlns:r="http://schemas.openxmlformats.org/officeDocument/2006/relationships" xmlns:p="http://schemas.openxmlformats.org/presentationml/2006/main" preserve="1">
+  <p:cSld name="3열">
+    <p:spTree>
+      <p:nvGrpSpPr>
+        <p:cNvPr id="1" name=""/>
+        <p:cNvGrpSpPr/>
+        <p:nvPr/>
+      </p:nvGrpSpPr>
+      <p:grpSpPr>
+        <a:xfrm>
+          <a:off x="0" y="0"/>
+          <a:ext cx="0" cy="0"/>
+          <a:chOff x="0" y="0"/>
+          <a:chExt cx="0" cy="0"/>
+        </a:xfrm>
+      </p:grpSpPr>
+      <p:sp>
+        <p:nvSpPr>
+          <p:cNvPr id="2" name="Title 1"/>
+          <p:cNvSpPr>
+            <a:spLocks noGrp="1"/>
+          </p:cNvSpPr>
+          <p:nvPr>
+            <p:ph type="title"/>
+          </p:nvPr>
+        </p:nvSpPr>
+        <p:spPr/>
+        <p:txBody>
+          <a:bodyPr/>
+          <a:lstStyle>
+            <a:lvl1pPr>
+              <a:defRPr sz="4200"/>
+            </a:lvl1pPr>
+          </a:lstStyle>
+          <a:p>
+            <a:r>
+              <a:rPr lang="ko-KR" altLang="en-US" smtClean="0"/>
+              <a:t>마스터 제목 스타일 편집</a:t>
+            </a:r>
+            <a:endParaRPr lang="en-US" dirty="0"/>
+          </a:p>
+        </p:txBody>
+      </p:sp>
+      <p:sp>
+        <p:nvSpPr>
+          <p:cNvPr id="3" name="Text Placeholder 2"/>
+          <p:cNvSpPr>
+            <a:spLocks noGrp="1"/>
+          </p:cNvSpPr>
+          <p:nvPr>
+            <p:ph type="body" idx="1"/>
+          </p:nvPr>
+        </p:nvSpPr>
+        <p:spPr>
+          <a:xfrm>
+            <a:off x="632947" y="1981200"/>
+            <a:ext cx="2946866" cy="576262"/>
+          </a:xfrm>
+        </p:spPr>
+        <p:txBody>
+          <a:bodyPr anchor="b">
+            <a:noAutofit/>
+          </a:bodyPr>
+          <a:lstStyle>
+            <a:lvl1pPr marL="0" indent="0">
+              <a:buNone/>
+              <a:defRPr sz="2400" b="0">
+                <a:solidFill>
+                  <a:schemeClr val="bg2">
+                    <a:lumMod val="40000"/>
+                    <a:lumOff val="60000"/>
+                  </a:schemeClr>
+                </a:solidFill>
+              </a:defRPr>
+            </a:lvl1pPr>
+            <a:lvl2pPr marL="457200" indent="0">
+              <a:buNone/>
+              <a:defRPr sz="2000" b="1"/>
+            </a:lvl2pPr>
+            <a:lvl3pPr marL="914400" indent="0">
+              <a:buNone/>
+              <a:defRPr sz="1800" b="1"/>
+            </a:lvl3pPr>
+            <a:lvl4pPr marL="1371600" indent="0">
+              <a:buNone/>
+              <a:defRPr sz="1600" b="1"/>
+            </a:lvl4pPr>
+            <a:lvl5pPr marL="1828800" indent="0">
+              <a:buNone/>
+              <a:defRPr sz="1600" b="1"/>
+            </a:lvl5pPr>
+            <a:lvl6pPr marL="2286000" indent="0">
+              <a:buNone/>
+              <a:defRPr sz="1600" b="1"/>
+            </a:lvl6pPr>
+            <a:lvl7pPr marL="2743200" indent="0">
+              <a:buNone/>
+              <a:defRPr sz="1600" b="1"/>
+            </a:lvl7pPr>
+            <a:lvl8pPr marL="3200400" indent="0">
+              <a:buNone/>
+              <a:defRPr sz="1600" b="1"/>
+            </a:lvl8pPr>
+            <a:lvl9pPr marL="3657600" indent="0">
+              <a:buNone/>
+              <a:defRPr sz="1600" b="1"/>
+            </a:lvl9pPr>
+          </a:lstStyle>
+          <a:p>
+            <a:pPr lvl="0"/>
+            <a:r>
+              <a:rPr lang="ko-KR" altLang="en-US" smtClean="0"/>
+              <a:t>마스터 텍스트 스타일 편집</a:t>
+            </a:r>
+          </a:p>
+        </p:txBody>
+      </p:sp>
+      <p:sp>
+        <p:nvSpPr>
+          <p:cNvPr id="16" name="Text Placeholder 3"/>
+          <p:cNvSpPr>
+            <a:spLocks noGrp="1"/>
+          </p:cNvSpPr>
+          <p:nvPr>
+            <p:ph type="body" sz="half" idx="15"/>
+          </p:nvPr>
+        </p:nvSpPr>
+        <p:spPr>
+          <a:xfrm>
+            <a:off x="652463" y="2667000"/>
+            <a:ext cx="2927350" cy="3589338"/>
+          </a:xfrm>
+        </p:spPr>
+        <p:txBody>
+          <a:bodyPr anchor="t">
+            <a:normAutofit/>
+          </a:bodyPr>
+          <a:lstStyle>
+            <a:lvl1pPr marL="0" indent="0">
+              <a:buNone/>
+              <a:defRPr sz="1400"/>
+            </a:lvl1pPr>
+            <a:lvl2pPr marL="457200" indent="0">
+              <a:buNone/>
+              <a:defRPr sz="1200"/>
+            </a:lvl2pPr>
+            <a:lvl3pPr marL="914400" indent="0">
+              <a:buNone/>
+              <a:defRPr sz="1000"/>
+            </a:lvl3pPr>
+            <a:lvl4pPr marL="1371600" indent="0">
+              <a:buNone/>
+              <a:defRPr sz="900"/>
+            </a:lvl4pPr>
+            <a:lvl5pPr marL="1828800" indent="0">
+              <a:buNone/>
+              <a:defRPr sz="900"/>
+            </a:lvl5pPr>
+            <a:lvl6pPr marL="2286000" indent="0">
+              <a:buNone/>
+              <a:defRPr sz="900"/>
+            </a:lvl6pPr>
+            <a:lvl7pPr marL="2743200" indent="0">
+              <a:buNone/>
+              <a:defRPr sz="900"/>
+            </a:lvl7pPr>
+            <a:lvl8pPr marL="3200400" indent="0">
+              <a:buNone/>
+              <a:defRPr sz="900"/>
+            </a:lvl8pPr>
+            <a:lvl9pPr marL="3657600" indent="0">
+              <a:buNone/>
+              <a:defRPr sz="900"/>
+            </a:lvl9pPr>
+          </a:lstStyle>
+          <a:p>
+            <a:pPr lvl="0"/>
+            <a:r>
+              <a:rPr lang="ko-KR" altLang="en-US" smtClean="0"/>
+              <a:t>마스터 텍스트 스타일 편집</a:t>
+            </a:r>
+          </a:p>
+        </p:txBody>
+      </p:sp>
+      <p:sp>
+        <p:nvSpPr>
+          <p:cNvPr id="5" name="Text Placeholder 4"/>
+          <p:cNvSpPr>
+            <a:spLocks noGrp="1"/>
+          </p:cNvSpPr>
+          <p:nvPr>
+            <p:ph type="body" sz="quarter" idx="3"/>
+          </p:nvPr>
+        </p:nvSpPr>
+        <p:spPr>
+          <a:xfrm>
+            <a:off x="3883659" y="1981200"/>
+            <a:ext cx="2936241" cy="576262"/>
+          </a:xfrm>
+        </p:spPr>
+        <p:txBody>
+          <a:bodyPr anchor="b">
+            <a:noAutofit/>
+          </a:bodyPr>
+          <a:lstStyle>
+            <a:lvl1pPr marL="0" indent="0">
+              <a:buNone/>
+              <a:defRPr sz="2400" b="0">
+                <a:solidFill>
+                  <a:schemeClr val="bg2">
+                    <a:lumMod val="40000"/>
+                    <a:lumOff val="60000"/>
+                  </a:schemeClr>
+                </a:solidFill>
+              </a:defRPr>
+            </a:lvl1pPr>
+            <a:lvl2pPr marL="457200" indent="0">
+              <a:buNone/>
+              <a:defRPr sz="2000" b="1"/>
+            </a:lvl2pPr>
+            <a:lvl3pPr marL="914400" indent="0">
+              <a:buNone/>
+              <a:defRPr sz="1800" b="1"/>
+            </a:lvl3pPr>
+            <a:lvl4pPr marL="1371600" indent="0">
+              <a:buNone/>
+              <a:defRPr sz="1600" b="1"/>
+            </a:lvl4pPr>
+            <a:lvl5pPr marL="1828800" indent="0">
+              <a:buNone/>
+              <a:defRPr sz="1600" b="1"/>
+            </a:lvl5pPr>
+            <a:lvl6pPr marL="2286000" indent="0">
+              <a:buNone/>
+              <a:defRPr sz="1600" b="1"/>
+            </a:lvl6pPr>
+            <a:lvl7pPr marL="2743200" indent="0">
+              <a:buNone/>
+              <a:defRPr sz="1600" b="1"/>
+            </a:lvl7pPr>
+            <a:lvl8pPr marL="3200400" indent="0">
+              <a:buNone/>
+              <a:defRPr sz="1600" b="1"/>
+            </a:lvl8pPr>
+            <a:lvl9pPr marL="3657600" indent="0">
+              <a:buNone/>
+              <a:defRPr sz="1600" b="1"/>
+            </a:lvl9pPr>
+          </a:lstStyle>
+          <a:p>
+            <a:pPr lvl="0"/>
+            <a:r>
+              <a:rPr lang="ko-KR" altLang="en-US" smtClean="0"/>
+              <a:t>마스터 텍스트 스타일 편집</a:t>
+            </a:r>
+          </a:p>
+        </p:txBody>
+      </p:sp>
+      <p:sp>
+        <p:nvSpPr>
+          <p:cNvPr id="19" name="Text Placeholder 3"/>
+          <p:cNvSpPr>
+            <a:spLocks noGrp="1"/>
+          </p:cNvSpPr>
+          <p:nvPr>
+            <p:ph type="body" sz="half" idx="16"/>
+          </p:nvPr>
+        </p:nvSpPr>
+        <p:spPr>
+          <a:xfrm>
+            <a:off x="3873106" y="2667000"/>
+            <a:ext cx="2946794" cy="3589338"/>
+          </a:xfrm>
+        </p:spPr>
+        <p:txBody>
+          <a:bodyPr anchor="t">
+            <a:normAutofit/>
+          </a:bodyPr>
+          <a:lstStyle>
+            <a:lvl1pPr marL="0" indent="0">
+              <a:buNone/>
+              <a:defRPr sz="1400"/>
+            </a:lvl1pPr>
+            <a:lvl2pPr marL="457200" indent="0">
+              <a:buNone/>
+              <a:defRPr sz="1200"/>
+            </a:lvl2pPr>
+            <a:lvl3pPr marL="914400" indent="0">
+              <a:buNone/>
+              <a:defRPr sz="1000"/>
+            </a:lvl3pPr>
+            <a:lvl4pPr marL="1371600" indent="0">
+              <a:buNone/>
+              <a:defRPr sz="900"/>
+            </a:lvl4pPr>
+            <a:lvl5pPr marL="1828800" indent="0">
+              <a:buNone/>
+              <a:defRPr sz="900"/>
+            </a:lvl5pPr>
+            <a:lvl6pPr marL="2286000" indent="0">
+              <a:buNone/>
+              <a:defRPr sz="900"/>
+            </a:lvl6pPr>
+            <a:lvl7pPr marL="2743200" indent="0">
+              <a:buNone/>
+              <a:defRPr sz="900"/>
+            </a:lvl7pPr>
+            <a:lvl8pPr marL="3200400" indent="0">
+              <a:buNone/>
+              <a:defRPr sz="900"/>
+            </a:lvl8pPr>
+            <a:lvl9pPr marL="3657600" indent="0">
+              <a:buNone/>
+              <a:defRPr sz="900"/>
+            </a:lvl9pPr>
+          </a:lstStyle>
+          <a:p>
+            <a:pPr lvl="0"/>
+            <a:r>
+              <a:rPr lang="ko-KR" altLang="en-US" smtClean="0"/>
+              <a:t>마스터 텍스트 스타일 편집</a:t>
+            </a:r>
+          </a:p>
+        </p:txBody>
+      </p:sp>
+      <p:sp>
+        <p:nvSpPr>
+          <p:cNvPr id="14" name="Text Placeholder 4"/>
+          <p:cNvSpPr>
+            <a:spLocks noGrp="1"/>
+          </p:cNvSpPr>
+          <p:nvPr>
+            <p:ph type="body" sz="quarter" idx="13"/>
+          </p:nvPr>
+        </p:nvSpPr>
+        <p:spPr>
+          <a:xfrm>
+            <a:off x="7124700" y="1981200"/>
+            <a:ext cx="2932113" cy="576262"/>
+          </a:xfrm>
+        </p:spPr>
+        <p:txBody>
+          <a:bodyPr anchor="b">
+            <a:noAutofit/>
+          </a:bodyPr>
+          <a:lstStyle>
+            <a:lvl1pPr marL="0" indent="0">
+              <a:buNone/>
+              <a:defRPr sz="2400" b="0">
+                <a:solidFill>
+                  <a:schemeClr val="bg2">
+                    <a:lumMod val="40000"/>
+                    <a:lumOff val="60000"/>
+                  </a:schemeClr>
+                </a:solidFill>
+              </a:defRPr>
+            </a:lvl1pPr>
+            <a:lvl2pPr marL="457200" indent="0">
+              <a:buNone/>
+              <a:defRPr sz="2000" b="1"/>
+            </a:lvl2pPr>
+            <a:lvl3pPr marL="914400" indent="0">
+              <a:buNone/>
+              <a:defRPr sz="1800" b="1"/>
+            </a:lvl3pPr>
+            <a:lvl4pPr marL="1371600" indent="0">
+              <a:buNone/>
+              <a:defRPr sz="1600" b="1"/>
+            </a:lvl4pPr>
+            <a:lvl5pPr marL="1828800" indent="0">
+              <a:buNone/>
+              <a:defRPr sz="1600" b="1"/>
+            </a:lvl5pPr>
+            <a:lvl6pPr marL="2286000" indent="0">
+              <a:buNone/>
+              <a:defRPr sz="1600" b="1"/>
+            </a:lvl6pPr>
+            <a:lvl7pPr marL="2743200" indent="0">
+              <a:buNone/>
+              <a:defRPr sz="1600" b="1"/>
+            </a:lvl7pPr>
+            <a:lvl8pPr marL="3200400" indent="0">
+              <a:buNone/>
+              <a:defRPr sz="1600" b="1"/>
+            </a:lvl8pPr>
+            <a:lvl9pPr marL="3657600" indent="0">
+              <a:buNone/>
+              <a:defRPr sz="1600" b="1"/>
+            </a:lvl9pPr>
+          </a:lstStyle>
+          <a:p>
+            <a:pPr lvl="0"/>
+            <a:r>
+              <a:rPr lang="ko-KR" altLang="en-US" smtClean="0"/>
+              <a:t>마스터 텍스트 스타일 편집</a:t>
+            </a:r>
+          </a:p>
+        </p:txBody>
+      </p:sp>
+      <p:sp>
+        <p:nvSpPr>
+          <p:cNvPr id="20" name="Text Placeholder 3"/>
+          <p:cNvSpPr>
+            <a:spLocks noGrp="1"/>
+          </p:cNvSpPr>
+          <p:nvPr>
+            <p:ph type="body" sz="half" idx="17"/>
+          </p:nvPr>
+        </p:nvSpPr>
+        <p:spPr>
+          <a:xfrm>
+            <a:off x="7124700" y="2667000"/>
+            <a:ext cx="2932113" cy="3589338"/>
+          </a:xfrm>
+        </p:spPr>
+        <p:txBody>
+          <a:bodyPr anchor="t">
+            <a:normAutofit/>
+          </a:bodyPr>
+          <a:lstStyle>
+            <a:lvl1pPr marL="0" indent="0">
+              <a:buNone/>
+              <a:defRPr sz="1400"/>
+            </a:lvl1pPr>
+            <a:lvl2pPr marL="457200" indent="0">
+              <a:buNone/>
+              <a:defRPr sz="1200"/>
+            </a:lvl2pPr>
+            <a:lvl3pPr marL="914400" indent="0">
+              <a:buNone/>
+              <a:defRPr sz="1000"/>
+            </a:lvl3pPr>
+            <a:lvl4pPr marL="1371600" indent="0">
+              <a:buNone/>
+              <a:defRPr sz="900"/>
+            </a:lvl4pPr>
+            <a:lvl5pPr marL="1828800" indent="0">
+              <a:buNone/>
+              <a:defRPr sz="900"/>
+            </a:lvl5pPr>
+            <a:lvl6pPr marL="2286000" indent="0">
+              <a:buNone/>
+              <a:defRPr sz="900"/>
+            </a:lvl6pPr>
+            <a:lvl7pPr marL="2743200" indent="0">
+              <a:buNone/>
+              <a:defRPr sz="900"/>
+            </a:lvl7pPr>
+            <a:lvl8pPr marL="3200400" indent="0">
+              <a:buNone/>
+              <a:defRPr sz="900"/>
+            </a:lvl8pPr>
+            <a:lvl9pPr marL="3657600" indent="0">
+              <a:buNone/>
+              <a:defRPr sz="900"/>
+            </a:lvl9pPr>
+          </a:lstStyle>
+          <a:p>
+            <a:pPr lvl="0"/>
+            <a:r>
+              <a:rPr lang="ko-KR" altLang="en-US" smtClean="0"/>
+              <a:t>마스터 텍스트 스타일 편집</a:t>
+            </a:r>
+          </a:p>
+        </p:txBody>
+      </p:sp>
+      <p:cxnSp>
+        <p:nvCxnSpPr>
+          <p:cNvPr id="17" name="Straight Connector 16"/>
+          <p:cNvCxnSpPr/>
+          <p:nvPr/>
+        </p:nvCxnSpPr>
+        <p:spPr>
+          <a:xfrm>
+            <a:off x="3726142" y="2133600"/>
+            <a:ext cx="0" cy="3962400"/>
+          </a:xfrm>
+          <a:prstGeom prst="line">
+            <a:avLst/>
+          </a:prstGeom>
+          <a:ln w="12700" cmpd="sng">
+            <a:solidFill>
+              <a:schemeClr val="bg2">
+                <a:lumMod val="40000"/>
+                <a:lumOff val="60000"/>
+                <a:alpha val="40000"/>
+              </a:schemeClr>
+            </a:solidFill>
+          </a:ln>
+        </p:spPr>
+        <p:style>
+          <a:lnRef idx="2">
+            <a:schemeClr val="accent1"/>
+          </a:lnRef>
+          <a:fillRef idx="0">
+            <a:schemeClr val="accent1"/>
+          </a:fillRef>
+          <a:effectRef idx="1">
+            <a:schemeClr val="accent1"/>
+          </a:effectRef>
+          <a:fontRef idx="minor">
+            <a:schemeClr val="tx1"/>
+          </a:fontRef>
+        </p:style>
+      </p:cxnSp>
+      <p:cxnSp>
+        <p:nvCxnSpPr>
+          <p:cNvPr id="18" name="Straight Connector 17"/>
+          <p:cNvCxnSpPr/>
+          <p:nvPr/>
+        </p:nvCxnSpPr>
+        <p:spPr>
+          <a:xfrm>
+            <a:off x="6962227" y="2133600"/>
+            <a:ext cx="0" cy="3966882"/>
+          </a:xfrm>
+          <a:prstGeom prst="line">
+            <a:avLst/>
+          </a:prstGeom>
+          <a:ln w="12700" cmpd="sng">
+            <a:solidFill>
+              <a:schemeClr val="bg2">
+                <a:lumMod val="40000"/>
+                <a:lumOff val="60000"/>
+                <a:alpha val="40000"/>
+              </a:schemeClr>
+            </a:solidFill>
+          </a:ln>
+        </p:spPr>
+        <p:style>
+          <a:lnRef idx="2">
+            <a:schemeClr val="accent1"/>
+          </a:lnRef>
+          <a:fillRef idx="0">
+            <a:schemeClr val="accent1"/>
+          </a:fillRef>
+          <a:effectRef idx="1">
+            <a:schemeClr val="accent1"/>
+          </a:effectRef>
+          <a:fontRef idx="minor">
+            <a:schemeClr val="tx1"/>
+          </a:fontRef>
+        </p:style>
+      </p:cxnSp>
+      <p:sp>
+        <p:nvSpPr>
+          <p:cNvPr id="7" name="Date Placeholder 3"/>
+          <p:cNvSpPr>
+            <a:spLocks noGrp="1"/>
+          </p:cNvSpPr>
+          <p:nvPr>
+            <p:ph type="dt" sz="half" idx="10"/>
+          </p:nvPr>
+        </p:nvSpPr>
+        <p:spPr/>
+        <p:txBody>
+          <a:bodyPr/>
+          <a:lstStyle/>
+          <a:p>
+            <a:fld id="{B38698DB-F693-4909-A9D1-53D55708E0A0}" type="datetimeFigureOut">
+              <a:rPr lang="ko-KR" altLang="en-US" smtClean="0"/>
+              <a:t>2023-10-14</a:t>
+            </a:fld>
+            <a:endParaRPr lang="ko-KR" altLang="en-US"/>
+          </a:p>
+        </p:txBody>
+      </p:sp>
+      <p:sp>
+        <p:nvSpPr>
+          <p:cNvPr id="4" name="Footer Placeholder 4"/>
+          <p:cNvSpPr>
+            <a:spLocks noGrp="1"/>
+          </p:cNvSpPr>
+          <p:nvPr>
+            <p:ph type="ftr" sz="quarter" idx="11"/>
+          </p:nvPr>
+        </p:nvSpPr>
+        <p:spPr/>
+        <p:txBody>
+          <a:bodyPr/>
+          <a:lstStyle/>
+          <a:p>
+            <a:endParaRPr lang="ko-KR" altLang="en-US"/>
+          </a:p>
+        </p:txBody>
+      </p:sp>
+      <p:sp>
+        <p:nvSpPr>
+          <p:cNvPr id="6" name="Slide Number Placeholder 5"/>
+          <p:cNvSpPr>
+            <a:spLocks noGrp="1"/>
+          </p:cNvSpPr>
+          <p:nvPr>
+            <p:ph type="sldNum" sz="quarter" idx="12"/>
+          </p:nvPr>
+        </p:nvSpPr>
+        <p:spPr/>
+        <p:txBody>
+          <a:bodyPr/>
+          <a:lstStyle/>
+          <a:p>
+            <a:fld id="{FE32CF24-D5FF-4E68-B94B-B1D79DE49D41}" type="slidenum">
+              <a:rPr lang="ko-KR" altLang="en-US" smtClean="0"/>
+              <a:t>‹#›</a:t>
+            </a:fld>
+            <a:endParaRPr lang="ko-KR" altLang="en-US"/>
+          </a:p>
+        </p:txBody>
+      </p:sp>
+    </p:spTree>
+    <p:extLst>
+      <p:ext uri="{BB962C8B-B14F-4D97-AF65-F5344CB8AC3E}">
+        <p14:creationId xmlns:p14="http://schemas.microsoft.com/office/powerpoint/2010/main" val="2673000239"/>
+      </p:ext>
+    </p:extLst>
+  </p:cSld>
+  <p:clrMapOvr>
+    <a:masterClrMapping/>
+  </p:clrMapOvr>
+</p:sldLayout>
+</file>
+
+<file path=ppt/slideLayouts/slideLayout15.xml><?xml version="1.0" encoding="utf-8"?>
+<p:sldLayout xmlns:a="http://schemas.openxmlformats.org/drawingml/2006/main" xmlns:r="http://schemas.openxmlformats.org/officeDocument/2006/relationships" xmlns:p="http://schemas.openxmlformats.org/presentationml/2006/main" preserve="1">
+  <p:cSld name="그림 열 3개">
+    <p:spTree>
+      <p:nvGrpSpPr>
+        <p:cNvPr id="1" name=""/>
+        <p:cNvGrpSpPr/>
+        <p:nvPr/>
+      </p:nvGrpSpPr>
+      <p:grpSpPr>
+        <a:xfrm>
+          <a:off x="0" y="0"/>
+          <a:ext cx="0" cy="0"/>
+          <a:chOff x="0" y="0"/>
+          <a:chExt cx="0" cy="0"/>
+        </a:xfrm>
+      </p:grpSpPr>
+      <p:sp>
+        <p:nvSpPr>
+          <p:cNvPr id="2" name="Title 1"/>
+          <p:cNvSpPr>
+            <a:spLocks noGrp="1"/>
+          </p:cNvSpPr>
+          <p:nvPr>
+            <p:ph type="title"/>
+          </p:nvPr>
+        </p:nvSpPr>
+        <p:spPr/>
+        <p:txBody>
+          <a:bodyPr/>
+          <a:lstStyle>
+            <a:lvl1pPr>
+              <a:defRPr sz="4200"/>
+            </a:lvl1pPr>
+          </a:lstStyle>
+          <a:p>
+            <a:r>
+              <a:rPr lang="ko-KR" altLang="en-US" smtClean="0"/>
+              <a:t>마스터 제목 스타일 편집</a:t>
+            </a:r>
+            <a:endParaRPr lang="en-US" dirty="0"/>
+          </a:p>
+        </p:txBody>
+      </p:sp>
+      <p:sp>
+        <p:nvSpPr>
+          <p:cNvPr id="3" name="Text Placeholder 2"/>
+          <p:cNvSpPr>
+            <a:spLocks noGrp="1"/>
+          </p:cNvSpPr>
+          <p:nvPr>
+            <p:ph type="body" idx="1"/>
+          </p:nvPr>
+        </p:nvSpPr>
+        <p:spPr>
+          <a:xfrm>
+            <a:off x="652463" y="4250949"/>
+            <a:ext cx="2940050" cy="576262"/>
+          </a:xfrm>
+        </p:spPr>
+        <p:txBody>
+          <a:bodyPr anchor="b">
+            <a:noAutofit/>
+          </a:bodyPr>
+          <a:lstStyle>
+            <a:lvl1pPr marL="0" indent="0">
+              <a:buNone/>
+              <a:defRPr sz="2400" b="0">
+                <a:solidFill>
+                  <a:schemeClr val="bg2">
+                    <a:lumMod val="40000"/>
+                    <a:lumOff val="60000"/>
+                  </a:schemeClr>
+                </a:solidFill>
+              </a:defRPr>
+            </a:lvl1pPr>
+            <a:lvl2pPr marL="457200" indent="0">
+              <a:buNone/>
+              <a:defRPr sz="2000" b="1"/>
+            </a:lvl2pPr>
+            <a:lvl3pPr marL="914400" indent="0">
+              <a:buNone/>
+              <a:defRPr sz="1800" b="1"/>
+            </a:lvl3pPr>
+            <a:lvl4pPr marL="1371600" indent="0">
+              <a:buNone/>
+              <a:defRPr sz="1600" b="1"/>
+            </a:lvl4pPr>
+            <a:lvl5pPr marL="1828800" indent="0">
+              <a:buNone/>
+              <a:defRPr sz="1600" b="1"/>
+            </a:lvl5pPr>
+            <a:lvl6pPr marL="2286000" indent="0">
+              <a:buNone/>
+              <a:defRPr sz="1600" b="1"/>
+            </a:lvl6pPr>
+            <a:lvl7pPr marL="2743200" indent="0">
+              <a:buNone/>
+              <a:defRPr sz="1600" b="1"/>
+            </a:lvl7pPr>
+            <a:lvl8pPr marL="3200400" indent="0">
+              <a:buNone/>
+              <a:defRPr sz="1600" b="1"/>
+            </a:lvl8pPr>
+            <a:lvl9pPr marL="3657600" indent="0">
+              <a:buNone/>
+              <a:defRPr sz="1600" b="1"/>
+            </a:lvl9pPr>
+          </a:lstStyle>
+          <a:p>
+            <a:pPr lvl="0"/>
+            <a:r>
+              <a:rPr lang="ko-KR" altLang="en-US" smtClean="0"/>
+              <a:t>마스터 텍스트 스타일 편집</a:t>
+            </a:r>
+          </a:p>
+        </p:txBody>
+      </p:sp>
+      <p:sp>
+        <p:nvSpPr>
+          <p:cNvPr id="29" name="Picture Placeholder 2"/>
+          <p:cNvSpPr>
+            <a:spLocks noGrp="1" noChangeAspect="1"/>
+          </p:cNvSpPr>
+          <p:nvPr>
+            <p:ph type="pic" idx="15"/>
+          </p:nvPr>
+        </p:nvSpPr>
+        <p:spPr>
+          <a:xfrm>
+            <a:off x="652463" y="2209800"/>
+            <a:ext cx="2940050" cy="1524000"/>
+          </a:xfrm>
+          <a:prstGeom prst="roundRect">
+            <a:avLst>
+              <a:gd name="adj" fmla="val 1858"/>
+            </a:avLst>
+          </a:prstGeom>
+          <a:effectLst>
+            <a:outerShdw blurRad="50800" dist="50800" dir="5400000" algn="tl" rotWithShape="0">
+              <a:srgbClr val="000000">
+                <a:alpha val="43000"/>
+              </a:srgbClr>
+            </a:outerShdw>
+          </a:effectLst>
+        </p:spPr>
+        <p:txBody>
+          <a:bodyPr anchor="t">
+            <a:normAutofit/>
+          </a:bodyPr>
+          <a:lstStyle>
+            <a:lvl1pPr marL="0" indent="0" algn="ctr">
+              <a:buNone/>
+              <a:defRPr sz="1600"/>
+            </a:lvl1pPr>
+            <a:lvl2pPr marL="457200" indent="0">
+              <a:buNone/>
+              <a:defRPr sz="1600"/>
+            </a:lvl2pPr>
+            <a:lvl3pPr marL="914400" indent="0">
+              <a:buNone/>
+              <a:defRPr sz="1600"/>
+            </a:lvl3pPr>
+            <a:lvl4pPr marL="1371600" indent="0">
+              <a:buNone/>
+              <a:defRPr sz="1600"/>
+            </a:lvl4pPr>
+            <a:lvl5pPr marL="1828800" indent="0">
+              <a:buNone/>
+              <a:defRPr sz="1600"/>
+            </a:lvl5pPr>
+            <a:lvl6pPr marL="2286000" indent="0">
+              <a:buNone/>
+              <a:defRPr sz="1600"/>
+            </a:lvl6pPr>
+            <a:lvl7pPr marL="2743200" indent="0">
+              <a:buNone/>
+              <a:defRPr sz="1600"/>
+            </a:lvl7pPr>
+            <a:lvl8pPr marL="3200400" indent="0">
+              <a:buNone/>
+              <a:defRPr sz="1600"/>
+            </a:lvl8pPr>
+            <a:lvl9pPr marL="3657600" indent="0">
+              <a:buNone/>
+              <a:defRPr sz="1600"/>
+            </a:lvl9pPr>
+          </a:lstStyle>
+          <a:p>
+            <a:r>
+              <a:rPr lang="ko-KR" altLang="en-US" smtClean="0"/>
+              <a:t>그림을 추가하려면 아이콘을 클릭하십시오</a:t>
+            </a:r>
+            <a:endParaRPr lang="en-US" dirty="0"/>
+          </a:p>
+        </p:txBody>
+      </p:sp>
+      <p:sp>
+        <p:nvSpPr>
+          <p:cNvPr id="22" name="Text Placeholder 3"/>
+          <p:cNvSpPr>
+            <a:spLocks noGrp="1"/>
+          </p:cNvSpPr>
+          <p:nvPr>
+            <p:ph type="body" sz="half" idx="18"/>
+          </p:nvPr>
+        </p:nvSpPr>
+        <p:spPr>
+          <a:xfrm>
+            <a:off x="652463" y="4827211"/>
+            <a:ext cx="2940050" cy="659189"/>
+          </a:xfrm>
+        </p:spPr>
+        <p:txBody>
+          <a:bodyPr anchor="t">
+            <a:normAutofit/>
+          </a:bodyPr>
+          <a:lstStyle>
+            <a:lvl1pPr marL="0" indent="0">
+              <a:buNone/>
+              <a:defRPr sz="1400"/>
+            </a:lvl1pPr>
+            <a:lvl2pPr marL="457200" indent="0">
+              <a:buNone/>
+              <a:defRPr sz="1200"/>
+            </a:lvl2pPr>
+            <a:lvl3pPr marL="914400" indent="0">
+              <a:buNone/>
+              <a:defRPr sz="1000"/>
+            </a:lvl3pPr>
+            <a:lvl4pPr marL="1371600" indent="0">
+              <a:buNone/>
+              <a:defRPr sz="900"/>
+            </a:lvl4pPr>
+            <a:lvl5pPr marL="1828800" indent="0">
+              <a:buNone/>
+              <a:defRPr sz="900"/>
+            </a:lvl5pPr>
+            <a:lvl6pPr marL="2286000" indent="0">
+              <a:buNone/>
+              <a:defRPr sz="900"/>
+            </a:lvl6pPr>
+            <a:lvl7pPr marL="2743200" indent="0">
+              <a:buNone/>
+              <a:defRPr sz="900"/>
+            </a:lvl7pPr>
+            <a:lvl8pPr marL="3200400" indent="0">
+              <a:buNone/>
+              <a:defRPr sz="900"/>
+            </a:lvl8pPr>
+            <a:lvl9pPr marL="3657600" indent="0">
+              <a:buNone/>
+              <a:defRPr sz="900"/>
+            </a:lvl9pPr>
+          </a:lstStyle>
+          <a:p>
+            <a:pPr lvl="0"/>
+            <a:r>
+              <a:rPr lang="ko-KR" altLang="en-US" smtClean="0"/>
+              <a:t>마스터 텍스트 스타일 편집</a:t>
+            </a:r>
+          </a:p>
+        </p:txBody>
+      </p:sp>
+      <p:sp>
+        <p:nvSpPr>
+          <p:cNvPr id="5" name="Text Placeholder 4"/>
+          <p:cNvSpPr>
+            <a:spLocks noGrp="1"/>
+          </p:cNvSpPr>
+          <p:nvPr>
+            <p:ph type="body" sz="quarter" idx="3"/>
+          </p:nvPr>
+        </p:nvSpPr>
+        <p:spPr>
+          <a:xfrm>
+            <a:off x="3889375" y="4250949"/>
+            <a:ext cx="2930525" cy="576262"/>
+          </a:xfrm>
+        </p:spPr>
+        <p:txBody>
+          <a:bodyPr anchor="b">
+            <a:noAutofit/>
+          </a:bodyPr>
+          <a:lstStyle>
+            <a:lvl1pPr marL="0" indent="0">
+              <a:buNone/>
+              <a:defRPr sz="2400" b="0">
+                <a:solidFill>
+                  <a:schemeClr val="bg2">
+                    <a:lumMod val="40000"/>
+                    <a:lumOff val="60000"/>
+                  </a:schemeClr>
+                </a:solidFill>
+              </a:defRPr>
+            </a:lvl1pPr>
+            <a:lvl2pPr marL="457200" indent="0">
+              <a:buNone/>
+              <a:defRPr sz="2000" b="1"/>
+            </a:lvl2pPr>
+            <a:lvl3pPr marL="914400" indent="0">
+              <a:buNone/>
+              <a:defRPr sz="1800" b="1"/>
+            </a:lvl3pPr>
+            <a:lvl4pPr marL="1371600" indent="0">
+              <a:buNone/>
+              <a:defRPr sz="1600" b="1"/>
+            </a:lvl4pPr>
+            <a:lvl5pPr marL="1828800" indent="0">
+              <a:buNone/>
+              <a:defRPr sz="1600" b="1"/>
+            </a:lvl5pPr>
+            <a:lvl6pPr marL="2286000" indent="0">
+              <a:buNone/>
+              <a:defRPr sz="1600" b="1"/>
+            </a:lvl6pPr>
+            <a:lvl7pPr marL="2743200" indent="0">
+              <a:buNone/>
+              <a:defRPr sz="1600" b="1"/>
+            </a:lvl7pPr>
+            <a:lvl8pPr marL="3200400" indent="0">
+              <a:buNone/>
+              <a:defRPr sz="1600" b="1"/>
+            </a:lvl8pPr>
+            <a:lvl9pPr marL="3657600" indent="0">
+              <a:buNone/>
+              <a:defRPr sz="1600" b="1"/>
+            </a:lvl9pPr>
+          </a:lstStyle>
+          <a:p>
+            <a:pPr lvl="0"/>
+            <a:r>
+              <a:rPr lang="ko-KR" altLang="en-US" smtClean="0"/>
+              <a:t>마스터 텍스트 스타일 편집</a:t>
+            </a:r>
+          </a:p>
+        </p:txBody>
+      </p:sp>
+      <p:sp>
+        <p:nvSpPr>
+          <p:cNvPr id="30" name="Picture Placeholder 2"/>
+          <p:cNvSpPr>
+            <a:spLocks noGrp="1" noChangeAspect="1"/>
+          </p:cNvSpPr>
+          <p:nvPr>
+            <p:ph type="pic" idx="21"/>
+          </p:nvPr>
+        </p:nvSpPr>
+        <p:spPr>
+          <a:xfrm>
+            <a:off x="3889374" y="2209800"/>
+            <a:ext cx="2930525" cy="1524000"/>
+          </a:xfrm>
+          <a:prstGeom prst="roundRect">
+            <a:avLst>
+              <a:gd name="adj" fmla="val 1858"/>
+            </a:avLst>
+          </a:prstGeom>
+          <a:effectLst>
+            <a:outerShdw blurRad="50800" dist="50800" dir="5400000" algn="tl" rotWithShape="0">
+              <a:srgbClr val="000000">
+                <a:alpha val="43000"/>
+              </a:srgbClr>
+            </a:outerShdw>
+          </a:effectLst>
+        </p:spPr>
+        <p:txBody>
+          <a:bodyPr anchor="t">
+            <a:normAutofit/>
+          </a:bodyPr>
+          <a:lstStyle>
+            <a:lvl1pPr marL="0" indent="0" algn="ctr">
+              <a:buNone/>
+              <a:defRPr sz="1600"/>
+            </a:lvl1pPr>
+            <a:lvl2pPr marL="457200" indent="0">
+              <a:buNone/>
+              <a:defRPr sz="1600"/>
+            </a:lvl2pPr>
+            <a:lvl3pPr marL="914400" indent="0">
+              <a:buNone/>
+              <a:defRPr sz="1600"/>
+            </a:lvl3pPr>
+            <a:lvl4pPr marL="1371600" indent="0">
+              <a:buNone/>
+              <a:defRPr sz="1600"/>
+            </a:lvl4pPr>
+            <a:lvl5pPr marL="1828800" indent="0">
+              <a:buNone/>
+              <a:defRPr sz="1600"/>
+            </a:lvl5pPr>
+            <a:lvl6pPr marL="2286000" indent="0">
+              <a:buNone/>
+              <a:defRPr sz="1600"/>
+            </a:lvl6pPr>
+            <a:lvl7pPr marL="2743200" indent="0">
+              <a:buNone/>
+              <a:defRPr sz="1600"/>
+            </a:lvl7pPr>
+            <a:lvl8pPr marL="3200400" indent="0">
+              <a:buNone/>
+              <a:defRPr sz="1600"/>
+            </a:lvl8pPr>
+            <a:lvl9pPr marL="3657600" indent="0">
+              <a:buNone/>
+              <a:defRPr sz="1600"/>
+            </a:lvl9pPr>
+          </a:lstStyle>
+          <a:p>
+            <a:r>
+              <a:rPr lang="ko-KR" altLang="en-US" smtClean="0"/>
+              <a:t>그림을 추가하려면 아이콘을 클릭하십시오</a:t>
+            </a:r>
+            <a:endParaRPr lang="en-US" dirty="0"/>
+          </a:p>
+        </p:txBody>
+      </p:sp>
+      <p:sp>
+        <p:nvSpPr>
+          <p:cNvPr id="23" name="Text Placeholder 3"/>
+          <p:cNvSpPr>
+            <a:spLocks noGrp="1"/>
+          </p:cNvSpPr>
+          <p:nvPr>
+            <p:ph type="body" sz="half" idx="19"/>
+          </p:nvPr>
+        </p:nvSpPr>
+        <p:spPr>
+          <a:xfrm>
+            <a:off x="3888022" y="4827210"/>
+            <a:ext cx="2934406" cy="659189"/>
+          </a:xfrm>
+        </p:spPr>
+        <p:txBody>
+          <a:bodyPr anchor="t">
+            <a:normAutofit/>
+          </a:bodyPr>
+          <a:lstStyle>
+            <a:lvl1pPr marL="0" indent="0">
+              <a:buNone/>
+              <a:defRPr sz="1400"/>
+            </a:lvl1pPr>
+            <a:lvl2pPr marL="457200" indent="0">
+              <a:buNone/>
+              <a:defRPr sz="1200"/>
+            </a:lvl2pPr>
+            <a:lvl3pPr marL="914400" indent="0">
+              <a:buNone/>
+              <a:defRPr sz="1000"/>
+            </a:lvl3pPr>
+            <a:lvl4pPr marL="1371600" indent="0">
+              <a:buNone/>
+              <a:defRPr sz="900"/>
+            </a:lvl4pPr>
+            <a:lvl5pPr marL="1828800" indent="0">
+              <a:buNone/>
+              <a:defRPr sz="900"/>
+            </a:lvl5pPr>
+            <a:lvl6pPr marL="2286000" indent="0">
+              <a:buNone/>
+              <a:defRPr sz="900"/>
+            </a:lvl6pPr>
+            <a:lvl7pPr marL="2743200" indent="0">
+              <a:buNone/>
+              <a:defRPr sz="900"/>
+            </a:lvl7pPr>
+            <a:lvl8pPr marL="3200400" indent="0">
+              <a:buNone/>
+              <a:defRPr sz="900"/>
+            </a:lvl8pPr>
+            <a:lvl9pPr marL="3657600" indent="0">
+              <a:buNone/>
+              <a:defRPr sz="900"/>
+            </a:lvl9pPr>
+          </a:lstStyle>
+          <a:p>
+            <a:pPr lvl="0"/>
+            <a:r>
+              <a:rPr lang="ko-KR" altLang="en-US" smtClean="0"/>
+              <a:t>마스터 텍스트 스타일 편집</a:t>
+            </a:r>
+          </a:p>
+        </p:txBody>
+      </p:sp>
+      <p:sp>
+        <p:nvSpPr>
+          <p:cNvPr id="14" name="Text Placeholder 4"/>
+          <p:cNvSpPr>
+            <a:spLocks noGrp="1"/>
+          </p:cNvSpPr>
+          <p:nvPr>
+            <p:ph type="body" sz="quarter" idx="13"/>
+          </p:nvPr>
+        </p:nvSpPr>
+        <p:spPr>
+          <a:xfrm>
+            <a:off x="7124700" y="4250949"/>
+            <a:ext cx="2932113" cy="576262"/>
+          </a:xfrm>
+        </p:spPr>
+        <p:txBody>
+          <a:bodyPr anchor="b">
+            <a:noAutofit/>
+          </a:bodyPr>
+          <a:lstStyle>
+            <a:lvl1pPr marL="0" indent="0">
+              <a:buNone/>
+              <a:defRPr sz="2400" b="0">
+                <a:solidFill>
+                  <a:schemeClr val="bg2">
+                    <a:lumMod val="40000"/>
+                    <a:lumOff val="60000"/>
+                  </a:schemeClr>
+                </a:solidFill>
+              </a:defRPr>
+            </a:lvl1pPr>
+            <a:lvl2pPr marL="457200" indent="0">
+              <a:buNone/>
+              <a:defRPr sz="2000" b="1"/>
+            </a:lvl2pPr>
+            <a:lvl3pPr marL="914400" indent="0">
+              <a:buNone/>
+              <a:defRPr sz="1800" b="1"/>
+            </a:lvl3pPr>
+            <a:lvl4pPr marL="1371600" indent="0">
+              <a:buNone/>
+              <a:defRPr sz="1600" b="1"/>
+            </a:lvl4pPr>
+            <a:lvl5pPr marL="1828800" indent="0">
+              <a:buNone/>
+              <a:defRPr sz="1600" b="1"/>
+            </a:lvl5pPr>
+            <a:lvl6pPr marL="2286000" indent="0">
+              <a:buNone/>
+              <a:defRPr sz="1600" b="1"/>
+            </a:lvl6pPr>
+            <a:lvl7pPr marL="2743200" indent="0">
+              <a:buNone/>
+              <a:defRPr sz="1600" b="1"/>
+            </a:lvl7pPr>
+            <a:lvl8pPr marL="3200400" indent="0">
+              <a:buNone/>
+              <a:defRPr sz="1600" b="1"/>
+            </a:lvl8pPr>
+            <a:lvl9pPr marL="3657600" indent="0">
+              <a:buNone/>
+              <a:defRPr sz="1600" b="1"/>
+            </a:lvl9pPr>
+          </a:lstStyle>
+          <a:p>
+            <a:pPr lvl="0"/>
+            <a:r>
+              <a:rPr lang="ko-KR" altLang="en-US" smtClean="0"/>
+              <a:t>마스터 텍스트 스타일 편집</a:t>
+            </a:r>
+          </a:p>
+        </p:txBody>
+      </p:sp>
+      <p:sp>
+        <p:nvSpPr>
+          <p:cNvPr id="31" name="Picture Placeholder 2"/>
+          <p:cNvSpPr>
+            <a:spLocks noGrp="1" noChangeAspect="1"/>
+          </p:cNvSpPr>
+          <p:nvPr>
+            <p:ph type="pic" idx="22"/>
+          </p:nvPr>
+        </p:nvSpPr>
+        <p:spPr>
+          <a:xfrm>
+            <a:off x="7124699" y="2209800"/>
+            <a:ext cx="2932113" cy="1524000"/>
+          </a:xfrm>
+          <a:prstGeom prst="roundRect">
+            <a:avLst>
+              <a:gd name="adj" fmla="val 1858"/>
+            </a:avLst>
+          </a:prstGeom>
+          <a:effectLst>
+            <a:outerShdw blurRad="50800" dist="50800" dir="5400000" algn="tl" rotWithShape="0">
+              <a:srgbClr val="000000">
+                <a:alpha val="43000"/>
+              </a:srgbClr>
+            </a:outerShdw>
+          </a:effectLst>
+        </p:spPr>
+        <p:txBody>
+          <a:bodyPr anchor="t">
+            <a:normAutofit/>
+          </a:bodyPr>
+          <a:lstStyle>
+            <a:lvl1pPr marL="0" indent="0" algn="ctr">
+              <a:buNone/>
+              <a:defRPr sz="1600"/>
+            </a:lvl1pPr>
+            <a:lvl2pPr marL="457200" indent="0">
+              <a:buNone/>
+              <a:defRPr sz="1600"/>
+            </a:lvl2pPr>
+            <a:lvl3pPr marL="914400" indent="0">
+              <a:buNone/>
+              <a:defRPr sz="1600"/>
+            </a:lvl3pPr>
+            <a:lvl4pPr marL="1371600" indent="0">
+              <a:buNone/>
+              <a:defRPr sz="1600"/>
+            </a:lvl4pPr>
+            <a:lvl5pPr marL="1828800" indent="0">
+              <a:buNone/>
+              <a:defRPr sz="1600"/>
+            </a:lvl5pPr>
+            <a:lvl6pPr marL="2286000" indent="0">
+              <a:buNone/>
+              <a:defRPr sz="1600"/>
+            </a:lvl6pPr>
+            <a:lvl7pPr marL="2743200" indent="0">
+              <a:buNone/>
+              <a:defRPr sz="1600"/>
+            </a:lvl7pPr>
+            <a:lvl8pPr marL="3200400" indent="0">
+              <a:buNone/>
+              <a:defRPr sz="1600"/>
+            </a:lvl8pPr>
+            <a:lvl9pPr marL="3657600" indent="0">
+              <a:buNone/>
+              <a:defRPr sz="1600"/>
+            </a:lvl9pPr>
+          </a:lstStyle>
+          <a:p>
+            <a:r>
+              <a:rPr lang="ko-KR" altLang="en-US" smtClean="0"/>
+              <a:t>그림을 추가하려면 아이콘을 클릭하십시오</a:t>
+            </a:r>
+            <a:endParaRPr lang="en-US" dirty="0"/>
+          </a:p>
+        </p:txBody>
+      </p:sp>
+      <p:sp>
+        <p:nvSpPr>
+          <p:cNvPr id="24" name="Text Placeholder 3"/>
+          <p:cNvSpPr>
+            <a:spLocks noGrp="1"/>
+          </p:cNvSpPr>
+          <p:nvPr>
+            <p:ph type="body" sz="half" idx="20"/>
+          </p:nvPr>
+        </p:nvSpPr>
+        <p:spPr>
+          <a:xfrm>
+            <a:off x="7124575" y="4827208"/>
+            <a:ext cx="2935997" cy="659189"/>
+          </a:xfrm>
+        </p:spPr>
+        <p:txBody>
+          <a:bodyPr anchor="t">
+            <a:normAutofit/>
+          </a:bodyPr>
+          <a:lstStyle>
+            <a:lvl1pPr marL="0" indent="0">
+              <a:buNone/>
+              <a:defRPr sz="1400"/>
+            </a:lvl1pPr>
+            <a:lvl2pPr marL="457200" indent="0">
+              <a:buNone/>
+              <a:defRPr sz="1200"/>
+            </a:lvl2pPr>
+            <a:lvl3pPr marL="914400" indent="0">
+              <a:buNone/>
+              <a:defRPr sz="1000"/>
+            </a:lvl3pPr>
+            <a:lvl4pPr marL="1371600" indent="0">
+              <a:buNone/>
+              <a:defRPr sz="900"/>
+            </a:lvl4pPr>
+            <a:lvl5pPr marL="1828800" indent="0">
+              <a:buNone/>
+              <a:defRPr sz="900"/>
+            </a:lvl5pPr>
+            <a:lvl6pPr marL="2286000" indent="0">
+              <a:buNone/>
+              <a:defRPr sz="900"/>
+            </a:lvl6pPr>
+            <a:lvl7pPr marL="2743200" indent="0">
+              <a:buNone/>
+              <a:defRPr sz="900"/>
+            </a:lvl7pPr>
+            <a:lvl8pPr marL="3200400" indent="0">
+              <a:buNone/>
+              <a:defRPr sz="900"/>
+            </a:lvl8pPr>
+            <a:lvl9pPr marL="3657600" indent="0">
+              <a:buNone/>
+              <a:defRPr sz="900"/>
+            </a:lvl9pPr>
+          </a:lstStyle>
+          <a:p>
+            <a:pPr lvl="0"/>
+            <a:r>
+              <a:rPr lang="ko-KR" altLang="en-US" smtClean="0"/>
+              <a:t>마스터 텍스트 스타일 편집</a:t>
+            </a:r>
+          </a:p>
+        </p:txBody>
+      </p:sp>
+      <p:cxnSp>
+        <p:nvCxnSpPr>
+          <p:cNvPr id="19" name="Straight Connector 18"/>
+          <p:cNvCxnSpPr/>
+          <p:nvPr/>
+        </p:nvCxnSpPr>
+        <p:spPr>
+          <a:xfrm>
+            <a:off x="3726142" y="2133600"/>
+            <a:ext cx="0" cy="3962400"/>
+          </a:xfrm>
+          <a:prstGeom prst="line">
+            <a:avLst/>
+          </a:prstGeom>
+          <a:ln w="12700" cmpd="sng">
+            <a:solidFill>
+              <a:schemeClr val="bg2">
+                <a:lumMod val="40000"/>
+                <a:lumOff val="60000"/>
+                <a:alpha val="40000"/>
+              </a:schemeClr>
+            </a:solidFill>
+          </a:ln>
+        </p:spPr>
+        <p:style>
+          <a:lnRef idx="2">
+            <a:schemeClr val="accent1"/>
+          </a:lnRef>
+          <a:fillRef idx="0">
+            <a:schemeClr val="accent1"/>
+          </a:fillRef>
+          <a:effectRef idx="1">
+            <a:schemeClr val="accent1"/>
+          </a:effectRef>
+          <a:fontRef idx="minor">
+            <a:schemeClr val="tx1"/>
+          </a:fontRef>
+        </p:style>
+      </p:cxnSp>
+      <p:cxnSp>
+        <p:nvCxnSpPr>
+          <p:cNvPr id="20" name="Straight Connector 19"/>
+          <p:cNvCxnSpPr/>
+          <p:nvPr/>
+        </p:nvCxnSpPr>
+        <p:spPr>
+          <a:xfrm>
+            <a:off x="6962227" y="2133600"/>
+            <a:ext cx="0" cy="3966882"/>
+          </a:xfrm>
+          <a:prstGeom prst="line">
+            <a:avLst/>
+          </a:prstGeom>
+          <a:ln w="12700" cmpd="sng">
+            <a:solidFill>
+              <a:schemeClr val="bg2">
+                <a:lumMod val="40000"/>
+                <a:lumOff val="60000"/>
+                <a:alpha val="40000"/>
+              </a:schemeClr>
+            </a:solidFill>
+          </a:ln>
+        </p:spPr>
+        <p:style>
+          <a:lnRef idx="2">
+            <a:schemeClr val="accent1"/>
+          </a:lnRef>
+          <a:fillRef idx="0">
+            <a:schemeClr val="accent1"/>
+          </a:fillRef>
+          <a:effectRef idx="1">
+            <a:schemeClr val="accent1"/>
+          </a:effectRef>
+          <a:fontRef idx="minor">
+            <a:schemeClr val="tx1"/>
+          </a:fontRef>
+        </p:style>
+      </p:cxnSp>
+      <p:sp>
+        <p:nvSpPr>
+          <p:cNvPr id="7" name="Date Placeholder 3"/>
+          <p:cNvSpPr>
+            <a:spLocks noGrp="1"/>
+          </p:cNvSpPr>
+          <p:nvPr>
+            <p:ph type="dt" sz="half" idx="10"/>
+          </p:nvPr>
+        </p:nvSpPr>
+        <p:spPr/>
+        <p:txBody>
+          <a:bodyPr/>
+          <a:lstStyle/>
+          <a:p>
+            <a:fld id="{B38698DB-F693-4909-A9D1-53D55708E0A0}" type="datetimeFigureOut">
+              <a:rPr lang="ko-KR" altLang="en-US" smtClean="0"/>
+              <a:t>2023-10-14</a:t>
+            </a:fld>
+            <a:endParaRPr lang="ko-KR" altLang="en-US"/>
+          </a:p>
+        </p:txBody>
+      </p:sp>
+      <p:sp>
+        <p:nvSpPr>
+          <p:cNvPr id="4" name="Footer Placeholder 4"/>
+          <p:cNvSpPr>
+            <a:spLocks noGrp="1"/>
+          </p:cNvSpPr>
+          <p:nvPr>
+            <p:ph type="ftr" sz="quarter" idx="11"/>
+          </p:nvPr>
+        </p:nvSpPr>
+        <p:spPr/>
+        <p:txBody>
+          <a:bodyPr/>
+          <a:lstStyle/>
+          <a:p>
+            <a:endParaRPr lang="ko-KR" altLang="en-US"/>
+          </a:p>
+        </p:txBody>
+      </p:sp>
+      <p:sp>
+        <p:nvSpPr>
+          <p:cNvPr id="6" name="Slide Number Placeholder 5"/>
+          <p:cNvSpPr>
+            <a:spLocks noGrp="1"/>
+          </p:cNvSpPr>
+          <p:nvPr>
+            <p:ph type="sldNum" sz="quarter" idx="12"/>
+          </p:nvPr>
+        </p:nvSpPr>
+        <p:spPr/>
+        <p:txBody>
+          <a:bodyPr/>
+          <a:lstStyle/>
+          <a:p>
+            <a:fld id="{FE32CF24-D5FF-4E68-B94B-B1D79DE49D41}" type="slidenum">
+              <a:rPr lang="ko-KR" altLang="en-US" smtClean="0"/>
+              <a:t>‹#›</a:t>
+            </a:fld>
+            <a:endParaRPr lang="ko-KR" altLang="en-US"/>
+          </a:p>
+        </p:txBody>
+      </p:sp>
+    </p:spTree>
+    <p:extLst>
+      <p:ext uri="{BB962C8B-B14F-4D97-AF65-F5344CB8AC3E}">
+        <p14:creationId xmlns:p14="http://schemas.microsoft.com/office/powerpoint/2010/main" val="3002690164"/>
+      </p:ext>
+    </p:extLst>
+  </p:cSld>
+  <p:clrMapOvr>
+    <a:masterClrMapping/>
+  </p:clrMapOvr>
+</p:sldLayout>
+</file>
+
+<file path=ppt/slideLayouts/slideLayout16.xml><?xml version="1.0" encoding="utf-8"?>
 <p:sldLayout xmlns:a="http://schemas.openxmlformats.org/drawingml/2006/main" xmlns:r="http://schemas.openxmlformats.org/officeDocument/2006/relationships" xmlns:p="http://schemas.openxmlformats.org/presentationml/2006/main" type="vertTx" preserve="1">
   <p:cSld name="제목 및 세로 텍스트">
     <p:spTree>
@@ -318,7 +2944,7 @@
       </p:grpSpPr>
       <p:sp>
         <p:nvSpPr>
-          <p:cNvPr id="2" name="제목 1"/>
+          <p:cNvPr id="2" name="Title 1"/>
           <p:cNvSpPr>
             <a:spLocks noGrp="1"/>
           </p:cNvSpPr>
@@ -335,13 +2961,13 @@
               <a:rPr lang="ko-KR" altLang="en-US" smtClean="0"/>
               <a:t>마스터 제목 스타일 편집</a:t>
             </a:r>
-            <a:endParaRPr lang="ko-KR" altLang="en-US"/>
-          </a:p>
-        </p:txBody>
-      </p:sp>
-      <p:sp>
-        <p:nvSpPr>
-          <p:cNvPr id="3" name="세로 텍스트 개체 틀 2"/>
+            <a:endParaRPr lang="en-US" dirty="0"/>
+          </a:p>
+        </p:txBody>
+      </p:sp>
+      <p:sp>
+        <p:nvSpPr>
+          <p:cNvPr id="3" name="Vertical Text Placeholder 2"/>
           <p:cNvSpPr>
             <a:spLocks noGrp="1"/>
           </p:cNvSpPr>
@@ -351,7 +2977,7 @@
         </p:nvSpPr>
         <p:spPr/>
         <p:txBody>
-          <a:bodyPr vert="eaVert"/>
+          <a:bodyPr vert="eaVert" anchor="t" anchorCtr="0"/>
           <a:lstStyle/>
           <a:p>
             <a:pPr lvl="0"/>
@@ -387,13 +3013,13 @@
               <a:rPr lang="ko-KR" altLang="en-US" smtClean="0"/>
               <a:t>다섯째 수준</a:t>
             </a:r>
-            <a:endParaRPr lang="ko-KR" altLang="en-US"/>
-          </a:p>
-        </p:txBody>
-      </p:sp>
-      <p:sp>
-        <p:nvSpPr>
-          <p:cNvPr id="4" name="날짜 개체 틀 3"/>
+            <a:endParaRPr lang="en-US" dirty="0"/>
+          </a:p>
+        </p:txBody>
+      </p:sp>
+      <p:sp>
+        <p:nvSpPr>
+          <p:cNvPr id="4" name="Date Placeholder 3"/>
           <p:cNvSpPr>
             <a:spLocks noGrp="1"/>
           </p:cNvSpPr>
@@ -416,7 +3042,7 @@
       </p:sp>
       <p:sp>
         <p:nvSpPr>
-          <p:cNvPr id="5" name="바닥글 개체 틀 4"/>
+          <p:cNvPr id="5" name="Footer Placeholder 4"/>
           <p:cNvSpPr>
             <a:spLocks noGrp="1"/>
           </p:cNvSpPr>
@@ -435,7 +3061,7 @@
       </p:sp>
       <p:sp>
         <p:nvSpPr>
-          <p:cNvPr id="6" name="슬라이드 번호 개체 틀 5"/>
+          <p:cNvPr id="6" name="Slide Number Placeholder 5"/>
           <p:cNvSpPr>
             <a:spLocks noGrp="1"/>
           </p:cNvSpPr>
@@ -459,7 +3085,7 @@
     </p:spTree>
     <p:extLst>
       <p:ext uri="{BB962C8B-B14F-4D97-AF65-F5344CB8AC3E}">
-        <p14:creationId xmlns:p14="http://schemas.microsoft.com/office/powerpoint/2010/main" val="2993359948"/>
+        <p14:creationId xmlns:p14="http://schemas.microsoft.com/office/powerpoint/2010/main" val="738124686"/>
       </p:ext>
     </p:extLst>
   </p:cSld>
@@ -469,7 +3095,7 @@
 </p:sldLayout>
 </file>
 
-<file path=ppt/slideLayouts/slideLayout11.xml><?xml version="1.0" encoding="utf-8"?>
+<file path=ppt/slideLayouts/slideLayout17.xml><?xml version="1.0" encoding="utf-8"?>
 <p:sldLayout xmlns:a="http://schemas.openxmlformats.org/drawingml/2006/main" xmlns:r="http://schemas.openxmlformats.org/officeDocument/2006/relationships" xmlns:p="http://schemas.openxmlformats.org/presentationml/2006/main" type="vertTitleAndTx" preserve="1">
   <p:cSld name="세로 제목 및 텍스트">
     <p:spTree>
@@ -488,7 +3114,7 @@
       </p:grpSpPr>
       <p:sp>
         <p:nvSpPr>
-          <p:cNvPr id="2" name="세로 제목 1"/>
+          <p:cNvPr id="2" name="Vertical Title 1"/>
           <p:cNvSpPr>
             <a:spLocks noGrp="1"/>
           </p:cNvSpPr>
@@ -498,42 +3124,42 @@
         </p:nvSpPr>
         <p:spPr>
           <a:xfrm>
-            <a:off x="8724900" y="365125"/>
-            <a:ext cx="2628900" cy="5811838"/>
+            <a:off x="8304212" y="430213"/>
+            <a:ext cx="1752601" cy="5826125"/>
+          </a:xfrm>
+        </p:spPr>
+        <p:txBody>
+          <a:bodyPr vert="eaVert" anchor="b" anchorCtr="0"/>
+          <a:lstStyle/>
+          <a:p>
+            <a:r>
+              <a:rPr lang="ko-KR" altLang="en-US" smtClean="0"/>
+              <a:t>마스터 제목 스타일 편집</a:t>
+            </a:r>
+            <a:endParaRPr lang="en-US" dirty="0"/>
+          </a:p>
+        </p:txBody>
+      </p:sp>
+      <p:sp>
+        <p:nvSpPr>
+          <p:cNvPr id="3" name="Vertical Text Placeholder 2"/>
+          <p:cNvSpPr>
+            <a:spLocks noGrp="1"/>
+          </p:cNvSpPr>
+          <p:nvPr>
+            <p:ph type="body" orient="vert" idx="1"/>
+          </p:nvPr>
+        </p:nvSpPr>
+        <p:spPr>
+          <a:xfrm>
+            <a:off x="652463" y="887414"/>
+            <a:ext cx="7423149" cy="5368924"/>
           </a:xfrm>
         </p:spPr>
         <p:txBody>
           <a:bodyPr vert="eaVert"/>
           <a:lstStyle/>
           <a:p>
-            <a:r>
-              <a:rPr lang="ko-KR" altLang="en-US" smtClean="0"/>
-              <a:t>마스터 제목 스타일 편집</a:t>
-            </a:r>
-            <a:endParaRPr lang="ko-KR" altLang="en-US"/>
-          </a:p>
-        </p:txBody>
-      </p:sp>
-      <p:sp>
-        <p:nvSpPr>
-          <p:cNvPr id="3" name="세로 텍스트 개체 틀 2"/>
-          <p:cNvSpPr>
-            <a:spLocks noGrp="1"/>
-          </p:cNvSpPr>
-          <p:nvPr>
-            <p:ph type="body" orient="vert" idx="1"/>
-          </p:nvPr>
-        </p:nvSpPr>
-        <p:spPr>
-          <a:xfrm>
-            <a:off x="838200" y="365125"/>
-            <a:ext cx="7734300" cy="5811838"/>
-          </a:xfrm>
-        </p:spPr>
-        <p:txBody>
-          <a:bodyPr vert="eaVert"/>
-          <a:lstStyle/>
-          <a:p>
             <a:pPr lvl="0"/>
             <a:r>
               <a:rPr lang="ko-KR" altLang="en-US" smtClean="0"/>
@@ -567,13 +3193,13 @@
               <a:rPr lang="ko-KR" altLang="en-US" smtClean="0"/>
               <a:t>다섯째 수준</a:t>
             </a:r>
-            <a:endParaRPr lang="ko-KR" altLang="en-US"/>
-          </a:p>
-        </p:txBody>
-      </p:sp>
-      <p:sp>
-        <p:nvSpPr>
-          <p:cNvPr id="4" name="날짜 개체 틀 3"/>
+            <a:endParaRPr lang="en-US" dirty="0"/>
+          </a:p>
+        </p:txBody>
+      </p:sp>
+      <p:sp>
+        <p:nvSpPr>
+          <p:cNvPr id="4" name="Date Placeholder 3"/>
           <p:cNvSpPr>
             <a:spLocks noGrp="1"/>
           </p:cNvSpPr>
@@ -596,7 +3222,7 @@
       </p:sp>
       <p:sp>
         <p:nvSpPr>
-          <p:cNvPr id="5" name="바닥글 개체 틀 4"/>
+          <p:cNvPr id="5" name="Footer Placeholder 4"/>
           <p:cNvSpPr>
             <a:spLocks noGrp="1"/>
           </p:cNvSpPr>
@@ -615,7 +3241,7 @@
       </p:sp>
       <p:sp>
         <p:nvSpPr>
-          <p:cNvPr id="6" name="슬라이드 번호 개체 틀 5"/>
+          <p:cNvPr id="6" name="Slide Number Placeholder 5"/>
           <p:cNvSpPr>
             <a:spLocks noGrp="1"/>
           </p:cNvSpPr>
@@ -639,7 +3265,7 @@
     </p:spTree>
     <p:extLst>
       <p:ext uri="{BB962C8B-B14F-4D97-AF65-F5344CB8AC3E}">
-        <p14:creationId xmlns:p14="http://schemas.microsoft.com/office/powerpoint/2010/main" val="3191824762"/>
+        <p14:creationId xmlns:p14="http://schemas.microsoft.com/office/powerpoint/2010/main" val="2322031447"/>
       </p:ext>
     </p:extLst>
   </p:cSld>
@@ -668,7 +3294,7 @@
       </p:grpSpPr>
       <p:sp>
         <p:nvSpPr>
-          <p:cNvPr id="2" name="제목 1"/>
+          <p:cNvPr id="2" name="Title 1"/>
           <p:cNvSpPr>
             <a:spLocks noGrp="1"/>
           </p:cNvSpPr>
@@ -685,13 +3311,13 @@
               <a:rPr lang="ko-KR" altLang="en-US" smtClean="0"/>
               <a:t>마스터 제목 스타일 편집</a:t>
             </a:r>
-            <a:endParaRPr lang="ko-KR" altLang="en-US"/>
-          </a:p>
-        </p:txBody>
-      </p:sp>
-      <p:sp>
-        <p:nvSpPr>
-          <p:cNvPr id="3" name="내용 개체 틀 2"/>
+            <a:endParaRPr lang="en-US" dirty="0"/>
+          </a:p>
+        </p:txBody>
+      </p:sp>
+      <p:sp>
+        <p:nvSpPr>
+          <p:cNvPr id="3" name="Content Placeholder 2"/>
           <p:cNvSpPr>
             <a:spLocks noGrp="1"/>
           </p:cNvSpPr>
@@ -737,13 +3363,13 @@
               <a:rPr lang="ko-KR" altLang="en-US" smtClean="0"/>
               <a:t>다섯째 수준</a:t>
             </a:r>
-            <a:endParaRPr lang="ko-KR" altLang="en-US"/>
-          </a:p>
-        </p:txBody>
-      </p:sp>
-      <p:sp>
-        <p:nvSpPr>
-          <p:cNvPr id="4" name="날짜 개체 틀 3"/>
+            <a:endParaRPr lang="en-US" dirty="0"/>
+          </a:p>
+        </p:txBody>
+      </p:sp>
+      <p:sp>
+        <p:nvSpPr>
+          <p:cNvPr id="7" name="Date Placeholder 3"/>
           <p:cNvSpPr>
             <a:spLocks noGrp="1"/>
           </p:cNvSpPr>
@@ -766,7 +3392,7 @@
       </p:sp>
       <p:sp>
         <p:nvSpPr>
-          <p:cNvPr id="5" name="바닥글 개체 틀 4"/>
+          <p:cNvPr id="5" name="Footer Placeholder 4"/>
           <p:cNvSpPr>
             <a:spLocks noGrp="1"/>
           </p:cNvSpPr>
@@ -785,7 +3411,7 @@
       </p:sp>
       <p:sp>
         <p:nvSpPr>
-          <p:cNvPr id="6" name="슬라이드 번호 개체 틀 5"/>
+          <p:cNvPr id="6" name="Slide Number Placeholder 5"/>
           <p:cNvSpPr>
             <a:spLocks noGrp="1"/>
           </p:cNvSpPr>
@@ -809,7 +3435,7 @@
     </p:spTree>
     <p:extLst>
       <p:ext uri="{BB962C8B-B14F-4D97-AF65-F5344CB8AC3E}">
-        <p14:creationId xmlns:p14="http://schemas.microsoft.com/office/powerpoint/2010/main" val="2080520811"/>
+        <p14:creationId xmlns:p14="http://schemas.microsoft.com/office/powerpoint/2010/main" val="2145442893"/>
       </p:ext>
     </p:extLst>
   </p:cSld>
@@ -838,7 +3464,7 @@
       </p:grpSpPr>
       <p:sp>
         <p:nvSpPr>
-          <p:cNvPr id="2" name="제목 1"/>
+          <p:cNvPr id="2" name="Title 1"/>
           <p:cNvSpPr>
             <a:spLocks noGrp="1"/>
           </p:cNvSpPr>
@@ -848,15 +3474,15 @@
         </p:nvSpPr>
         <p:spPr>
           <a:xfrm>
-            <a:off x="831850" y="1709738"/>
-            <a:ext cx="10515600" cy="2852737"/>
+            <a:off x="1154956" y="2861733"/>
+            <a:ext cx="8825657" cy="1915647"/>
           </a:xfrm>
         </p:spPr>
         <p:txBody>
           <a:bodyPr anchor="b"/>
           <a:lstStyle>
-            <a:lvl1pPr>
-              <a:defRPr sz="6000"/>
+            <a:lvl1pPr algn="l">
+              <a:defRPr sz="4000" b="0" cap="none"/>
             </a:lvl1pPr>
           </a:lstStyle>
           <a:p>
@@ -864,13 +3490,13 @@
               <a:rPr lang="ko-KR" altLang="en-US" smtClean="0"/>
               <a:t>마스터 제목 스타일 편집</a:t>
             </a:r>
-            <a:endParaRPr lang="ko-KR" altLang="en-US"/>
-          </a:p>
-        </p:txBody>
-      </p:sp>
-      <p:sp>
-        <p:nvSpPr>
-          <p:cNvPr id="3" name="텍스트 개체 틀 2"/>
+            <a:endParaRPr lang="en-US" dirty="0"/>
+          </a:p>
+        </p:txBody>
+      </p:sp>
+      <p:sp>
+        <p:nvSpPr>
+          <p:cNvPr id="3" name="Text Placeholder 2"/>
           <p:cNvSpPr>
             <a:spLocks noGrp="1"/>
           </p:cNvSpPr>
@@ -880,26 +3506,27 @@
         </p:nvSpPr>
         <p:spPr>
           <a:xfrm>
-            <a:off x="831850" y="4589463"/>
-            <a:ext cx="10515600" cy="1500187"/>
-          </a:xfrm>
-        </p:spPr>
-        <p:txBody>
-          <a:bodyPr/>
+            <a:off x="1154955" y="4777381"/>
+            <a:ext cx="8825658" cy="860400"/>
+          </a:xfrm>
+        </p:spPr>
+        <p:txBody>
+          <a:bodyPr anchor="t"/>
           <a:lstStyle>
-            <a:lvl1pPr marL="0" indent="0">
-              <a:buNone/>
-              <a:defRPr sz="2400">
+            <a:lvl1pPr marL="0" indent="0" algn="l">
+              <a:buNone/>
+              <a:defRPr sz="2000" cap="all">
                 <a:solidFill>
-                  <a:schemeClr val="tx1">
-                    <a:tint val="75000"/>
+                  <a:schemeClr val="bg2">
+                    <a:lumMod val="40000"/>
+                    <a:lumOff val="60000"/>
                   </a:schemeClr>
                 </a:solidFill>
               </a:defRPr>
             </a:lvl1pPr>
             <a:lvl2pPr marL="457200" indent="0">
               <a:buNone/>
-              <a:defRPr sz="2000">
+              <a:defRPr sz="1800">
                 <a:solidFill>
                   <a:schemeClr val="tx1">
                     <a:tint val="75000"/>
@@ -909,7 +3536,7 @@
             </a:lvl2pPr>
             <a:lvl3pPr marL="914400" indent="0">
               <a:buNone/>
-              <a:defRPr sz="1800">
+              <a:defRPr sz="1600">
                 <a:solidFill>
                   <a:schemeClr val="tx1">
                     <a:tint val="75000"/>
@@ -919,7 +3546,7 @@
             </a:lvl3pPr>
             <a:lvl4pPr marL="1371600" indent="0">
               <a:buNone/>
-              <a:defRPr sz="1600">
+              <a:defRPr sz="1400">
                 <a:solidFill>
                   <a:schemeClr val="tx1">
                     <a:tint val="75000"/>
@@ -929,7 +3556,7 @@
             </a:lvl4pPr>
             <a:lvl5pPr marL="1828800" indent="0">
               <a:buNone/>
-              <a:defRPr sz="1600">
+              <a:defRPr sz="1400">
                 <a:solidFill>
                   <a:schemeClr val="tx1">
                     <a:tint val="75000"/>
@@ -939,7 +3566,7 @@
             </a:lvl5pPr>
             <a:lvl6pPr marL="2286000" indent="0">
               <a:buNone/>
-              <a:defRPr sz="1600">
+              <a:defRPr sz="1400">
                 <a:solidFill>
                   <a:schemeClr val="tx1">
                     <a:tint val="75000"/>
@@ -949,7 +3576,7 @@
             </a:lvl6pPr>
             <a:lvl7pPr marL="2743200" indent="0">
               <a:buNone/>
-              <a:defRPr sz="1600">
+              <a:defRPr sz="1400">
                 <a:solidFill>
                   <a:schemeClr val="tx1">
                     <a:tint val="75000"/>
@@ -959,7 +3586,7 @@
             </a:lvl7pPr>
             <a:lvl8pPr marL="3200400" indent="0">
               <a:buNone/>
-              <a:defRPr sz="1600">
+              <a:defRPr sz="1400">
                 <a:solidFill>
                   <a:schemeClr val="tx1">
                     <a:tint val="75000"/>
@@ -969,7 +3596,7 @@
             </a:lvl8pPr>
             <a:lvl9pPr marL="3657600" indent="0">
               <a:buNone/>
-              <a:defRPr sz="1600">
+              <a:defRPr sz="1400">
                 <a:solidFill>
                   <a:schemeClr val="tx1">
                     <a:tint val="75000"/>
@@ -989,7 +3616,7 @@
       </p:sp>
       <p:sp>
         <p:nvSpPr>
-          <p:cNvPr id="4" name="날짜 개체 틀 3"/>
+          <p:cNvPr id="4" name="Date Placeholder 3"/>
           <p:cNvSpPr>
             <a:spLocks noGrp="1"/>
           </p:cNvSpPr>
@@ -1012,7 +3639,7 @@
       </p:sp>
       <p:sp>
         <p:nvSpPr>
-          <p:cNvPr id="5" name="바닥글 개체 틀 4"/>
+          <p:cNvPr id="5" name="Footer Placeholder 4"/>
           <p:cNvSpPr>
             <a:spLocks noGrp="1"/>
           </p:cNvSpPr>
@@ -1031,7 +3658,7 @@
       </p:sp>
       <p:sp>
         <p:nvSpPr>
-          <p:cNvPr id="6" name="슬라이드 번호 개체 틀 5"/>
+          <p:cNvPr id="6" name="Slide Number Placeholder 5"/>
           <p:cNvSpPr>
             <a:spLocks noGrp="1"/>
           </p:cNvSpPr>
@@ -1055,7 +3682,7 @@
     </p:spTree>
     <p:extLst>
       <p:ext uri="{BB962C8B-B14F-4D97-AF65-F5344CB8AC3E}">
-        <p14:creationId xmlns:p14="http://schemas.microsoft.com/office/powerpoint/2010/main" val="2545630168"/>
+        <p14:creationId xmlns:p14="http://schemas.microsoft.com/office/powerpoint/2010/main" val="3532519798"/>
       </p:ext>
     </p:extLst>
   </p:cSld>
@@ -1084,7 +3711,7 @@
       </p:grpSpPr>
       <p:sp>
         <p:nvSpPr>
-          <p:cNvPr id="2" name="제목 1"/>
+          <p:cNvPr id="2" name="Title 1"/>
           <p:cNvSpPr>
             <a:spLocks noGrp="1"/>
           </p:cNvSpPr>
@@ -1101,13 +3728,13 @@
               <a:rPr lang="ko-KR" altLang="en-US" smtClean="0"/>
               <a:t>마스터 제목 스타일 편집</a:t>
             </a:r>
-            <a:endParaRPr lang="ko-KR" altLang="en-US"/>
-          </a:p>
-        </p:txBody>
-      </p:sp>
-      <p:sp>
-        <p:nvSpPr>
-          <p:cNvPr id="3" name="내용 개체 틀 2"/>
+            <a:endParaRPr lang="en-US" dirty="0"/>
+          </a:p>
+        </p:txBody>
+      </p:sp>
+      <p:sp>
+        <p:nvSpPr>
+          <p:cNvPr id="3" name="Content Placeholder 2"/>
           <p:cNvSpPr>
             <a:spLocks noGrp="1"/>
           </p:cNvSpPr>
@@ -1117,13 +3744,43 @@
         </p:nvSpPr>
         <p:spPr>
           <a:xfrm>
-            <a:off x="838200" y="1825625"/>
-            <a:ext cx="5181600" cy="4351338"/>
-          </a:xfrm>
-        </p:spPr>
-        <p:txBody>
-          <a:bodyPr/>
-          <a:lstStyle/>
+            <a:off x="1103312" y="2060575"/>
+            <a:ext cx="4396339" cy="4195763"/>
+          </a:xfrm>
+        </p:spPr>
+        <p:txBody>
+          <a:bodyPr>
+            <a:normAutofit/>
+          </a:bodyPr>
+          <a:lstStyle>
+            <a:lvl1pPr>
+              <a:defRPr sz="1800"/>
+            </a:lvl1pPr>
+            <a:lvl2pPr>
+              <a:defRPr sz="1600"/>
+            </a:lvl2pPr>
+            <a:lvl3pPr>
+              <a:defRPr sz="1400"/>
+            </a:lvl3pPr>
+            <a:lvl4pPr>
+              <a:defRPr sz="1200"/>
+            </a:lvl4pPr>
+            <a:lvl5pPr>
+              <a:defRPr sz="1200"/>
+            </a:lvl5pPr>
+            <a:lvl6pPr>
+              <a:defRPr sz="1200"/>
+            </a:lvl6pPr>
+            <a:lvl7pPr>
+              <a:defRPr sz="1200"/>
+            </a:lvl7pPr>
+            <a:lvl8pPr>
+              <a:defRPr sz="1200"/>
+            </a:lvl8pPr>
+            <a:lvl9pPr>
+              <a:defRPr sz="1200"/>
+            </a:lvl9pPr>
+          </a:lstStyle>
           <a:p>
             <a:pPr lvl="0"/>
             <a:r>
@@ -1158,13 +3815,13 @@
               <a:rPr lang="ko-KR" altLang="en-US" smtClean="0"/>
               <a:t>다섯째 수준</a:t>
             </a:r>
-            <a:endParaRPr lang="ko-KR" altLang="en-US"/>
-          </a:p>
-        </p:txBody>
-      </p:sp>
-      <p:sp>
-        <p:nvSpPr>
-          <p:cNvPr id="4" name="내용 개체 틀 3"/>
+            <a:endParaRPr lang="en-US" dirty="0"/>
+          </a:p>
+        </p:txBody>
+      </p:sp>
+      <p:sp>
+        <p:nvSpPr>
+          <p:cNvPr id="4" name="Content Placeholder 3"/>
           <p:cNvSpPr>
             <a:spLocks noGrp="1"/>
           </p:cNvSpPr>
@@ -1174,13 +3831,43 @@
         </p:nvSpPr>
         <p:spPr>
           <a:xfrm>
-            <a:off x="6172200" y="1825625"/>
-            <a:ext cx="5181600" cy="4351338"/>
-          </a:xfrm>
-        </p:spPr>
-        <p:txBody>
-          <a:bodyPr/>
-          <a:lstStyle/>
+            <a:off x="5654493" y="2056092"/>
+            <a:ext cx="4396341" cy="4200245"/>
+          </a:xfrm>
+        </p:spPr>
+        <p:txBody>
+          <a:bodyPr>
+            <a:normAutofit/>
+          </a:bodyPr>
+          <a:lstStyle>
+            <a:lvl1pPr>
+              <a:defRPr sz="1800"/>
+            </a:lvl1pPr>
+            <a:lvl2pPr>
+              <a:defRPr sz="1600"/>
+            </a:lvl2pPr>
+            <a:lvl3pPr>
+              <a:defRPr sz="1400"/>
+            </a:lvl3pPr>
+            <a:lvl4pPr>
+              <a:defRPr sz="1200"/>
+            </a:lvl4pPr>
+            <a:lvl5pPr>
+              <a:defRPr sz="1200"/>
+            </a:lvl5pPr>
+            <a:lvl6pPr>
+              <a:defRPr sz="1200"/>
+            </a:lvl6pPr>
+            <a:lvl7pPr>
+              <a:defRPr sz="1200"/>
+            </a:lvl7pPr>
+            <a:lvl8pPr>
+              <a:defRPr sz="1200"/>
+            </a:lvl8pPr>
+            <a:lvl9pPr>
+              <a:defRPr sz="1200"/>
+            </a:lvl9pPr>
+          </a:lstStyle>
           <a:p>
             <a:pPr lvl="0"/>
             <a:r>
@@ -1215,13 +3902,13 @@
               <a:rPr lang="ko-KR" altLang="en-US" smtClean="0"/>
               <a:t>다섯째 수준</a:t>
             </a:r>
-            <a:endParaRPr lang="ko-KR" altLang="en-US"/>
-          </a:p>
-        </p:txBody>
-      </p:sp>
-      <p:sp>
-        <p:nvSpPr>
-          <p:cNvPr id="5" name="날짜 개체 틀 4"/>
+            <a:endParaRPr lang="en-US" dirty="0"/>
+          </a:p>
+        </p:txBody>
+      </p:sp>
+      <p:sp>
+        <p:nvSpPr>
+          <p:cNvPr id="5" name="Date Placeholder 4"/>
           <p:cNvSpPr>
             <a:spLocks noGrp="1"/>
           </p:cNvSpPr>
@@ -1244,7 +3931,7 @@
       </p:sp>
       <p:sp>
         <p:nvSpPr>
-          <p:cNvPr id="6" name="바닥글 개체 틀 5"/>
+          <p:cNvPr id="6" name="Footer Placeholder 5"/>
           <p:cNvSpPr>
             <a:spLocks noGrp="1"/>
           </p:cNvSpPr>
@@ -1263,7 +3950,7 @@
       </p:sp>
       <p:sp>
         <p:nvSpPr>
-          <p:cNvPr id="7" name="슬라이드 번호 개체 틀 6"/>
+          <p:cNvPr id="7" name="Slide Number Placeholder 6"/>
           <p:cNvSpPr>
             <a:spLocks noGrp="1"/>
           </p:cNvSpPr>
@@ -1287,7 +3974,7 @@
     </p:spTree>
     <p:extLst>
       <p:ext uri="{BB962C8B-B14F-4D97-AF65-F5344CB8AC3E}">
-        <p14:creationId xmlns:p14="http://schemas.microsoft.com/office/powerpoint/2010/main" val="1500594541"/>
+        <p14:creationId xmlns:p14="http://schemas.microsoft.com/office/powerpoint/2010/main" val="2187919757"/>
       </p:ext>
     </p:extLst>
   </p:cSld>
@@ -1316,7 +4003,7 @@
       </p:grpSpPr>
       <p:sp>
         <p:nvSpPr>
-          <p:cNvPr id="2" name="제목 1"/>
+          <p:cNvPr id="2" name="Title 1"/>
           <p:cNvSpPr>
             <a:spLocks noGrp="1"/>
           </p:cNvSpPr>
@@ -1324,46 +4011,54 @@
             <p:ph type="title"/>
           </p:nvPr>
         </p:nvSpPr>
+        <p:spPr/>
+        <p:txBody>
+          <a:bodyPr/>
+          <a:lstStyle>
+            <a:lvl1pPr>
+              <a:defRPr/>
+            </a:lvl1pPr>
+          </a:lstStyle>
+          <a:p>
+            <a:r>
+              <a:rPr lang="ko-KR" altLang="en-US" smtClean="0"/>
+              <a:t>마스터 제목 스타일 편집</a:t>
+            </a:r>
+            <a:endParaRPr lang="en-US" dirty="0"/>
+          </a:p>
+        </p:txBody>
+      </p:sp>
+      <p:sp>
+        <p:nvSpPr>
+          <p:cNvPr id="3" name="Text Placeholder 2"/>
+          <p:cNvSpPr>
+            <a:spLocks noGrp="1"/>
+          </p:cNvSpPr>
+          <p:nvPr>
+            <p:ph type="body" idx="1"/>
+          </p:nvPr>
+        </p:nvSpPr>
         <p:spPr>
           <a:xfrm>
-            <a:off x="839788" y="365125"/>
-            <a:ext cx="10515600" cy="1325563"/>
-          </a:xfrm>
-        </p:spPr>
-        <p:txBody>
-          <a:bodyPr/>
-          <a:lstStyle/>
-          <a:p>
-            <a:r>
-              <a:rPr lang="ko-KR" altLang="en-US" smtClean="0"/>
-              <a:t>마스터 제목 스타일 편집</a:t>
-            </a:r>
-            <a:endParaRPr lang="ko-KR" altLang="en-US"/>
-          </a:p>
-        </p:txBody>
-      </p:sp>
-      <p:sp>
-        <p:nvSpPr>
-          <p:cNvPr id="3" name="텍스트 개체 틀 2"/>
-          <p:cNvSpPr>
-            <a:spLocks noGrp="1"/>
-          </p:cNvSpPr>
-          <p:nvPr>
-            <p:ph type="body" idx="1"/>
-          </p:nvPr>
-        </p:nvSpPr>
-        <p:spPr>
-          <a:xfrm>
-            <a:off x="839788" y="1681163"/>
-            <a:ext cx="5157787" cy="823912"/>
-          </a:xfrm>
-        </p:spPr>
-        <p:txBody>
-          <a:bodyPr anchor="b"/>
+            <a:off x="1103313" y="1905000"/>
+            <a:ext cx="4396338" cy="576262"/>
+          </a:xfrm>
+        </p:spPr>
+        <p:txBody>
+          <a:bodyPr anchor="b">
+            <a:noAutofit/>
+          </a:bodyPr>
           <a:lstStyle>
             <a:lvl1pPr marL="0" indent="0">
               <a:buNone/>
-              <a:defRPr sz="2400" b="1"/>
+              <a:defRPr sz="2400" b="0">
+                <a:solidFill>
+                  <a:schemeClr val="bg2">
+                    <a:lumMod val="40000"/>
+                    <a:lumOff val="60000"/>
+                  </a:schemeClr>
+                </a:solidFill>
+              </a:defRPr>
             </a:lvl1pPr>
             <a:lvl2pPr marL="457200" indent="0">
               <a:buNone/>
@@ -1409,7 +4104,7 @@
       </p:sp>
       <p:sp>
         <p:nvSpPr>
-          <p:cNvPr id="4" name="내용 개체 틀 3"/>
+          <p:cNvPr id="4" name="Content Placeholder 3"/>
           <p:cNvSpPr>
             <a:spLocks noGrp="1"/>
           </p:cNvSpPr>
@@ -1419,13 +4114,43 @@
         </p:nvSpPr>
         <p:spPr>
           <a:xfrm>
-            <a:off x="839788" y="2505075"/>
-            <a:ext cx="5157787" cy="3684588"/>
-          </a:xfrm>
-        </p:spPr>
-        <p:txBody>
-          <a:bodyPr/>
-          <a:lstStyle/>
+            <a:off x="1103312" y="2514600"/>
+            <a:ext cx="4396339" cy="3741738"/>
+          </a:xfrm>
+        </p:spPr>
+        <p:txBody>
+          <a:bodyPr>
+            <a:normAutofit/>
+          </a:bodyPr>
+          <a:lstStyle>
+            <a:lvl1pPr>
+              <a:defRPr sz="1800"/>
+            </a:lvl1pPr>
+            <a:lvl2pPr>
+              <a:defRPr sz="1600"/>
+            </a:lvl2pPr>
+            <a:lvl3pPr>
+              <a:defRPr sz="1400"/>
+            </a:lvl3pPr>
+            <a:lvl4pPr>
+              <a:defRPr sz="1200"/>
+            </a:lvl4pPr>
+            <a:lvl5pPr>
+              <a:defRPr sz="1200"/>
+            </a:lvl5pPr>
+            <a:lvl6pPr>
+              <a:defRPr sz="1200"/>
+            </a:lvl6pPr>
+            <a:lvl7pPr>
+              <a:defRPr sz="1200"/>
+            </a:lvl7pPr>
+            <a:lvl8pPr>
+              <a:defRPr sz="1200"/>
+            </a:lvl8pPr>
+            <a:lvl9pPr>
+              <a:defRPr sz="1200"/>
+            </a:lvl9pPr>
+          </a:lstStyle>
           <a:p>
             <a:pPr lvl="0"/>
             <a:r>
@@ -1460,13 +4185,13 @@
               <a:rPr lang="ko-KR" altLang="en-US" smtClean="0"/>
               <a:t>다섯째 수준</a:t>
             </a:r>
-            <a:endParaRPr lang="ko-KR" altLang="en-US"/>
-          </a:p>
-        </p:txBody>
-      </p:sp>
-      <p:sp>
-        <p:nvSpPr>
-          <p:cNvPr id="5" name="텍스트 개체 틀 4"/>
+            <a:endParaRPr lang="en-US" dirty="0"/>
+          </a:p>
+        </p:txBody>
+      </p:sp>
+      <p:sp>
+        <p:nvSpPr>
+          <p:cNvPr id="5" name="Text Placeholder 4"/>
           <p:cNvSpPr>
             <a:spLocks noGrp="1"/>
           </p:cNvSpPr>
@@ -1476,16 +4201,25 @@
         </p:nvSpPr>
         <p:spPr>
           <a:xfrm>
-            <a:off x="6172200" y="1681163"/>
-            <a:ext cx="5183188" cy="823912"/>
-          </a:xfrm>
-        </p:spPr>
-        <p:txBody>
-          <a:bodyPr anchor="b"/>
+            <a:off x="5654495" y="1905000"/>
+            <a:ext cx="4396339" cy="576262"/>
+          </a:xfrm>
+        </p:spPr>
+        <p:txBody>
+          <a:bodyPr anchor="b">
+            <a:noAutofit/>
+          </a:bodyPr>
           <a:lstStyle>
             <a:lvl1pPr marL="0" indent="0">
               <a:buNone/>
-              <a:defRPr sz="2400" b="1"/>
+              <a:defRPr sz="2400" b="0">
+                <a:solidFill>
+                  <a:schemeClr val="bg2">
+                    <a:lumMod val="40000"/>
+                    <a:lumOff val="60000"/>
+                  </a:schemeClr>
+                </a:solidFill>
+              </a:defRPr>
             </a:lvl1pPr>
             <a:lvl2pPr marL="457200" indent="0">
               <a:buNone/>
@@ -1531,7 +4265,7 @@
       </p:sp>
       <p:sp>
         <p:nvSpPr>
-          <p:cNvPr id="6" name="내용 개체 틀 5"/>
+          <p:cNvPr id="6" name="Content Placeholder 5"/>
           <p:cNvSpPr>
             <a:spLocks noGrp="1"/>
           </p:cNvSpPr>
@@ -1541,13 +4275,43 @@
         </p:nvSpPr>
         <p:spPr>
           <a:xfrm>
-            <a:off x="6172200" y="2505075"/>
-            <a:ext cx="5183188" cy="3684588"/>
-          </a:xfrm>
-        </p:spPr>
-        <p:txBody>
-          <a:bodyPr/>
-          <a:lstStyle/>
+            <a:off x="5654495" y="2514600"/>
+            <a:ext cx="4396339" cy="3741738"/>
+          </a:xfrm>
+        </p:spPr>
+        <p:txBody>
+          <a:bodyPr>
+            <a:normAutofit/>
+          </a:bodyPr>
+          <a:lstStyle>
+            <a:lvl1pPr>
+              <a:defRPr sz="1800"/>
+            </a:lvl1pPr>
+            <a:lvl2pPr>
+              <a:defRPr sz="1600"/>
+            </a:lvl2pPr>
+            <a:lvl3pPr>
+              <a:defRPr sz="1400"/>
+            </a:lvl3pPr>
+            <a:lvl4pPr>
+              <a:defRPr sz="1200"/>
+            </a:lvl4pPr>
+            <a:lvl5pPr>
+              <a:defRPr sz="1200"/>
+            </a:lvl5pPr>
+            <a:lvl6pPr>
+              <a:defRPr sz="1200"/>
+            </a:lvl6pPr>
+            <a:lvl7pPr>
+              <a:defRPr sz="1200"/>
+            </a:lvl7pPr>
+            <a:lvl8pPr>
+              <a:defRPr sz="1200"/>
+            </a:lvl8pPr>
+            <a:lvl9pPr>
+              <a:defRPr sz="1200"/>
+            </a:lvl9pPr>
+          </a:lstStyle>
           <a:p>
             <a:pPr lvl="0"/>
             <a:r>
@@ -1582,13 +4346,13 @@
               <a:rPr lang="ko-KR" altLang="en-US" smtClean="0"/>
               <a:t>다섯째 수준</a:t>
             </a:r>
-            <a:endParaRPr lang="ko-KR" altLang="en-US"/>
-          </a:p>
-        </p:txBody>
-      </p:sp>
-      <p:sp>
-        <p:nvSpPr>
-          <p:cNvPr id="7" name="날짜 개체 틀 6"/>
+            <a:endParaRPr lang="en-US" dirty="0"/>
+          </a:p>
+        </p:txBody>
+      </p:sp>
+      <p:sp>
+        <p:nvSpPr>
+          <p:cNvPr id="7" name="Date Placeholder 6"/>
           <p:cNvSpPr>
             <a:spLocks noGrp="1"/>
           </p:cNvSpPr>
@@ -1611,7 +4375,7 @@
       </p:sp>
       <p:sp>
         <p:nvSpPr>
-          <p:cNvPr id="8" name="바닥글 개체 틀 7"/>
+          <p:cNvPr id="8" name="Footer Placeholder 7"/>
           <p:cNvSpPr>
             <a:spLocks noGrp="1"/>
           </p:cNvSpPr>
@@ -1630,7 +4394,7 @@
       </p:sp>
       <p:sp>
         <p:nvSpPr>
-          <p:cNvPr id="9" name="슬라이드 번호 개체 틀 8"/>
+          <p:cNvPr id="9" name="Slide Number Placeholder 8"/>
           <p:cNvSpPr>
             <a:spLocks noGrp="1"/>
           </p:cNvSpPr>
@@ -1654,7 +4418,7 @@
     </p:spTree>
     <p:extLst>
       <p:ext uri="{BB962C8B-B14F-4D97-AF65-F5344CB8AC3E}">
-        <p14:creationId xmlns:p14="http://schemas.microsoft.com/office/powerpoint/2010/main" val="1582452303"/>
+        <p14:creationId xmlns:p14="http://schemas.microsoft.com/office/powerpoint/2010/main" val="1380403703"/>
       </p:ext>
     </p:extLst>
   </p:cSld>
@@ -1683,7 +4447,7 @@
       </p:grpSpPr>
       <p:sp>
         <p:nvSpPr>
-          <p:cNvPr id="2" name="제목 1"/>
+          <p:cNvPr id="2" name="Title 1"/>
           <p:cNvSpPr>
             <a:spLocks noGrp="1"/>
           </p:cNvSpPr>
@@ -1700,13 +4464,13 @@
               <a:rPr lang="ko-KR" altLang="en-US" smtClean="0"/>
               <a:t>마스터 제목 스타일 편집</a:t>
             </a:r>
-            <a:endParaRPr lang="ko-KR" altLang="en-US"/>
-          </a:p>
-        </p:txBody>
-      </p:sp>
-      <p:sp>
-        <p:nvSpPr>
-          <p:cNvPr id="3" name="날짜 개체 틀 2"/>
+            <a:endParaRPr lang="en-US" dirty="0"/>
+          </a:p>
+        </p:txBody>
+      </p:sp>
+      <p:sp>
+        <p:nvSpPr>
+          <p:cNvPr id="7" name="Date Placeholder 2"/>
           <p:cNvSpPr>
             <a:spLocks noGrp="1"/>
           </p:cNvSpPr>
@@ -1729,7 +4493,7 @@
       </p:sp>
       <p:sp>
         <p:nvSpPr>
-          <p:cNvPr id="4" name="바닥글 개체 틀 3"/>
+          <p:cNvPr id="5" name="Footer Placeholder 3"/>
           <p:cNvSpPr>
             <a:spLocks noGrp="1"/>
           </p:cNvSpPr>
@@ -1748,7 +4512,7 @@
       </p:sp>
       <p:sp>
         <p:nvSpPr>
-          <p:cNvPr id="5" name="슬라이드 번호 개체 틀 4"/>
+          <p:cNvPr id="6" name="Slide Number Placeholder 4"/>
           <p:cNvSpPr>
             <a:spLocks noGrp="1"/>
           </p:cNvSpPr>
@@ -1772,7 +4536,7 @@
     </p:spTree>
     <p:extLst>
       <p:ext uri="{BB962C8B-B14F-4D97-AF65-F5344CB8AC3E}">
-        <p14:creationId xmlns:p14="http://schemas.microsoft.com/office/powerpoint/2010/main" val="823678255"/>
+        <p14:creationId xmlns:p14="http://schemas.microsoft.com/office/powerpoint/2010/main" val="3200455981"/>
       </p:ext>
     </p:extLst>
   </p:cSld>
@@ -1801,7 +4565,7 @@
       </p:grpSpPr>
       <p:sp>
         <p:nvSpPr>
-          <p:cNvPr id="2" name="날짜 개체 틀 1"/>
+          <p:cNvPr id="7" name="Date Placeholder 1"/>
           <p:cNvSpPr>
             <a:spLocks noGrp="1"/>
           </p:cNvSpPr>
@@ -1824,7 +4588,7 @@
       </p:sp>
       <p:sp>
         <p:nvSpPr>
-          <p:cNvPr id="3" name="바닥글 개체 틀 2"/>
+          <p:cNvPr id="5" name="Footer Placeholder 2"/>
           <p:cNvSpPr>
             <a:spLocks noGrp="1"/>
           </p:cNvSpPr>
@@ -1843,7 +4607,7 @@
       </p:sp>
       <p:sp>
         <p:nvSpPr>
-          <p:cNvPr id="4" name="슬라이드 번호 개체 틀 3"/>
+          <p:cNvPr id="6" name="Slide Number Placeholder 3"/>
           <p:cNvSpPr>
             <a:spLocks noGrp="1"/>
           </p:cNvSpPr>
@@ -1867,7 +4631,7 @@
     </p:spTree>
     <p:extLst>
       <p:ext uri="{BB962C8B-B14F-4D97-AF65-F5344CB8AC3E}">
-        <p14:creationId xmlns:p14="http://schemas.microsoft.com/office/powerpoint/2010/main" val="1078358136"/>
+        <p14:creationId xmlns:p14="http://schemas.microsoft.com/office/powerpoint/2010/main" val="3916485629"/>
       </p:ext>
     </p:extLst>
   </p:cSld>
@@ -1896,7 +4660,7 @@
       </p:grpSpPr>
       <p:sp>
         <p:nvSpPr>
-          <p:cNvPr id="2" name="제목 1"/>
+          <p:cNvPr id="2" name="Title 1"/>
           <p:cNvSpPr>
             <a:spLocks noGrp="1"/>
           </p:cNvSpPr>
@@ -1906,15 +4670,15 @@
         </p:nvSpPr>
         <p:spPr>
           <a:xfrm>
-            <a:off x="839788" y="457200"/>
-            <a:ext cx="3932237" cy="1600200"/>
+            <a:off x="1154953" y="1447800"/>
+            <a:ext cx="3401064" cy="1447800"/>
           </a:xfrm>
         </p:spPr>
         <p:txBody>
           <a:bodyPr anchor="b"/>
           <a:lstStyle>
-            <a:lvl1pPr>
-              <a:defRPr sz="3200"/>
+            <a:lvl1pPr algn="l">
+              <a:defRPr sz="2400" b="0"/>
             </a:lvl1pPr>
           </a:lstStyle>
           <a:p>
@@ -1922,13 +4686,13 @@
               <a:rPr lang="ko-KR" altLang="en-US" smtClean="0"/>
               <a:t>마스터 제목 스타일 편집</a:t>
             </a:r>
-            <a:endParaRPr lang="ko-KR" altLang="en-US"/>
-          </a:p>
-        </p:txBody>
-      </p:sp>
-      <p:sp>
-        <p:nvSpPr>
-          <p:cNvPr id="3" name="내용 개체 틀 2"/>
+            <a:endParaRPr lang="en-US" dirty="0"/>
+          </a:p>
+        </p:txBody>
+      </p:sp>
+      <p:sp>
+        <p:nvSpPr>
+          <p:cNvPr id="3" name="Content Placeholder 2"/>
           <p:cNvSpPr>
             <a:spLocks noGrp="1"/>
           </p:cNvSpPr>
@@ -1938,39 +4702,41 @@
         </p:nvSpPr>
         <p:spPr>
           <a:xfrm>
-            <a:off x="5183188" y="987425"/>
-            <a:ext cx="6172200" cy="4873625"/>
-          </a:xfrm>
-        </p:spPr>
-        <p:txBody>
-          <a:bodyPr/>
+            <a:off x="4784616" y="1447800"/>
+            <a:ext cx="5195997" cy="4572000"/>
+          </a:xfrm>
+        </p:spPr>
+        <p:txBody>
+          <a:bodyPr anchor="ctr">
+            <a:normAutofit/>
+          </a:bodyPr>
           <a:lstStyle>
             <a:lvl1pPr>
-              <a:defRPr sz="3200"/>
+              <a:defRPr sz="2000"/>
             </a:lvl1pPr>
             <a:lvl2pPr>
-              <a:defRPr sz="2800"/>
+              <a:defRPr sz="1800"/>
             </a:lvl2pPr>
             <a:lvl3pPr>
-              <a:defRPr sz="2400"/>
+              <a:defRPr sz="1600"/>
             </a:lvl3pPr>
             <a:lvl4pPr>
-              <a:defRPr sz="2000"/>
+              <a:defRPr sz="1400"/>
             </a:lvl4pPr>
             <a:lvl5pPr>
-              <a:defRPr sz="2000"/>
+              <a:defRPr sz="1400"/>
             </a:lvl5pPr>
             <a:lvl6pPr>
-              <a:defRPr sz="2000"/>
+              <a:defRPr sz="1400"/>
             </a:lvl6pPr>
             <a:lvl7pPr>
-              <a:defRPr sz="2000"/>
+              <a:defRPr sz="1400"/>
             </a:lvl7pPr>
             <a:lvl8pPr>
-              <a:defRPr sz="2000"/>
+              <a:defRPr sz="1400"/>
             </a:lvl8pPr>
             <a:lvl9pPr>
-              <a:defRPr sz="2000"/>
+              <a:defRPr sz="1400"/>
             </a:lvl9pPr>
           </a:lstStyle>
           <a:p>
@@ -2007,13 +4773,13 @@
               <a:rPr lang="ko-KR" altLang="en-US" smtClean="0"/>
               <a:t>다섯째 수준</a:t>
             </a:r>
-            <a:endParaRPr lang="ko-KR" altLang="en-US"/>
-          </a:p>
-        </p:txBody>
-      </p:sp>
-      <p:sp>
-        <p:nvSpPr>
-          <p:cNvPr id="4" name="텍스트 개체 틀 3"/>
+            <a:endParaRPr lang="en-US" dirty="0"/>
+          </a:p>
+        </p:txBody>
+      </p:sp>
+      <p:sp>
+        <p:nvSpPr>
+          <p:cNvPr id="4" name="Text Placeholder 3"/>
           <p:cNvSpPr>
             <a:spLocks noGrp="1"/>
           </p:cNvSpPr>
@@ -2023,8 +4789,8 @@
         </p:nvSpPr>
         <p:spPr>
           <a:xfrm>
-            <a:off x="839788" y="2057400"/>
-            <a:ext cx="3932237" cy="3811588"/>
+            <a:off x="1154953" y="3129280"/>
+            <a:ext cx="3401063" cy="2895599"/>
           </a:xfrm>
         </p:spPr>
         <p:txBody>
@@ -2032,39 +4798,39 @@
           <a:lstStyle>
             <a:lvl1pPr marL="0" indent="0">
               <a:buNone/>
-              <a:defRPr sz="1600"/>
+              <a:defRPr sz="1400"/>
             </a:lvl1pPr>
             <a:lvl2pPr marL="457200" indent="0">
               <a:buNone/>
-              <a:defRPr sz="1400"/>
+              <a:defRPr sz="1200"/>
             </a:lvl2pPr>
             <a:lvl3pPr marL="914400" indent="0">
               <a:buNone/>
-              <a:defRPr sz="1200"/>
+              <a:defRPr sz="1000"/>
             </a:lvl3pPr>
             <a:lvl4pPr marL="1371600" indent="0">
               <a:buNone/>
-              <a:defRPr sz="1000"/>
+              <a:defRPr sz="900"/>
             </a:lvl4pPr>
             <a:lvl5pPr marL="1828800" indent="0">
               <a:buNone/>
-              <a:defRPr sz="1000"/>
+              <a:defRPr sz="900"/>
             </a:lvl5pPr>
             <a:lvl6pPr marL="2286000" indent="0">
               <a:buNone/>
-              <a:defRPr sz="1000"/>
+              <a:defRPr sz="900"/>
             </a:lvl6pPr>
             <a:lvl7pPr marL="2743200" indent="0">
               <a:buNone/>
-              <a:defRPr sz="1000"/>
+              <a:defRPr sz="900"/>
             </a:lvl7pPr>
             <a:lvl8pPr marL="3200400" indent="0">
               <a:buNone/>
-              <a:defRPr sz="1000"/>
+              <a:defRPr sz="900"/>
             </a:lvl8pPr>
             <a:lvl9pPr marL="3657600" indent="0">
               <a:buNone/>
-              <a:defRPr sz="1000"/>
+              <a:defRPr sz="900"/>
             </a:lvl9pPr>
           </a:lstStyle>
           <a:p>
@@ -2078,7 +4844,7 @@
       </p:sp>
       <p:sp>
         <p:nvSpPr>
-          <p:cNvPr id="5" name="날짜 개체 틀 4"/>
+          <p:cNvPr id="7" name="Date Placeholder 4"/>
           <p:cNvSpPr>
             <a:spLocks noGrp="1"/>
           </p:cNvSpPr>
@@ -2101,7 +4867,7 @@
       </p:sp>
       <p:sp>
         <p:nvSpPr>
-          <p:cNvPr id="6" name="바닥글 개체 틀 5"/>
+          <p:cNvPr id="5" name="Footer Placeholder 5"/>
           <p:cNvSpPr>
             <a:spLocks noGrp="1"/>
           </p:cNvSpPr>
@@ -2120,7 +4886,7 @@
       </p:sp>
       <p:sp>
         <p:nvSpPr>
-          <p:cNvPr id="7" name="슬라이드 번호 개체 틀 6"/>
+          <p:cNvPr id="6" name="Slide Number Placeholder 6"/>
           <p:cNvSpPr>
             <a:spLocks noGrp="1"/>
           </p:cNvSpPr>
@@ -2144,7 +4910,7 @@
     </p:spTree>
     <p:extLst>
       <p:ext uri="{BB962C8B-B14F-4D97-AF65-F5344CB8AC3E}">
-        <p14:creationId xmlns:p14="http://schemas.microsoft.com/office/powerpoint/2010/main" val="2529658373"/>
+        <p14:creationId xmlns:p14="http://schemas.microsoft.com/office/powerpoint/2010/main" val="2626023945"/>
       </p:ext>
     </p:extLst>
   </p:cSld>
@@ -2173,7 +4939,7 @@
       </p:grpSpPr>
       <p:sp>
         <p:nvSpPr>
-          <p:cNvPr id="2" name="제목 1"/>
+          <p:cNvPr id="2" name="Title 1"/>
           <p:cNvSpPr>
             <a:spLocks noGrp="1"/>
           </p:cNvSpPr>
@@ -2183,15 +4949,17 @@
         </p:nvSpPr>
         <p:spPr>
           <a:xfrm>
-            <a:off x="839788" y="457200"/>
-            <a:ext cx="3932237" cy="1600200"/>
-          </a:xfrm>
-        </p:spPr>
-        <p:txBody>
-          <a:bodyPr anchor="b"/>
+            <a:off x="1153907" y="1854192"/>
+            <a:ext cx="5092906" cy="1574808"/>
+          </a:xfrm>
+        </p:spPr>
+        <p:txBody>
+          <a:bodyPr anchor="b">
+            <a:normAutofit/>
+          </a:bodyPr>
           <a:lstStyle>
-            <a:lvl1pPr>
-              <a:defRPr sz="3200"/>
+            <a:lvl1pPr algn="l">
+              <a:defRPr sz="3600" b="0"/>
             </a:lvl1pPr>
           </a:lstStyle>
           <a:p>
@@ -2199,15 +4967,15 @@
               <a:rPr lang="ko-KR" altLang="en-US" smtClean="0"/>
               <a:t>마스터 제목 스타일 편집</a:t>
             </a:r>
-            <a:endParaRPr lang="ko-KR" altLang="en-US"/>
-          </a:p>
-        </p:txBody>
-      </p:sp>
-      <p:sp>
-        <p:nvSpPr>
-          <p:cNvPr id="3" name="그림 개체 틀 2"/>
-          <p:cNvSpPr>
-            <a:spLocks noGrp="1"/>
+            <a:endParaRPr lang="en-US" dirty="0"/>
+          </a:p>
+        </p:txBody>
+      </p:sp>
+      <p:sp>
+        <p:nvSpPr>
+          <p:cNvPr id="3" name="Picture Placeholder 2"/>
+          <p:cNvSpPr>
+            <a:spLocks noGrp="1" noChangeAspect="1"/>
           </p:cNvSpPr>
           <p:nvPr>
             <p:ph type="pic" idx="1"/>
@@ -2215,112 +4983,132 @@
         </p:nvSpPr>
         <p:spPr>
           <a:xfrm>
-            <a:off x="5183188" y="987425"/>
-            <a:ext cx="6172200" cy="4873625"/>
-          </a:xfrm>
-        </p:spPr>
-        <p:txBody>
-          <a:bodyPr/>
+            <a:off x="6949546" y="1143000"/>
+            <a:ext cx="3200400" cy="4572000"/>
+          </a:xfrm>
+          <a:prstGeom prst="roundRect">
+            <a:avLst>
+              <a:gd name="adj" fmla="val 1858"/>
+            </a:avLst>
+          </a:prstGeom>
+          <a:effectLst>
+            <a:outerShdw blurRad="50800" dist="50800" dir="5400000" algn="tl" rotWithShape="0">
+              <a:srgbClr val="000000">
+                <a:alpha val="43000"/>
+              </a:srgbClr>
+            </a:outerShdw>
+          </a:effectLst>
+        </p:spPr>
+        <p:txBody>
+          <a:bodyPr anchor="t">
+            <a:normAutofit/>
+          </a:bodyPr>
           <a:lstStyle>
-            <a:lvl1pPr marL="0" indent="0">
-              <a:buNone/>
-              <a:defRPr sz="3200"/>
-            </a:lvl1pPr>
-            <a:lvl2pPr marL="457200" indent="0">
-              <a:buNone/>
-              <a:defRPr sz="2800"/>
-            </a:lvl2pPr>
-            <a:lvl3pPr marL="914400" indent="0">
-              <a:buNone/>
-              <a:defRPr sz="2400"/>
-            </a:lvl3pPr>
-            <a:lvl4pPr marL="1371600" indent="0">
-              <a:buNone/>
-              <a:defRPr sz="2000"/>
-            </a:lvl4pPr>
-            <a:lvl5pPr marL="1828800" indent="0">
-              <a:buNone/>
-              <a:defRPr sz="2000"/>
-            </a:lvl5pPr>
-            <a:lvl6pPr marL="2286000" indent="0">
-              <a:buNone/>
-              <a:defRPr sz="2000"/>
-            </a:lvl6pPr>
-            <a:lvl7pPr marL="2743200" indent="0">
-              <a:buNone/>
-              <a:defRPr sz="2000"/>
-            </a:lvl7pPr>
-            <a:lvl8pPr marL="3200400" indent="0">
-              <a:buNone/>
-              <a:defRPr sz="2000"/>
-            </a:lvl8pPr>
-            <a:lvl9pPr marL="3657600" indent="0">
-              <a:buNone/>
-              <a:defRPr sz="2000"/>
-            </a:lvl9pPr>
-          </a:lstStyle>
-          <a:p>
-            <a:endParaRPr lang="ko-KR" altLang="en-US"/>
-          </a:p>
-        </p:txBody>
-      </p:sp>
-      <p:sp>
-        <p:nvSpPr>
-          <p:cNvPr id="4" name="텍스트 개체 틀 3"/>
-          <p:cNvSpPr>
-            <a:spLocks noGrp="1"/>
-          </p:cNvSpPr>
-          <p:nvPr>
-            <p:ph type="body" sz="half" idx="2"/>
-          </p:nvPr>
-        </p:nvSpPr>
-        <p:spPr>
-          <a:xfrm>
-            <a:off x="839788" y="2057400"/>
-            <a:ext cx="3932237" cy="3811588"/>
-          </a:xfrm>
-        </p:spPr>
-        <p:txBody>
-          <a:bodyPr/>
-          <a:lstStyle>
-            <a:lvl1pPr marL="0" indent="0">
+            <a:lvl1pPr marL="0" indent="0" algn="ctr">
               <a:buNone/>
               <a:defRPr sz="1600"/>
             </a:lvl1pPr>
             <a:lvl2pPr marL="457200" indent="0">
               <a:buNone/>
-              <a:defRPr sz="1400"/>
+              <a:defRPr sz="1600"/>
             </a:lvl2pPr>
             <a:lvl3pPr marL="914400" indent="0">
               <a:buNone/>
-              <a:defRPr sz="1200"/>
+              <a:defRPr sz="1600"/>
             </a:lvl3pPr>
             <a:lvl4pPr marL="1371600" indent="0">
               <a:buNone/>
-              <a:defRPr sz="1000"/>
+              <a:defRPr sz="1600"/>
             </a:lvl4pPr>
             <a:lvl5pPr marL="1828800" indent="0">
               <a:buNone/>
-              <a:defRPr sz="1000"/>
+              <a:defRPr sz="1600"/>
             </a:lvl5pPr>
             <a:lvl6pPr marL="2286000" indent="0">
               <a:buNone/>
-              <a:defRPr sz="1000"/>
+              <a:defRPr sz="1600"/>
             </a:lvl6pPr>
             <a:lvl7pPr marL="2743200" indent="0">
               <a:buNone/>
-              <a:defRPr sz="1000"/>
+              <a:defRPr sz="1600"/>
             </a:lvl7pPr>
             <a:lvl8pPr marL="3200400" indent="0">
               <a:buNone/>
-              <a:defRPr sz="1000"/>
+              <a:defRPr sz="1600"/>
             </a:lvl8pPr>
             <a:lvl9pPr marL="3657600" indent="0">
               <a:buNone/>
-              <a:defRPr sz="1000"/>
+              <a:defRPr sz="1600"/>
             </a:lvl9pPr>
           </a:lstStyle>
           <a:p>
+            <a:r>
+              <a:rPr lang="ko-KR" altLang="en-US" smtClean="0"/>
+              <a:t>그림을 추가하려면 아이콘을 클릭하십시오</a:t>
+            </a:r>
+            <a:endParaRPr lang="en-US" dirty="0"/>
+          </a:p>
+        </p:txBody>
+      </p:sp>
+      <p:sp>
+        <p:nvSpPr>
+          <p:cNvPr id="4" name="Text Placeholder 3"/>
+          <p:cNvSpPr>
+            <a:spLocks noGrp="1"/>
+          </p:cNvSpPr>
+          <p:nvPr>
+            <p:ph type="body" sz="half" idx="2"/>
+          </p:nvPr>
+        </p:nvSpPr>
+        <p:spPr>
+          <a:xfrm>
+            <a:off x="1154954" y="3657600"/>
+            <a:ext cx="5084979" cy="1371600"/>
+          </a:xfrm>
+        </p:spPr>
+        <p:txBody>
+          <a:bodyPr>
+            <a:normAutofit/>
+          </a:bodyPr>
+          <a:lstStyle>
+            <a:lvl1pPr marL="0" indent="0">
+              <a:buNone/>
+              <a:defRPr sz="1400"/>
+            </a:lvl1pPr>
+            <a:lvl2pPr marL="457200" indent="0">
+              <a:buNone/>
+              <a:defRPr sz="1200"/>
+            </a:lvl2pPr>
+            <a:lvl3pPr marL="914400" indent="0">
+              <a:buNone/>
+              <a:defRPr sz="1000"/>
+            </a:lvl3pPr>
+            <a:lvl4pPr marL="1371600" indent="0">
+              <a:buNone/>
+              <a:defRPr sz="900"/>
+            </a:lvl4pPr>
+            <a:lvl5pPr marL="1828800" indent="0">
+              <a:buNone/>
+              <a:defRPr sz="900"/>
+            </a:lvl5pPr>
+            <a:lvl6pPr marL="2286000" indent="0">
+              <a:buNone/>
+              <a:defRPr sz="900"/>
+            </a:lvl6pPr>
+            <a:lvl7pPr marL="2743200" indent="0">
+              <a:buNone/>
+              <a:defRPr sz="900"/>
+            </a:lvl7pPr>
+            <a:lvl8pPr marL="3200400" indent="0">
+              <a:buNone/>
+              <a:defRPr sz="900"/>
+            </a:lvl8pPr>
+            <a:lvl9pPr marL="3657600" indent="0">
+              <a:buNone/>
+              <a:defRPr sz="900"/>
+            </a:lvl9pPr>
+          </a:lstStyle>
+          <a:p>
             <a:pPr lvl="0"/>
             <a:r>
               <a:rPr lang="ko-KR" altLang="en-US" smtClean="0"/>
@@ -2331,7 +5119,7 @@
       </p:sp>
       <p:sp>
         <p:nvSpPr>
-          <p:cNvPr id="5" name="날짜 개체 틀 4"/>
+          <p:cNvPr id="5" name="Date Placeholder 4"/>
           <p:cNvSpPr>
             <a:spLocks noGrp="1"/>
           </p:cNvSpPr>
@@ -2354,7 +5142,7 @@
       </p:sp>
       <p:sp>
         <p:nvSpPr>
-          <p:cNvPr id="6" name="바닥글 개체 틀 5"/>
+          <p:cNvPr id="6" name="Footer Placeholder 5"/>
           <p:cNvSpPr>
             <a:spLocks noGrp="1"/>
           </p:cNvSpPr>
@@ -2373,7 +5161,7 @@
       </p:sp>
       <p:sp>
         <p:nvSpPr>
-          <p:cNvPr id="7" name="슬라이드 번호 개체 틀 6"/>
+          <p:cNvPr id="7" name="Slide Number Placeholder 6"/>
           <p:cNvSpPr>
             <a:spLocks noGrp="1"/>
           </p:cNvSpPr>
@@ -2397,7 +5185,7 @@
     </p:spTree>
     <p:extLst>
       <p:ext uri="{BB962C8B-B14F-4D97-AF65-F5344CB8AC3E}">
-        <p14:creationId xmlns:p14="http://schemas.microsoft.com/office/powerpoint/2010/main" val="3698471590"/>
+        <p14:creationId xmlns:p14="http://schemas.microsoft.com/office/powerpoint/2010/main" val="977132484"/>
       </p:ext>
     </p:extLst>
   </p:cSld>
@@ -2411,8 +5199,8 @@
 <p:sldMaster xmlns:a="http://schemas.openxmlformats.org/drawingml/2006/main" xmlns:r="http://schemas.openxmlformats.org/officeDocument/2006/relationships" xmlns:p="http://schemas.openxmlformats.org/presentationml/2006/main">
   <p:cSld>
     <p:bg>
-      <p:bgRef idx="1001">
-        <a:schemeClr val="bg1"/>
+      <p:bgRef idx="1003">
+        <a:schemeClr val="bg2"/>
       </p:bgRef>
     </p:bg>
     <p:spTree>
@@ -2429,28 +5217,243 @@
           <a:chExt cx="0" cy="0"/>
         </a:xfrm>
       </p:grpSpPr>
-      <p:sp>
-        <p:nvSpPr>
-          <p:cNvPr id="2" name="제목 개체 틀 1"/>
-          <p:cNvSpPr>
-            <a:spLocks noGrp="1"/>
-          </p:cNvSpPr>
-          <p:nvPr>
-            <p:ph type="title"/>
-          </p:nvPr>
-        </p:nvSpPr>
+      <p:pic>
+        <p:nvPicPr>
+          <p:cNvPr id="8" name="Picture 7"/>
+          <p:cNvPicPr>
+            <a:picLocks noChangeAspect="1"/>
+          </p:cNvPicPr>
+          <p:nvPr/>
+        </p:nvPicPr>
+        <p:blipFill rotWithShape="1">
+          <a:blip r:embed="rId19">
+            <a:extLst>
+              <a:ext uri="{28A0092B-C50C-407E-A947-70E740481C1C}">
+                <a14:useLocalDpi xmlns:a14="http://schemas.microsoft.com/office/drawing/2010/main" val="0"/>
+              </a:ext>
+            </a:extLst>
+          </a:blip>
+          <a:srcRect l="3613"/>
+          <a:stretch/>
+        </p:blipFill>
         <p:spPr>
           <a:xfrm>
-            <a:off x="838200" y="365125"/>
-            <a:ext cx="10515600" cy="1325563"/>
+            <a:off x="0" y="2669685"/>
+            <a:ext cx="4037012" cy="4188315"/>
           </a:xfrm>
           <a:prstGeom prst="rect">
             <a:avLst/>
           </a:prstGeom>
         </p:spPr>
-        <p:txBody>
-          <a:bodyPr vert="horz" lIns="91440" tIns="45720" rIns="91440" bIns="45720" rtlCol="0" anchor="ctr">
-            <a:normAutofit/>
+      </p:pic>
+      <p:pic>
+        <p:nvPicPr>
+          <p:cNvPr id="7" name="Picture 6"/>
+          <p:cNvPicPr>
+            <a:picLocks noChangeAspect="1"/>
+          </p:cNvPicPr>
+          <p:nvPr/>
+        </p:nvPicPr>
+        <p:blipFill rotWithShape="1">
+          <a:blip r:embed="rId20">
+            <a:extLst>
+              <a:ext uri="{28A0092B-C50C-407E-A947-70E740481C1C}">
+                <a14:useLocalDpi xmlns:a14="http://schemas.microsoft.com/office/drawing/2010/main" val="0"/>
+              </a:ext>
+            </a:extLst>
+          </a:blip>
+          <a:srcRect l="35640"/>
+          <a:stretch/>
+        </p:blipFill>
+        <p:spPr>
+          <a:xfrm>
+            <a:off x="0" y="2892347"/>
+            <a:ext cx="1522412" cy="2365453"/>
+          </a:xfrm>
+          <a:prstGeom prst="rect">
+            <a:avLst/>
+          </a:prstGeom>
+        </p:spPr>
+      </p:pic>
+      <p:sp>
+        <p:nvSpPr>
+          <p:cNvPr id="16" name="Oval 15"/>
+          <p:cNvSpPr/>
+          <p:nvPr/>
+        </p:nvSpPr>
+        <p:spPr>
+          <a:xfrm>
+            <a:off x="8609012" y="1676400"/>
+            <a:ext cx="2819400" cy="2819400"/>
+          </a:xfrm>
+          <a:prstGeom prst="ellipse">
+            <a:avLst/>
+          </a:prstGeom>
+          <a:gradFill flip="none" rotWithShape="1">
+            <a:gsLst>
+              <a:gs pos="0">
+                <a:schemeClr val="bg2">
+                  <a:lumMod val="60000"/>
+                  <a:lumOff val="40000"/>
+                  <a:alpha val="7000"/>
+                </a:schemeClr>
+              </a:gs>
+              <a:gs pos="69000">
+                <a:schemeClr val="bg2">
+                  <a:lumMod val="60000"/>
+                  <a:lumOff val="40000"/>
+                  <a:alpha val="0"/>
+                </a:schemeClr>
+              </a:gs>
+              <a:gs pos="36000">
+                <a:schemeClr val="bg2">
+                  <a:lumMod val="60000"/>
+                  <a:lumOff val="40000"/>
+                  <a:alpha val="6000"/>
+                </a:schemeClr>
+              </a:gs>
+            </a:gsLst>
+            <a:path path="circle">
+              <a:fillToRect l="50000" t="50000" r="50000" b="50000"/>
+            </a:path>
+            <a:tileRect/>
+          </a:gradFill>
+          <a:ln>
+            <a:noFill/>
+          </a:ln>
+          <a:effectLst/>
+        </p:spPr>
+        <p:style>
+          <a:lnRef idx="1">
+            <a:schemeClr val="accent1"/>
+          </a:lnRef>
+          <a:fillRef idx="3">
+            <a:schemeClr val="accent1"/>
+          </a:fillRef>
+          <a:effectRef idx="2">
+            <a:schemeClr val="accent1"/>
+          </a:effectRef>
+          <a:fontRef idx="minor">
+            <a:schemeClr val="lt1"/>
+          </a:fontRef>
+        </p:style>
+      </p:sp>
+      <p:pic>
+        <p:nvPicPr>
+          <p:cNvPr id="9" name="Picture 8"/>
+          <p:cNvPicPr>
+            <a:picLocks noChangeAspect="1"/>
+          </p:cNvPicPr>
+          <p:nvPr/>
+        </p:nvPicPr>
+        <p:blipFill rotWithShape="1">
+          <a:blip r:embed="rId21">
+            <a:extLst>
+              <a:ext uri="{28A0092B-C50C-407E-A947-70E740481C1C}">
+                <a14:useLocalDpi xmlns:a14="http://schemas.microsoft.com/office/drawing/2010/main" val="0"/>
+              </a:ext>
+            </a:extLst>
+          </a:blip>
+          <a:srcRect t="28813"/>
+          <a:stretch/>
+        </p:blipFill>
+        <p:spPr>
+          <a:xfrm>
+            <a:off x="7999412" y="0"/>
+            <a:ext cx="1603387" cy="1141407"/>
+          </a:xfrm>
+          <a:prstGeom prst="rect">
+            <a:avLst/>
+          </a:prstGeom>
+        </p:spPr>
+      </p:pic>
+      <p:pic>
+        <p:nvPicPr>
+          <p:cNvPr id="10" name="Picture 9"/>
+          <p:cNvPicPr>
+            <a:picLocks noChangeAspect="1"/>
+          </p:cNvPicPr>
+          <p:nvPr/>
+        </p:nvPicPr>
+        <p:blipFill rotWithShape="1">
+          <a:blip r:embed="rId22">
+            <a:extLst>
+              <a:ext uri="{28A0092B-C50C-407E-A947-70E740481C1C}">
+                <a14:useLocalDpi xmlns:a14="http://schemas.microsoft.com/office/drawing/2010/main" val="0"/>
+              </a:ext>
+            </a:extLst>
+          </a:blip>
+          <a:srcRect b="23320"/>
+          <a:stretch/>
+        </p:blipFill>
+        <p:spPr>
+          <a:xfrm>
+            <a:off x="8605878" y="6096000"/>
+            <a:ext cx="993734" cy="762000"/>
+          </a:xfrm>
+          <a:prstGeom prst="rect">
+            <a:avLst/>
+          </a:prstGeom>
+        </p:spPr>
+      </p:pic>
+      <p:sp>
+        <p:nvSpPr>
+          <p:cNvPr id="14" name="Rectangle 13"/>
+          <p:cNvSpPr/>
+          <p:nvPr/>
+        </p:nvSpPr>
+        <p:spPr>
+          <a:xfrm>
+            <a:off x="10437812" y="0"/>
+            <a:ext cx="685800" cy="1143000"/>
+          </a:xfrm>
+          <a:prstGeom prst="rect">
+            <a:avLst/>
+          </a:prstGeom>
+          <a:solidFill>
+            <a:schemeClr val="accent1"/>
+          </a:solidFill>
+          <a:ln>
+            <a:noFill/>
+          </a:ln>
+        </p:spPr>
+        <p:style>
+          <a:lnRef idx="1">
+            <a:schemeClr val="accent1"/>
+          </a:lnRef>
+          <a:fillRef idx="3">
+            <a:schemeClr val="accent1"/>
+          </a:fillRef>
+          <a:effectRef idx="2">
+            <a:schemeClr val="accent1"/>
+          </a:effectRef>
+          <a:fontRef idx="minor">
+            <a:schemeClr val="lt1"/>
+          </a:fontRef>
+        </p:style>
+      </p:sp>
+      <p:sp>
+        <p:nvSpPr>
+          <p:cNvPr id="2" name="Title Placeholder 1"/>
+          <p:cNvSpPr>
+            <a:spLocks noGrp="1"/>
+          </p:cNvSpPr>
+          <p:nvPr>
+            <p:ph type="title"/>
+          </p:nvPr>
+        </p:nvSpPr>
+        <p:spPr>
+          <a:xfrm>
+            <a:off x="646111" y="452718"/>
+            <a:ext cx="9404723" cy="1400530"/>
+          </a:xfrm>
+          <a:prstGeom prst="rect">
+            <a:avLst/>
+          </a:prstGeom>
+        </p:spPr>
+        <p:txBody>
+          <a:bodyPr vert="horz" lIns="91440" tIns="45720" rIns="91440" bIns="45720" rtlCol="0" anchor="t">
+            <a:noAutofit/>
           </a:bodyPr>
           <a:lstStyle/>
           <a:p>
@@ -2458,13 +5461,13 @@
               <a:rPr lang="ko-KR" altLang="en-US" smtClean="0"/>
               <a:t>마스터 제목 스타일 편집</a:t>
             </a:r>
-            <a:endParaRPr lang="ko-KR" altLang="en-US"/>
-          </a:p>
-        </p:txBody>
-      </p:sp>
-      <p:sp>
-        <p:nvSpPr>
-          <p:cNvPr id="3" name="텍스트 개체 틀 2"/>
+            <a:endParaRPr lang="en-US" dirty="0"/>
+          </a:p>
+        </p:txBody>
+      </p:sp>
+      <p:sp>
+        <p:nvSpPr>
+          <p:cNvPr id="3" name="Text Placeholder 2"/>
           <p:cNvSpPr>
             <a:spLocks noGrp="1"/>
           </p:cNvSpPr>
@@ -2474,8 +5477,8 @@
         </p:nvSpPr>
         <p:spPr>
           <a:xfrm>
-            <a:off x="838200" y="1825625"/>
-            <a:ext cx="10515600" cy="4351338"/>
+            <a:off x="1103312" y="2052918"/>
+            <a:ext cx="8946541" cy="4195481"/>
           </a:xfrm>
           <a:prstGeom prst="rect">
             <a:avLst/>
@@ -2520,13 +5523,13 @@
               <a:rPr lang="ko-KR" altLang="en-US" smtClean="0"/>
               <a:t>다섯째 수준</a:t>
             </a:r>
-            <a:endParaRPr lang="ko-KR" altLang="en-US"/>
-          </a:p>
-        </p:txBody>
-      </p:sp>
-      <p:sp>
-        <p:nvSpPr>
-          <p:cNvPr id="4" name="날짜 개체 틀 3"/>
+            <a:endParaRPr lang="en-US" dirty="0"/>
+          </a:p>
+        </p:txBody>
+      </p:sp>
+      <p:sp>
+        <p:nvSpPr>
+          <p:cNvPr id="4" name="Date Placeholder 3"/>
           <p:cNvSpPr>
             <a:spLocks noGrp="1"/>
           </p:cNvSpPr>
@@ -2535,19 +5538,99 @@
           </p:nvPr>
         </p:nvSpPr>
         <p:spPr>
-          <a:xfrm>
-            <a:off x="838200" y="6356350"/>
-            <a:ext cx="2743200" cy="365125"/>
+          <a:xfrm rot="5400000">
+            <a:off x="10155639" y="1790701"/>
+            <a:ext cx="990599" cy="304799"/>
           </a:xfrm>
           <a:prstGeom prst="rect">
             <a:avLst/>
           </a:prstGeom>
         </p:spPr>
         <p:txBody>
-          <a:bodyPr vert="horz" lIns="91440" tIns="45720" rIns="91440" bIns="45720" rtlCol="0" anchor="ctr"/>
+          <a:bodyPr vert="horz" lIns="91440" tIns="45720" rIns="91440" bIns="45720" rtlCol="0" anchor="t"/>
           <a:lstStyle>
             <a:lvl1pPr algn="l">
-              <a:defRPr sz="1200">
+              <a:defRPr sz="1100" b="0" i="0">
+                <a:solidFill>
+                  <a:schemeClr val="tx1">
+                    <a:tint val="75000"/>
+                    <a:alpha val="60000"/>
+                  </a:schemeClr>
+                </a:solidFill>
+              </a:defRPr>
+            </a:lvl1pPr>
+          </a:lstStyle>
+          <a:p>
+            <a:fld id="{B38698DB-F693-4909-A9D1-53D55708E0A0}" type="datetimeFigureOut">
+              <a:rPr lang="ko-KR" altLang="en-US" smtClean="0"/>
+              <a:t>2023-10-14</a:t>
+            </a:fld>
+            <a:endParaRPr lang="ko-KR" altLang="en-US"/>
+          </a:p>
+        </p:txBody>
+      </p:sp>
+      <p:sp>
+        <p:nvSpPr>
+          <p:cNvPr id="5" name="Footer Placeholder 4"/>
+          <p:cNvSpPr>
+            <a:spLocks noGrp="1"/>
+          </p:cNvSpPr>
+          <p:nvPr>
+            <p:ph type="ftr" sz="quarter" idx="3"/>
+          </p:nvPr>
+        </p:nvSpPr>
+        <p:spPr>
+          <a:xfrm rot="5400000">
+            <a:off x="8951573" y="3225297"/>
+            <a:ext cx="3859795" cy="304801"/>
+          </a:xfrm>
+          <a:prstGeom prst="rect">
+            <a:avLst/>
+          </a:prstGeom>
+        </p:spPr>
+        <p:txBody>
+          <a:bodyPr vert="horz" lIns="91440" tIns="45720" rIns="91440" bIns="45720" rtlCol="0" anchor="b"/>
+          <a:lstStyle>
+            <a:lvl1pPr algn="l">
+              <a:defRPr sz="1100" b="0" i="0">
+                <a:solidFill>
+                  <a:schemeClr val="tx1">
+                    <a:tint val="75000"/>
+                    <a:alpha val="60000"/>
+                  </a:schemeClr>
+                </a:solidFill>
+              </a:defRPr>
+            </a:lvl1pPr>
+          </a:lstStyle>
+          <a:p>
+            <a:endParaRPr lang="ko-KR" altLang="en-US"/>
+          </a:p>
+        </p:txBody>
+      </p:sp>
+      <p:sp>
+        <p:nvSpPr>
+          <p:cNvPr id="6" name="Slide Number Placeholder 5"/>
+          <p:cNvSpPr>
+            <a:spLocks noGrp="1"/>
+          </p:cNvSpPr>
+          <p:nvPr>
+            <p:ph type="sldNum" sz="quarter" idx="4"/>
+          </p:nvPr>
+        </p:nvSpPr>
+        <p:spPr bwMode="gray">
+          <a:xfrm>
+            <a:off x="10352540" y="295729"/>
+            <a:ext cx="838199" cy="767687"/>
+          </a:xfrm>
+          <a:prstGeom prst="rect">
+            <a:avLst/>
+          </a:prstGeom>
+        </p:spPr>
+        <p:txBody>
+          <a:bodyPr vert="horz" lIns="91440" tIns="45720" rIns="91440" bIns="45720" rtlCol="0" anchor="b"/>
+          <a:lstStyle>
+            <a:lvl1pPr algn="ctr">
+              <a:defRPr sz="2800" b="0" i="0">
                 <a:solidFill>
                   <a:schemeClr val="tx1">
                     <a:tint val="75000"/>
@@ -2557,84 +5640,6 @@
             </a:lvl1pPr>
           </a:lstStyle>
           <a:p>
-            <a:fld id="{B38698DB-F693-4909-A9D1-53D55708E0A0}" type="datetimeFigureOut">
-              <a:rPr lang="ko-KR" altLang="en-US" smtClean="0"/>
-              <a:t>2023-10-14</a:t>
-            </a:fld>
-            <a:endParaRPr lang="ko-KR" altLang="en-US"/>
-          </a:p>
-        </p:txBody>
-      </p:sp>
-      <p:sp>
-        <p:nvSpPr>
-          <p:cNvPr id="5" name="바닥글 개체 틀 4"/>
-          <p:cNvSpPr>
-            <a:spLocks noGrp="1"/>
-          </p:cNvSpPr>
-          <p:nvPr>
-            <p:ph type="ftr" sz="quarter" idx="3"/>
-          </p:nvPr>
-        </p:nvSpPr>
-        <p:spPr>
-          <a:xfrm>
-            <a:off x="4038600" y="6356350"/>
-            <a:ext cx="4114800" cy="365125"/>
-          </a:xfrm>
-          <a:prstGeom prst="rect">
-            <a:avLst/>
-          </a:prstGeom>
-        </p:spPr>
-        <p:txBody>
-          <a:bodyPr vert="horz" lIns="91440" tIns="45720" rIns="91440" bIns="45720" rtlCol="0" anchor="ctr"/>
-          <a:lstStyle>
-            <a:lvl1pPr algn="ctr">
-              <a:defRPr sz="1200">
-                <a:solidFill>
-                  <a:schemeClr val="tx1">
-                    <a:tint val="75000"/>
-                  </a:schemeClr>
-                </a:solidFill>
-              </a:defRPr>
-            </a:lvl1pPr>
-          </a:lstStyle>
-          <a:p>
-            <a:endParaRPr lang="ko-KR" altLang="en-US"/>
-          </a:p>
-        </p:txBody>
-      </p:sp>
-      <p:sp>
-        <p:nvSpPr>
-          <p:cNvPr id="6" name="슬라이드 번호 개체 틀 5"/>
-          <p:cNvSpPr>
-            <a:spLocks noGrp="1"/>
-          </p:cNvSpPr>
-          <p:nvPr>
-            <p:ph type="sldNum" sz="quarter" idx="4"/>
-          </p:nvPr>
-        </p:nvSpPr>
-        <p:spPr>
-          <a:xfrm>
-            <a:off x="8610600" y="6356350"/>
-            <a:ext cx="2743200" cy="365125"/>
-          </a:xfrm>
-          <a:prstGeom prst="rect">
-            <a:avLst/>
-          </a:prstGeom>
-        </p:spPr>
-        <p:txBody>
-          <a:bodyPr vert="horz" lIns="91440" tIns="45720" rIns="91440" bIns="45720" rtlCol="0" anchor="ctr"/>
-          <a:lstStyle>
-            <a:lvl1pPr algn="r">
-              <a:defRPr sz="1200">
-                <a:solidFill>
-                  <a:schemeClr val="tx1">
-                    <a:tint val="75000"/>
-                  </a:schemeClr>
-                </a:solidFill>
-              </a:defRPr>
-            </a:lvl1pPr>
-          </a:lstStyle>
-          <a:p>
             <a:fld id="{FE32CF24-D5FF-4E68-B94B-B1D79DE49D41}" type="slidenum">
               <a:rPr lang="ko-KR" altLang="en-US" smtClean="0"/>
               <a:t>‹#›</a:t>
@@ -2646,35 +5651,121 @@
     </p:spTree>
     <p:extLst>
       <p:ext uri="{BB962C8B-B14F-4D97-AF65-F5344CB8AC3E}">
-        <p14:creationId xmlns:p14="http://schemas.microsoft.com/office/powerpoint/2010/main" val="2977818225"/>
+        <p14:creationId xmlns:p14="http://schemas.microsoft.com/office/powerpoint/2010/main" val="2967481049"/>
       </p:ext>
     </p:extLst>
   </p:cSld>
-  <p:clrMap bg1="lt1" tx1="dk1" bg2="lt2" tx2="dk2" accent1="accent1" accent2="accent2" accent3="accent3" accent4="accent4" accent5="accent5" accent6="accent6" hlink="hlink" folHlink="folHlink"/>
+  <p:clrMap bg1="dk1" tx1="lt1" bg2="dk2" tx2="lt2" accent1="accent1" accent2="accent2" accent3="accent3" accent4="accent4" accent5="accent5" accent6="accent6" hlink="hlink" folHlink="folHlink"/>
   <p:sldLayoutIdLst>
-    <p:sldLayoutId id="2147483649" r:id="rId1"/>
-    <p:sldLayoutId id="2147483650" r:id="rId2"/>
-    <p:sldLayoutId id="2147483651" r:id="rId3"/>
-    <p:sldLayoutId id="2147483652" r:id="rId4"/>
-    <p:sldLayoutId id="2147483653" r:id="rId5"/>
-    <p:sldLayoutId id="2147483654" r:id="rId6"/>
-    <p:sldLayoutId id="2147483655" r:id="rId7"/>
-    <p:sldLayoutId id="2147483656" r:id="rId8"/>
-    <p:sldLayoutId id="2147483657" r:id="rId9"/>
-    <p:sldLayoutId id="2147483658" r:id="rId10"/>
-    <p:sldLayoutId id="2147483659" r:id="rId11"/>
+    <p:sldLayoutId id="2147483679" r:id="rId1"/>
+    <p:sldLayoutId id="2147483680" r:id="rId2"/>
+    <p:sldLayoutId id="2147483681" r:id="rId3"/>
+    <p:sldLayoutId id="2147483682" r:id="rId4"/>
+    <p:sldLayoutId id="2147483683" r:id="rId5"/>
+    <p:sldLayoutId id="2147483684" r:id="rId6"/>
+    <p:sldLayoutId id="2147483685" r:id="rId7"/>
+    <p:sldLayoutId id="2147483686" r:id="rId8"/>
+    <p:sldLayoutId id="2147483687" r:id="rId9"/>
+    <p:sldLayoutId id="2147483688" r:id="rId10"/>
+    <p:sldLayoutId id="2147483689" r:id="rId11"/>
+    <p:sldLayoutId id="2147483690" r:id="rId12"/>
+    <p:sldLayoutId id="2147483691" r:id="rId13"/>
+    <p:sldLayoutId id="2147483692" r:id="rId14"/>
+    <p:sldLayoutId id="2147483693" r:id="rId15"/>
+    <p:sldLayoutId id="2147483694" r:id="rId16"/>
+    <p:sldLayoutId id="2147483695" r:id="rId17"/>
   </p:sldLayoutIdLst>
   <p:txStyles>
     <p:titleStyle>
-      <a:lvl1pPr algn="l" defTabSz="914400" rtl="0" eaLnBrk="1" latinLnBrk="1" hangingPunct="1">
-        <a:lnSpc>
-          <a:spcPct val="90000"/>
-        </a:lnSpc>
+      <a:lvl1pPr algn="l" defTabSz="457200" rtl="0" eaLnBrk="1" latinLnBrk="1" hangingPunct="1">
         <a:spcBef>
           <a:spcPct val="0"/>
         </a:spcBef>
         <a:buNone/>
-        <a:defRPr sz="4400" kern="1200">
+        <a:defRPr sz="4200" b="0" i="0" kern="1200">
+          <a:solidFill>
+            <a:schemeClr val="tx2"/>
+          </a:solidFill>
+          <a:latin typeface="+mj-lt"/>
+          <a:ea typeface="+mj-ea"/>
+          <a:cs typeface="+mj-cs"/>
+        </a:defRPr>
+      </a:lvl1pPr>
+      <a:lvl2pPr eaLnBrk="1" latinLnBrk="1" hangingPunct="1">
+        <a:defRPr>
+          <a:solidFill>
+            <a:schemeClr val="tx2"/>
+          </a:solidFill>
+        </a:defRPr>
+      </a:lvl2pPr>
+      <a:lvl3pPr eaLnBrk="1" latinLnBrk="1" hangingPunct="1">
+        <a:defRPr>
+          <a:solidFill>
+            <a:schemeClr val="tx2"/>
+          </a:solidFill>
+        </a:defRPr>
+      </a:lvl3pPr>
+      <a:lvl4pPr eaLnBrk="1" latinLnBrk="1" hangingPunct="1">
+        <a:defRPr>
+          <a:solidFill>
+            <a:schemeClr val="tx2"/>
+          </a:solidFill>
+        </a:defRPr>
+      </a:lvl4pPr>
+      <a:lvl5pPr eaLnBrk="1" latinLnBrk="1" hangingPunct="1">
+        <a:defRPr>
+          <a:solidFill>
+            <a:schemeClr val="tx2"/>
+          </a:solidFill>
+        </a:defRPr>
+      </a:lvl5pPr>
+      <a:lvl6pPr eaLnBrk="1" latinLnBrk="1" hangingPunct="1">
+        <a:defRPr>
+          <a:solidFill>
+            <a:schemeClr val="tx2"/>
+          </a:solidFill>
+        </a:defRPr>
+      </a:lvl6pPr>
+      <a:lvl7pPr eaLnBrk="1" latinLnBrk="1" hangingPunct="1">
+        <a:defRPr>
+          <a:solidFill>
+            <a:schemeClr val="tx2"/>
+          </a:solidFill>
+        </a:defRPr>
+      </a:lvl7pPr>
+      <a:lvl8pPr eaLnBrk="1" latinLnBrk="1" hangingPunct="1">
+        <a:defRPr>
+          <a:solidFill>
+            <a:schemeClr val="tx2"/>
+          </a:solidFill>
+        </a:defRPr>
+      </a:lvl8pPr>
+      <a:lvl9pPr eaLnBrk="1" latinLnBrk="1" hangingPunct="1">
+        <a:defRPr>
+          <a:solidFill>
+            <a:schemeClr val="tx2"/>
+          </a:solidFill>
+        </a:defRPr>
+      </a:lvl9pPr>
+    </p:titleStyle>
+    <p:bodyStyle>
+      <a:lvl1pPr marL="342900" indent="-342900" algn="l" defTabSz="457200" rtl="0" eaLnBrk="1" latinLnBrk="1" hangingPunct="1">
+        <a:spcBef>
+          <a:spcPts val="1000"/>
+        </a:spcBef>
+        <a:spcAft>
+          <a:spcPts val="0"/>
+        </a:spcAft>
+        <a:buClr>
+          <a:schemeClr val="bg2">
+            <a:lumMod val="40000"/>
+            <a:lumOff val="60000"/>
+          </a:schemeClr>
+        </a:buClr>
+        <a:buSzPct val="80000"/>
+        <a:buFont typeface="Wingdings 3" charset="2"/>
+        <a:buChar char=""/>
+        <a:defRPr sz="2000" b="0" i="0" kern="1200">
           <a:solidFill>
             <a:schemeClr val="tx1"/>
           </a:solidFill>
@@ -2683,18 +5774,213 @@
           <a:cs typeface="+mj-cs"/>
         </a:defRPr>
       </a:lvl1pPr>
-    </p:titleStyle>
-    <p:bodyStyle>
-      <a:lvl1pPr marL="228600" indent="-228600" algn="l" defTabSz="914400" rtl="0" eaLnBrk="1" latinLnBrk="1" hangingPunct="1">
-        <a:lnSpc>
-          <a:spcPct val="90000"/>
-        </a:lnSpc>
+      <a:lvl2pPr marL="742950" indent="-285750" algn="l" defTabSz="457200" rtl="0" eaLnBrk="1" latinLnBrk="1" hangingPunct="1">
         <a:spcBef>
           <a:spcPts val="1000"/>
         </a:spcBef>
-        <a:buFont typeface="Arial" panose="020B0604020202020204" pitchFamily="34" charset="0"/>
-        <a:buChar char="•"/>
-        <a:defRPr sz="2800" kern="1200">
+        <a:spcAft>
+          <a:spcPts val="0"/>
+        </a:spcAft>
+        <a:buClr>
+          <a:schemeClr val="bg2">
+            <a:lumMod val="40000"/>
+            <a:lumOff val="60000"/>
+          </a:schemeClr>
+        </a:buClr>
+        <a:buSzPct val="80000"/>
+        <a:buFont typeface="Wingdings 3" charset="2"/>
+        <a:buChar char=""/>
+        <a:defRPr sz="1800" b="0" i="0" kern="1200">
+          <a:solidFill>
+            <a:schemeClr val="tx1"/>
+          </a:solidFill>
+          <a:latin typeface="+mj-lt"/>
+          <a:ea typeface="+mj-ea"/>
+          <a:cs typeface="+mj-cs"/>
+        </a:defRPr>
+      </a:lvl2pPr>
+      <a:lvl3pPr marL="1143000" indent="-228600" algn="l" defTabSz="457200" rtl="0" eaLnBrk="1" latinLnBrk="1" hangingPunct="1">
+        <a:spcBef>
+          <a:spcPts val="1000"/>
+        </a:spcBef>
+        <a:spcAft>
+          <a:spcPts val="0"/>
+        </a:spcAft>
+        <a:buClr>
+          <a:schemeClr val="bg2">
+            <a:lumMod val="40000"/>
+            <a:lumOff val="60000"/>
+          </a:schemeClr>
+        </a:buClr>
+        <a:buSzPct val="80000"/>
+        <a:buFont typeface="Wingdings 3" charset="2"/>
+        <a:buChar char=""/>
+        <a:defRPr sz="1600" b="0" i="0" kern="1200">
+          <a:solidFill>
+            <a:schemeClr val="tx1"/>
+          </a:solidFill>
+          <a:latin typeface="+mj-lt"/>
+          <a:ea typeface="+mj-ea"/>
+          <a:cs typeface="+mj-cs"/>
+        </a:defRPr>
+      </a:lvl3pPr>
+      <a:lvl4pPr marL="1600200" indent="-228600" algn="l" defTabSz="457200" rtl="0" eaLnBrk="1" latinLnBrk="1" hangingPunct="1">
+        <a:spcBef>
+          <a:spcPts val="1000"/>
+        </a:spcBef>
+        <a:spcAft>
+          <a:spcPts val="0"/>
+        </a:spcAft>
+        <a:buClr>
+          <a:schemeClr val="bg2">
+            <a:lumMod val="40000"/>
+            <a:lumOff val="60000"/>
+          </a:schemeClr>
+        </a:buClr>
+        <a:buSzPct val="80000"/>
+        <a:buFont typeface="Wingdings 3" charset="2"/>
+        <a:buChar char=""/>
+        <a:defRPr sz="1400" b="0" i="0" kern="1200">
+          <a:solidFill>
+            <a:schemeClr val="tx1"/>
+          </a:solidFill>
+          <a:latin typeface="+mj-lt"/>
+          <a:ea typeface="+mj-ea"/>
+          <a:cs typeface="+mj-cs"/>
+        </a:defRPr>
+      </a:lvl4pPr>
+      <a:lvl5pPr marL="2057400" indent="-228600" algn="l" defTabSz="457200" rtl="0" eaLnBrk="1" latinLnBrk="1" hangingPunct="1">
+        <a:spcBef>
+          <a:spcPts val="1000"/>
+        </a:spcBef>
+        <a:spcAft>
+          <a:spcPts val="0"/>
+        </a:spcAft>
+        <a:buClr>
+          <a:schemeClr val="bg2">
+            <a:lumMod val="40000"/>
+            <a:lumOff val="60000"/>
+          </a:schemeClr>
+        </a:buClr>
+        <a:buSzPct val="80000"/>
+        <a:buFont typeface="Wingdings 3" charset="2"/>
+        <a:buChar char=""/>
+        <a:defRPr sz="1400" b="0" i="0" kern="1200">
+          <a:solidFill>
+            <a:schemeClr val="tx1"/>
+          </a:solidFill>
+          <a:latin typeface="+mj-lt"/>
+          <a:ea typeface="+mj-ea"/>
+          <a:cs typeface="+mj-cs"/>
+        </a:defRPr>
+      </a:lvl5pPr>
+      <a:lvl6pPr marL="2506000" indent="-228600" algn="l" defTabSz="457200" rtl="0" eaLnBrk="1" latinLnBrk="1" hangingPunct="1">
+        <a:spcBef>
+          <a:spcPts val="1000"/>
+        </a:spcBef>
+        <a:spcAft>
+          <a:spcPts val="0"/>
+        </a:spcAft>
+        <a:buClr>
+          <a:schemeClr val="bg2">
+            <a:lumMod val="40000"/>
+            <a:lumOff val="60000"/>
+          </a:schemeClr>
+        </a:buClr>
+        <a:buSzPct val="80000"/>
+        <a:buFont typeface="Wingdings 3" charset="2"/>
+        <a:buChar char=""/>
+        <a:defRPr sz="1400" b="0" i="0" kern="1200">
+          <a:solidFill>
+            <a:schemeClr val="tx1"/>
+          </a:solidFill>
+          <a:latin typeface="+mj-lt"/>
+          <a:ea typeface="+mj-ea"/>
+          <a:cs typeface="+mj-cs"/>
+        </a:defRPr>
+      </a:lvl6pPr>
+      <a:lvl7pPr marL="2971800" indent="-228600" algn="l" defTabSz="457200" rtl="0" eaLnBrk="1" latinLnBrk="1" hangingPunct="1">
+        <a:spcBef>
+          <a:spcPts val="1000"/>
+        </a:spcBef>
+        <a:spcAft>
+          <a:spcPts val="0"/>
+        </a:spcAft>
+        <a:buClr>
+          <a:schemeClr val="bg2">
+            <a:lumMod val="40000"/>
+            <a:lumOff val="60000"/>
+          </a:schemeClr>
+        </a:buClr>
+        <a:buSzPct val="80000"/>
+        <a:buFont typeface="Wingdings 3" charset="2"/>
+        <a:buChar char=""/>
+        <a:defRPr sz="1400" b="0" i="0" kern="1200">
+          <a:solidFill>
+            <a:schemeClr val="tx1"/>
+          </a:solidFill>
+          <a:latin typeface="+mj-lt"/>
+          <a:ea typeface="+mj-ea"/>
+          <a:cs typeface="+mj-cs"/>
+        </a:defRPr>
+      </a:lvl7pPr>
+      <a:lvl8pPr marL="3429000" indent="-228600" algn="l" defTabSz="457200" rtl="0" eaLnBrk="1" latinLnBrk="1" hangingPunct="1">
+        <a:spcBef>
+          <a:spcPts val="1000"/>
+        </a:spcBef>
+        <a:spcAft>
+          <a:spcPts val="0"/>
+        </a:spcAft>
+        <a:buClr>
+          <a:schemeClr val="bg2">
+            <a:lumMod val="40000"/>
+            <a:lumOff val="60000"/>
+          </a:schemeClr>
+        </a:buClr>
+        <a:buSzPct val="80000"/>
+        <a:buFont typeface="Wingdings 3" charset="2"/>
+        <a:buChar char=""/>
+        <a:defRPr sz="1400" b="0" i="0" kern="1200">
+          <a:solidFill>
+            <a:schemeClr val="tx1"/>
+          </a:solidFill>
+          <a:latin typeface="+mj-lt"/>
+          <a:ea typeface="+mj-ea"/>
+          <a:cs typeface="+mj-cs"/>
+        </a:defRPr>
+      </a:lvl8pPr>
+      <a:lvl9pPr marL="3886200" indent="-228600" algn="l" defTabSz="457200" rtl="0" eaLnBrk="1" latinLnBrk="1" hangingPunct="1">
+        <a:spcBef>
+          <a:spcPts val="1000"/>
+        </a:spcBef>
+        <a:spcAft>
+          <a:spcPts val="0"/>
+        </a:spcAft>
+        <a:buClr>
+          <a:schemeClr val="bg2">
+            <a:lumMod val="40000"/>
+            <a:lumOff val="60000"/>
+          </a:schemeClr>
+        </a:buClr>
+        <a:buSzPct val="80000"/>
+        <a:buFont typeface="Wingdings 3" charset="2"/>
+        <a:buChar char=""/>
+        <a:defRPr sz="1400" b="0" i="0" kern="1200">
+          <a:solidFill>
+            <a:schemeClr val="tx1"/>
+          </a:solidFill>
+          <a:latin typeface="+mj-lt"/>
+          <a:ea typeface="+mj-ea"/>
+          <a:cs typeface="+mj-cs"/>
+        </a:defRPr>
+      </a:lvl9pPr>
+    </p:bodyStyle>
+    <p:otherStyle>
+      <a:defPPr>
+        <a:defRPr lang="en-US"/>
+      </a:defPPr>
+      <a:lvl1pPr marL="0" algn="l" defTabSz="457200" rtl="0" eaLnBrk="1" latinLnBrk="1" hangingPunct="1">
+        <a:defRPr sz="1800" kern="1200">
           <a:solidFill>
             <a:schemeClr val="tx1"/>
           </a:solidFill>
@@ -2703,16 +5989,8 @@
           <a:cs typeface="+mn-cs"/>
         </a:defRPr>
       </a:lvl1pPr>
-      <a:lvl2pPr marL="685800" indent="-228600" algn="l" defTabSz="914400" rtl="0" eaLnBrk="1" latinLnBrk="1" hangingPunct="1">
-        <a:lnSpc>
-          <a:spcPct val="90000"/>
-        </a:lnSpc>
-        <a:spcBef>
-          <a:spcPts val="500"/>
-        </a:spcBef>
-        <a:buFont typeface="Arial" panose="020B0604020202020204" pitchFamily="34" charset="0"/>
-        <a:buChar char="•"/>
-        <a:defRPr sz="2400" kern="1200">
+      <a:lvl2pPr marL="457200" algn="l" defTabSz="457200" rtl="0" eaLnBrk="1" latinLnBrk="1" hangingPunct="1">
+        <a:defRPr sz="1800" kern="1200">
           <a:solidFill>
             <a:schemeClr val="tx1"/>
           </a:solidFill>
@@ -2721,16 +5999,8 @@
           <a:cs typeface="+mn-cs"/>
         </a:defRPr>
       </a:lvl2pPr>
-      <a:lvl3pPr marL="1143000" indent="-228600" algn="l" defTabSz="914400" rtl="0" eaLnBrk="1" latinLnBrk="1" hangingPunct="1">
-        <a:lnSpc>
-          <a:spcPct val="90000"/>
-        </a:lnSpc>
-        <a:spcBef>
-          <a:spcPts val="500"/>
-        </a:spcBef>
-        <a:buFont typeface="Arial" panose="020B0604020202020204" pitchFamily="34" charset="0"/>
-        <a:buChar char="•"/>
-        <a:defRPr sz="2000" kern="1200">
+      <a:lvl3pPr marL="914400" algn="l" defTabSz="457200" rtl="0" eaLnBrk="1" latinLnBrk="1" hangingPunct="1">
+        <a:defRPr sz="1800" kern="1200">
           <a:solidFill>
             <a:schemeClr val="tx1"/>
           </a:solidFill>
@@ -2739,15 +6009,7 @@
           <a:cs typeface="+mn-cs"/>
         </a:defRPr>
       </a:lvl3pPr>
-      <a:lvl4pPr marL="1600200" indent="-228600" algn="l" defTabSz="914400" rtl="0" eaLnBrk="1" latinLnBrk="1" hangingPunct="1">
-        <a:lnSpc>
-          <a:spcPct val="90000"/>
-        </a:lnSpc>
-        <a:spcBef>
-          <a:spcPts val="500"/>
-        </a:spcBef>
-        <a:buFont typeface="Arial" panose="020B0604020202020204" pitchFamily="34" charset="0"/>
-        <a:buChar char="•"/>
+      <a:lvl4pPr marL="1371600" algn="l" defTabSz="457200" rtl="0" eaLnBrk="1" latinLnBrk="1" hangingPunct="1">
         <a:defRPr sz="1800" kern="1200">
           <a:solidFill>
             <a:schemeClr val="tx1"/>
@@ -2757,15 +6019,7 @@
           <a:cs typeface="+mn-cs"/>
         </a:defRPr>
       </a:lvl4pPr>
-      <a:lvl5pPr marL="2057400" indent="-228600" algn="l" defTabSz="914400" rtl="0" eaLnBrk="1" latinLnBrk="1" hangingPunct="1">
-        <a:lnSpc>
-          <a:spcPct val="90000"/>
-        </a:lnSpc>
-        <a:spcBef>
-          <a:spcPts val="500"/>
-        </a:spcBef>
-        <a:buFont typeface="Arial" panose="020B0604020202020204" pitchFamily="34" charset="0"/>
-        <a:buChar char="•"/>
+      <a:lvl5pPr marL="1828800" algn="l" defTabSz="457200" rtl="0" eaLnBrk="1" latinLnBrk="1" hangingPunct="1">
         <a:defRPr sz="1800" kern="1200">
           <a:solidFill>
             <a:schemeClr val="tx1"/>
@@ -2775,15 +6029,7 @@
           <a:cs typeface="+mn-cs"/>
         </a:defRPr>
       </a:lvl5pPr>
-      <a:lvl6pPr marL="2514600" indent="-228600" algn="l" defTabSz="914400" rtl="0" eaLnBrk="1" latinLnBrk="1" hangingPunct="1">
-        <a:lnSpc>
-          <a:spcPct val="90000"/>
-        </a:lnSpc>
-        <a:spcBef>
-          <a:spcPts val="500"/>
-        </a:spcBef>
-        <a:buFont typeface="Arial" panose="020B0604020202020204" pitchFamily="34" charset="0"/>
-        <a:buChar char="•"/>
+      <a:lvl6pPr marL="2286000" algn="l" defTabSz="457200" rtl="0" eaLnBrk="1" latinLnBrk="1" hangingPunct="1">
         <a:defRPr sz="1800" kern="1200">
           <a:solidFill>
             <a:schemeClr val="tx1"/>
@@ -2793,15 +6039,7 @@
           <a:cs typeface="+mn-cs"/>
         </a:defRPr>
       </a:lvl6pPr>
-      <a:lvl7pPr marL="2971800" indent="-228600" algn="l" defTabSz="914400" rtl="0" eaLnBrk="1" latinLnBrk="1" hangingPunct="1">
-        <a:lnSpc>
-          <a:spcPct val="90000"/>
-        </a:lnSpc>
-        <a:spcBef>
-          <a:spcPts val="500"/>
-        </a:spcBef>
-        <a:buFont typeface="Arial" panose="020B0604020202020204" pitchFamily="34" charset="0"/>
-        <a:buChar char="•"/>
+      <a:lvl7pPr marL="2743200" algn="l" defTabSz="457200" rtl="0" eaLnBrk="1" latinLnBrk="1" hangingPunct="1">
         <a:defRPr sz="1800" kern="1200">
           <a:solidFill>
             <a:schemeClr val="tx1"/>
@@ -2811,15 +6049,7 @@
           <a:cs typeface="+mn-cs"/>
         </a:defRPr>
       </a:lvl7pPr>
-      <a:lvl8pPr marL="3429000" indent="-228600" algn="l" defTabSz="914400" rtl="0" eaLnBrk="1" latinLnBrk="1" hangingPunct="1">
-        <a:lnSpc>
-          <a:spcPct val="90000"/>
-        </a:lnSpc>
-        <a:spcBef>
-          <a:spcPts val="500"/>
-        </a:spcBef>
-        <a:buFont typeface="Arial" panose="020B0604020202020204" pitchFamily="34" charset="0"/>
-        <a:buChar char="•"/>
+      <a:lvl8pPr marL="3200400" algn="l" defTabSz="457200" rtl="0" eaLnBrk="1" latinLnBrk="1" hangingPunct="1">
         <a:defRPr sz="1800" kern="1200">
           <a:solidFill>
             <a:schemeClr val="tx1"/>
@@ -2829,110 +6059,7 @@
           <a:cs typeface="+mn-cs"/>
         </a:defRPr>
       </a:lvl8pPr>
-      <a:lvl9pPr marL="3886200" indent="-228600" algn="l" defTabSz="914400" rtl="0" eaLnBrk="1" latinLnBrk="1" hangingPunct="1">
-        <a:lnSpc>
-          <a:spcPct val="90000"/>
-        </a:lnSpc>
-        <a:spcBef>
-          <a:spcPts val="500"/>
-        </a:spcBef>
-        <a:buFont typeface="Arial" panose="020B0604020202020204" pitchFamily="34" charset="0"/>
-        <a:buChar char="•"/>
-        <a:defRPr sz="1800" kern="1200">
-          <a:solidFill>
-            <a:schemeClr val="tx1"/>
-          </a:solidFill>
-          <a:latin typeface="+mn-lt"/>
-          <a:ea typeface="+mn-ea"/>
-          <a:cs typeface="+mn-cs"/>
-        </a:defRPr>
-      </a:lvl9pPr>
-    </p:bodyStyle>
-    <p:otherStyle>
-      <a:defPPr>
-        <a:defRPr lang="ko-KR"/>
-      </a:defPPr>
-      <a:lvl1pPr marL="0" algn="l" defTabSz="914400" rtl="0" eaLnBrk="1" latinLnBrk="1" hangingPunct="1">
-        <a:defRPr sz="1800" kern="1200">
-          <a:solidFill>
-            <a:schemeClr val="tx1"/>
-          </a:solidFill>
-          <a:latin typeface="+mn-lt"/>
-          <a:ea typeface="+mn-ea"/>
-          <a:cs typeface="+mn-cs"/>
-        </a:defRPr>
-      </a:lvl1pPr>
-      <a:lvl2pPr marL="457200" algn="l" defTabSz="914400" rtl="0" eaLnBrk="1" latinLnBrk="1" hangingPunct="1">
-        <a:defRPr sz="1800" kern="1200">
-          <a:solidFill>
-            <a:schemeClr val="tx1"/>
-          </a:solidFill>
-          <a:latin typeface="+mn-lt"/>
-          <a:ea typeface="+mn-ea"/>
-          <a:cs typeface="+mn-cs"/>
-        </a:defRPr>
-      </a:lvl2pPr>
-      <a:lvl3pPr marL="914400" algn="l" defTabSz="914400" rtl="0" eaLnBrk="1" latinLnBrk="1" hangingPunct="1">
-        <a:defRPr sz="1800" kern="1200">
-          <a:solidFill>
-            <a:schemeClr val="tx1"/>
-          </a:solidFill>
-          <a:latin typeface="+mn-lt"/>
-          <a:ea typeface="+mn-ea"/>
-          <a:cs typeface="+mn-cs"/>
-        </a:defRPr>
-      </a:lvl3pPr>
-      <a:lvl4pPr marL="1371600" algn="l" defTabSz="914400" rtl="0" eaLnBrk="1" latinLnBrk="1" hangingPunct="1">
-        <a:defRPr sz="1800" kern="1200">
-          <a:solidFill>
-            <a:schemeClr val="tx1"/>
-          </a:solidFill>
-          <a:latin typeface="+mn-lt"/>
-          <a:ea typeface="+mn-ea"/>
-          <a:cs typeface="+mn-cs"/>
-        </a:defRPr>
-      </a:lvl4pPr>
-      <a:lvl5pPr marL="1828800" algn="l" defTabSz="914400" rtl="0" eaLnBrk="1" latinLnBrk="1" hangingPunct="1">
-        <a:defRPr sz="1800" kern="1200">
-          <a:solidFill>
-            <a:schemeClr val="tx1"/>
-          </a:solidFill>
-          <a:latin typeface="+mn-lt"/>
-          <a:ea typeface="+mn-ea"/>
-          <a:cs typeface="+mn-cs"/>
-        </a:defRPr>
-      </a:lvl5pPr>
-      <a:lvl6pPr marL="2286000" algn="l" defTabSz="914400" rtl="0" eaLnBrk="1" latinLnBrk="1" hangingPunct="1">
-        <a:defRPr sz="1800" kern="1200">
-          <a:solidFill>
-            <a:schemeClr val="tx1"/>
-          </a:solidFill>
-          <a:latin typeface="+mn-lt"/>
-          <a:ea typeface="+mn-ea"/>
-          <a:cs typeface="+mn-cs"/>
-        </a:defRPr>
-      </a:lvl6pPr>
-      <a:lvl7pPr marL="2743200" algn="l" defTabSz="914400" rtl="0" eaLnBrk="1" latinLnBrk="1" hangingPunct="1">
-        <a:defRPr sz="1800" kern="1200">
-          <a:solidFill>
-            <a:schemeClr val="tx1"/>
-          </a:solidFill>
-          <a:latin typeface="+mn-lt"/>
-          <a:ea typeface="+mn-ea"/>
-          <a:cs typeface="+mn-cs"/>
-        </a:defRPr>
-      </a:lvl7pPr>
-      <a:lvl8pPr marL="3200400" algn="l" defTabSz="914400" rtl="0" eaLnBrk="1" latinLnBrk="1" hangingPunct="1">
-        <a:defRPr sz="1800" kern="1200">
-          <a:solidFill>
-            <a:schemeClr val="tx1"/>
-          </a:solidFill>
-          <a:latin typeface="+mn-lt"/>
-          <a:ea typeface="+mn-ea"/>
-          <a:cs typeface="+mn-cs"/>
-        </a:defRPr>
-      </a:lvl8pPr>
-      <a:lvl9pPr marL="3657600" algn="l" defTabSz="914400" rtl="0" eaLnBrk="1" latinLnBrk="1" hangingPunct="1">
+      <a:lvl9pPr marL="3657600" algn="l" defTabSz="457200" rtl="0" eaLnBrk="1" latinLnBrk="1" hangingPunct="1">
         <a:defRPr sz="1800" kern="1200">
           <a:solidFill>
             <a:schemeClr val="tx1"/>
@@ -2964,6 +6091,239 @@
           <a:chExt cx="0" cy="0"/>
         </a:xfrm>
       </p:grpSpPr>
+      <p:sp>
+        <p:nvSpPr>
+          <p:cNvPr id="4" name="TextBox 3"/>
+          <p:cNvSpPr txBox="1"/>
+          <p:nvPr/>
+        </p:nvSpPr>
+        <p:spPr>
+          <a:xfrm>
+            <a:off x="0" y="621792"/>
+            <a:ext cx="12192000" cy="1323439"/>
+          </a:xfrm>
+          <a:prstGeom prst="rect">
+            <a:avLst/>
+          </a:prstGeom>
+          <a:noFill/>
+        </p:spPr>
+        <p:txBody>
+          <a:bodyPr wrap="square" rtlCol="0">
+            <a:spAutoFit/>
+          </a:bodyPr>
+          <a:lstStyle/>
+          <a:p>
+            <a:pPr algn="ctr"/>
+            <a:r>
+              <a:rPr lang="ko-KR" altLang="en-US" sz="8000" dirty="0" smtClean="0">
+                <a:latin typeface="HY헤드라인M" panose="02030600000101010101" pitchFamily="18" charset="-127"/>
+                <a:ea typeface="HY헤드라인M" panose="02030600000101010101" pitchFamily="18" charset="-127"/>
+              </a:rPr>
+              <a:t>클레이 사격</a:t>
+            </a:r>
+            <a:endParaRPr lang="ko-KR" altLang="en-US" sz="8000" dirty="0">
+              <a:latin typeface="HY헤드라인M" panose="02030600000101010101" pitchFamily="18" charset="-127"/>
+              <a:ea typeface="HY헤드라인M" panose="02030600000101010101" pitchFamily="18" charset="-127"/>
+            </a:endParaRPr>
+          </a:p>
+        </p:txBody>
+      </p:sp>
+      <p:sp>
+        <p:nvSpPr>
+          <p:cNvPr id="5" name="TextBox 4"/>
+          <p:cNvSpPr txBox="1"/>
+          <p:nvPr/>
+        </p:nvSpPr>
+        <p:spPr>
+          <a:xfrm>
+            <a:off x="1333208" y="2828544"/>
+            <a:ext cx="3225563" cy="461665"/>
+          </a:xfrm>
+          <a:prstGeom prst="rect">
+            <a:avLst/>
+          </a:prstGeom>
+          <a:noFill/>
+        </p:spPr>
+        <p:txBody>
+          <a:bodyPr wrap="none" rtlCol="0">
+            <a:spAutoFit/>
+          </a:bodyPr>
+          <a:lstStyle/>
+          <a:p>
+            <a:r>
+              <a:rPr lang="en-US" altLang="ko-KR" sz="2400" b="1" dirty="0" smtClean="0">
+                <a:latin typeface="HY헤드라인M" panose="02030600000101010101" pitchFamily="18" charset="-127"/>
+                <a:ea typeface="HY헤드라인M" panose="02030600000101010101" pitchFamily="18" charset="-127"/>
+              </a:rPr>
+              <a:t>☞ 1</a:t>
+            </a:r>
+            <a:r>
+              <a:rPr lang="ko-KR" altLang="en-US" sz="2400" b="1" dirty="0" smtClean="0">
+                <a:latin typeface="HY헤드라인M" panose="02030600000101010101" pitchFamily="18" charset="-127"/>
+                <a:ea typeface="HY헤드라인M" panose="02030600000101010101" pitchFamily="18" charset="-127"/>
+              </a:rPr>
+              <a:t>인칭 사격의 진수</a:t>
+            </a:r>
+            <a:r>
+              <a:rPr lang="en-US" altLang="ko-KR" sz="2400" b="1" dirty="0" smtClean="0">
+                <a:latin typeface="HY헤드라인M" panose="02030600000101010101" pitchFamily="18" charset="-127"/>
+                <a:ea typeface="HY헤드라인M" panose="02030600000101010101" pitchFamily="18" charset="-127"/>
+              </a:rPr>
+              <a:t>!!</a:t>
+            </a:r>
+            <a:endParaRPr lang="ko-KR" altLang="en-US" sz="2400" b="1" dirty="0">
+              <a:latin typeface="HY헤드라인M" panose="02030600000101010101" pitchFamily="18" charset="-127"/>
+              <a:ea typeface="HY헤드라인M" panose="02030600000101010101" pitchFamily="18" charset="-127"/>
+            </a:endParaRPr>
+          </a:p>
+        </p:txBody>
+      </p:sp>
+      <p:sp>
+        <p:nvSpPr>
+          <p:cNvPr id="6" name="TextBox 5"/>
+          <p:cNvSpPr txBox="1"/>
+          <p:nvPr/>
+        </p:nvSpPr>
+        <p:spPr>
+          <a:xfrm>
+            <a:off x="2755192" y="3942689"/>
+            <a:ext cx="7622600" cy="461665"/>
+          </a:xfrm>
+          <a:prstGeom prst="rect">
+            <a:avLst/>
+          </a:prstGeom>
+          <a:noFill/>
+        </p:spPr>
+        <p:txBody>
+          <a:bodyPr wrap="none" rtlCol="0">
+            <a:spAutoFit/>
+          </a:bodyPr>
+          <a:lstStyle/>
+          <a:p>
+            <a:r>
+              <a:rPr lang="en-US" altLang="ko-KR" sz="2400" b="1" dirty="0" smtClean="0">
+                <a:latin typeface="HY헤드라인M" panose="02030600000101010101" pitchFamily="18" charset="-127"/>
+                <a:ea typeface="HY헤드라인M" panose="02030600000101010101" pitchFamily="18" charset="-127"/>
+              </a:rPr>
+              <a:t>☞ </a:t>
+            </a:r>
+            <a:r>
+              <a:rPr lang="ko-KR" altLang="en-US" sz="2400" b="1" dirty="0" smtClean="0">
+                <a:latin typeface="HY헤드라인M" panose="02030600000101010101" pitchFamily="18" charset="-127"/>
+                <a:ea typeface="HY헤드라인M" panose="02030600000101010101" pitchFamily="18" charset="-127"/>
+              </a:rPr>
+              <a:t>평범한 과녁에 총을 쏘는 것이 아닌 움직이는 원판</a:t>
+            </a:r>
+            <a:r>
+              <a:rPr lang="en-US" altLang="ko-KR" sz="2400" b="1" dirty="0" smtClean="0">
+                <a:latin typeface="HY헤드라인M" panose="02030600000101010101" pitchFamily="18" charset="-127"/>
+                <a:ea typeface="HY헤드라인M" panose="02030600000101010101" pitchFamily="18" charset="-127"/>
+              </a:rPr>
+              <a:t>!!</a:t>
+            </a:r>
+            <a:endParaRPr lang="ko-KR" altLang="en-US" sz="2400" b="1" dirty="0">
+              <a:latin typeface="HY헤드라인M" panose="02030600000101010101" pitchFamily="18" charset="-127"/>
+              <a:ea typeface="HY헤드라인M" panose="02030600000101010101" pitchFamily="18" charset="-127"/>
+            </a:endParaRPr>
+          </a:p>
+        </p:txBody>
+      </p:sp>
+      <p:sp>
+        <p:nvSpPr>
+          <p:cNvPr id="9" name="TextBox 8"/>
+          <p:cNvSpPr txBox="1"/>
+          <p:nvPr/>
+        </p:nvSpPr>
+        <p:spPr>
+          <a:xfrm>
+            <a:off x="6566492" y="5053988"/>
+            <a:ext cx="3953326" cy="461665"/>
+          </a:xfrm>
+          <a:prstGeom prst="rect">
+            <a:avLst/>
+          </a:prstGeom>
+          <a:noFill/>
+        </p:spPr>
+        <p:txBody>
+          <a:bodyPr wrap="none" rtlCol="0">
+            <a:spAutoFit/>
+          </a:bodyPr>
+          <a:lstStyle/>
+          <a:p>
+            <a:r>
+              <a:rPr lang="en-US" altLang="ko-KR" sz="2400" b="1" dirty="0" smtClean="0">
+                <a:latin typeface="HY헤드라인M" panose="02030600000101010101" pitchFamily="18" charset="-127"/>
+                <a:ea typeface="HY헤드라인M" panose="02030600000101010101" pitchFamily="18" charset="-127"/>
+              </a:rPr>
+              <a:t>☞</a:t>
+            </a:r>
+            <a:r>
+              <a:rPr lang="ko-KR" altLang="en-US" sz="2400" b="1" dirty="0">
+                <a:latin typeface="HY헤드라인M" panose="02030600000101010101" pitchFamily="18" charset="-127"/>
+                <a:ea typeface="HY헤드라인M" panose="02030600000101010101" pitchFamily="18" charset="-127"/>
+              </a:rPr>
+              <a:t> </a:t>
+            </a:r>
+            <a:r>
+              <a:rPr lang="ko-KR" altLang="en-US" sz="2400" b="1" dirty="0" smtClean="0">
+                <a:latin typeface="HY헤드라인M" panose="02030600000101010101" pitchFamily="18" charset="-127"/>
+                <a:ea typeface="HY헤드라인M" panose="02030600000101010101" pitchFamily="18" charset="-127"/>
+              </a:rPr>
+              <a:t>정신없이 날아오는 원판</a:t>
+            </a:r>
+            <a:r>
+              <a:rPr lang="en-US" altLang="ko-KR" sz="2400" b="1" dirty="0" smtClean="0">
+                <a:latin typeface="HY헤드라인M" panose="02030600000101010101" pitchFamily="18" charset="-127"/>
+                <a:ea typeface="HY헤드라인M" panose="02030600000101010101" pitchFamily="18" charset="-127"/>
+              </a:rPr>
+              <a:t>!!</a:t>
+            </a:r>
+            <a:endParaRPr lang="ko-KR" altLang="en-US" sz="2400" b="1" dirty="0">
+              <a:latin typeface="HY헤드라인M" panose="02030600000101010101" pitchFamily="18" charset="-127"/>
+              <a:ea typeface="HY헤드라인M" panose="02030600000101010101" pitchFamily="18" charset="-127"/>
+            </a:endParaRPr>
+          </a:p>
+        </p:txBody>
+      </p:sp>
+      <p:pic>
+        <p:nvPicPr>
+          <p:cNvPr id="10" name="그림 9"/>
+          <p:cNvPicPr>
+            <a:picLocks noChangeAspect="1"/>
+          </p:cNvPicPr>
+          <p:nvPr/>
+        </p:nvPicPr>
+        <p:blipFill>
+          <a:blip r:embed="rId2">
+            <a:extLst>
+              <a:ext uri="{BEBA8EAE-BF5A-486C-A8C5-ECC9F3942E4B}">
+                <a14:imgProps xmlns:a14="http://schemas.microsoft.com/office/drawing/2010/main">
+                  <a14:imgLayer r:embed="rId3">
+                    <a14:imgEffect>
+                      <a14:backgroundRemoval t="10000" b="90000" l="10000" r="90000"/>
+                    </a14:imgEffect>
+                  </a14:imgLayer>
+                </a14:imgProps>
+              </a:ext>
+              <a:ext uri="{28A0092B-C50C-407E-A947-70E740481C1C}">
+                <a14:useLocalDpi xmlns:a14="http://schemas.microsoft.com/office/drawing/2010/main" val="0"/>
+              </a:ext>
+            </a:extLst>
+          </a:blip>
+          <a:stretch>
+            <a:fillRect/>
+          </a:stretch>
+        </p:blipFill>
+        <p:spPr>
+          <a:xfrm>
+            <a:off x="-1252631" y="4659629"/>
+            <a:ext cx="4426368" cy="2405635"/>
+          </a:xfrm>
+          <a:prstGeom prst="rect">
+            <a:avLst/>
+          </a:prstGeom>
+        </p:spPr>
+      </p:pic>
     </p:spTree>
     <p:extLst>
       <p:ext uri="{BB962C8B-B14F-4D97-AF65-F5344CB8AC3E}">
@@ -2974,13 +6334,1820 @@
   <p:clrMapOvr>
     <a:masterClrMapping/>
   </p:clrMapOvr>
+  <p:timing>
+    <p:tnLst>
+      <p:par>
+        <p:cTn id="1" dur="indefinite" restart="never" nodeType="tmRoot">
+          <p:childTnLst>
+            <p:seq concurrent="1" nextAc="seek">
+              <p:cTn id="2" dur="indefinite" nodeType="mainSeq">
+                <p:childTnLst>
+                  <p:par>
+                    <p:cTn id="3" fill="hold">
+                      <p:stCondLst>
+                        <p:cond delay="indefinite"/>
+                      </p:stCondLst>
+                      <p:childTnLst>
+                        <p:par>
+                          <p:cTn id="4" fill="hold">
+                            <p:stCondLst>
+                              <p:cond delay="0"/>
+                            </p:stCondLst>
+                            <p:childTnLst>
+                              <p:par>
+                                <p:cTn id="5" presetID="44" presetClass="path" presetSubtype="0" accel="50000" decel="50000" fill="hold" nodeType="clickEffect">
+                                  <p:stCondLst>
+                                    <p:cond delay="0"/>
+                                  </p:stCondLst>
+                                  <p:childTnLst>
+                                    <p:animMotion origin="layout" path="M 3.95833E-6 -1.11111E-6 C 0.02226 -0.01505 0.01054 -0.18773 0.03489 -0.26319 C 0.05885 -0.33912 0.09895 -0.4088 0.14648 -0.45347 C 0.19466 -0.49838 0.30833 -0.54074 0.32213 -0.53171 C 0.48073 -0.54167 0.65039 -0.41805 0.67382 -0.40463 " pathEditMode="relative" rAng="0" ptsTypes="AAAAA">
+                                      <p:cBhvr>
+                                        <p:cTn id="6" dur="2000" fill="hold"/>
+                                        <p:tgtEl>
+                                          <p:spTgt spid="10"/>
+                                        </p:tgtEl>
+                                        <p:attrNameLst>
+                                          <p:attrName>ppt_x</p:attrName>
+                                          <p:attrName>ppt_y</p:attrName>
+                                        </p:attrNameLst>
+                                      </p:cBhvr>
+                                      <p:rCtr x="33685" y="-26644"/>
+                                    </p:animMotion>
+                                  </p:childTnLst>
+                                </p:cTn>
+                              </p:par>
+                            </p:childTnLst>
+                          </p:cTn>
+                        </p:par>
+                      </p:childTnLst>
+                    </p:cTn>
+                  </p:par>
+                </p:childTnLst>
+              </p:cTn>
+              <p:prevCondLst>
+                <p:cond evt="onPrev" delay="0">
+                  <p:tgtEl>
+                    <p:sldTgt/>
+                  </p:tgtEl>
+                </p:cond>
+              </p:prevCondLst>
+              <p:nextCondLst>
+                <p:cond evt="onNext" delay="0">
+                  <p:tgtEl>
+                    <p:sldTgt/>
+                  </p:tgtEl>
+                </p:cond>
+              </p:nextCondLst>
+            </p:seq>
+          </p:childTnLst>
+        </p:cTn>
+      </p:par>
+    </p:tnLst>
+  </p:timing>
+</p:sld>
+</file>
+
+<file path=ppt/slides/slide2.xml><?xml version="1.0" encoding="utf-8"?>
+<p:sld xmlns:a="http://schemas.openxmlformats.org/drawingml/2006/main" xmlns:r="http://schemas.openxmlformats.org/officeDocument/2006/relationships" xmlns:p="http://schemas.openxmlformats.org/presentationml/2006/main">
+  <p:cSld>
+    <p:spTree>
+      <p:nvGrpSpPr>
+        <p:cNvPr id="1" name=""/>
+        <p:cNvGrpSpPr/>
+        <p:nvPr/>
+      </p:nvGrpSpPr>
+      <p:grpSpPr>
+        <a:xfrm>
+          <a:off x="0" y="0"/>
+          <a:ext cx="0" cy="0"/>
+          <a:chOff x="0" y="0"/>
+          <a:chExt cx="0" cy="0"/>
+        </a:xfrm>
+      </p:grpSpPr>
+      <p:sp>
+        <p:nvSpPr>
+          <p:cNvPr id="4" name="TextBox 3"/>
+          <p:cNvSpPr txBox="1"/>
+          <p:nvPr/>
+        </p:nvSpPr>
+        <p:spPr>
+          <a:xfrm>
+            <a:off x="0" y="621792"/>
+            <a:ext cx="12192000" cy="1323439"/>
+          </a:xfrm>
+          <a:prstGeom prst="rect">
+            <a:avLst/>
+          </a:prstGeom>
+          <a:noFill/>
+        </p:spPr>
+        <p:txBody>
+          <a:bodyPr wrap="square" rtlCol="0">
+            <a:spAutoFit/>
+          </a:bodyPr>
+          <a:lstStyle/>
+          <a:p>
+            <a:pPr algn="ctr"/>
+            <a:r>
+              <a:rPr lang="ko-KR" altLang="en-US" sz="8000" dirty="0" smtClean="0">
+                <a:latin typeface="HY헤드라인M" panose="02030600000101010101" pitchFamily="18" charset="-127"/>
+                <a:ea typeface="HY헤드라인M" panose="02030600000101010101" pitchFamily="18" charset="-127"/>
+              </a:rPr>
+              <a:t>게임 컨셉</a:t>
+            </a:r>
+            <a:endParaRPr lang="ko-KR" altLang="en-US" sz="8000" dirty="0">
+              <a:latin typeface="HY헤드라인M" panose="02030600000101010101" pitchFamily="18" charset="-127"/>
+              <a:ea typeface="HY헤드라인M" panose="02030600000101010101" pitchFamily="18" charset="-127"/>
+            </a:endParaRPr>
+          </a:p>
+        </p:txBody>
+      </p:sp>
+      <p:sp>
+        <p:nvSpPr>
+          <p:cNvPr id="9" name="TextBox 8"/>
+          <p:cNvSpPr txBox="1"/>
+          <p:nvPr/>
+        </p:nvSpPr>
+        <p:spPr>
+          <a:xfrm>
+            <a:off x="1531196" y="2274212"/>
+            <a:ext cx="7404591" cy="3970318"/>
+          </a:xfrm>
+          <a:prstGeom prst="rect">
+            <a:avLst/>
+          </a:prstGeom>
+          <a:noFill/>
+        </p:spPr>
+        <p:txBody>
+          <a:bodyPr wrap="none" rtlCol="0">
+            <a:spAutoFit/>
+          </a:bodyPr>
+          <a:lstStyle/>
+          <a:p>
+            <a:pPr marL="342900" indent="-342900">
+              <a:buFont typeface="Wingdings" panose="05000000000000000000" pitchFamily="2" charset="2"/>
+              <a:buChar char="ü"/>
+            </a:pPr>
+            <a:r>
+              <a:rPr lang="ko-KR" altLang="en-US" sz="2800" b="1" dirty="0" smtClean="0">
+                <a:latin typeface="HY헤드라인M" panose="02030600000101010101" pitchFamily="18" charset="-127"/>
+                <a:ea typeface="HY헤드라인M" panose="02030600000101010101" pitchFamily="18" charset="-127"/>
+              </a:rPr>
+              <a:t>순식간에 지나가는 원판들</a:t>
+            </a:r>
+            <a:r>
+              <a:rPr lang="en-US" altLang="ko-KR" sz="2800" b="1" dirty="0" smtClean="0">
+                <a:latin typeface="HY헤드라인M" panose="02030600000101010101" pitchFamily="18" charset="-127"/>
+                <a:ea typeface="HY헤드라인M" panose="02030600000101010101" pitchFamily="18" charset="-127"/>
+              </a:rPr>
+              <a:t>!!</a:t>
+            </a:r>
+          </a:p>
+          <a:p>
+            <a:pPr marL="342900" indent="-342900">
+              <a:buFont typeface="Wingdings" panose="05000000000000000000" pitchFamily="2" charset="2"/>
+              <a:buChar char="ü"/>
+            </a:pPr>
+            <a:endParaRPr lang="en-US" altLang="ko-KR" sz="2800" b="1" dirty="0">
+              <a:latin typeface="HY헤드라인M" panose="02030600000101010101" pitchFamily="18" charset="-127"/>
+              <a:ea typeface="HY헤드라인M" panose="02030600000101010101" pitchFamily="18" charset="-127"/>
+            </a:endParaRPr>
+          </a:p>
+          <a:p>
+            <a:pPr marL="342900" indent="-342900">
+              <a:buFont typeface="Wingdings" panose="05000000000000000000" pitchFamily="2" charset="2"/>
+              <a:buChar char="ü"/>
+            </a:pPr>
+            <a:r>
+              <a:rPr lang="ko-KR" altLang="en-US" sz="2800" b="1" dirty="0" smtClean="0">
+                <a:latin typeface="HY헤드라인M" panose="02030600000101010101" pitchFamily="18" charset="-127"/>
+                <a:ea typeface="HY헤드라인M" panose="02030600000101010101" pitchFamily="18" charset="-127"/>
+              </a:rPr>
+              <a:t>실력에 맞는 맞춤 난이도 선택</a:t>
+            </a:r>
+            <a:r>
+              <a:rPr lang="en-US" altLang="ko-KR" sz="2800" b="1" dirty="0" smtClean="0">
+                <a:latin typeface="HY헤드라인M" panose="02030600000101010101" pitchFamily="18" charset="-127"/>
+                <a:ea typeface="HY헤드라인M" panose="02030600000101010101" pitchFamily="18" charset="-127"/>
+              </a:rPr>
+              <a:t>!!</a:t>
+            </a:r>
+          </a:p>
+          <a:p>
+            <a:endParaRPr lang="en-US" altLang="ko-KR" sz="2800" b="1" dirty="0">
+              <a:latin typeface="HY헤드라인M" panose="02030600000101010101" pitchFamily="18" charset="-127"/>
+              <a:ea typeface="HY헤드라인M" panose="02030600000101010101" pitchFamily="18" charset="-127"/>
+            </a:endParaRPr>
+          </a:p>
+          <a:p>
+            <a:pPr marL="342900" indent="-342900">
+              <a:buFont typeface="Wingdings" panose="05000000000000000000" pitchFamily="2" charset="2"/>
+              <a:buChar char="ü"/>
+            </a:pPr>
+            <a:r>
+              <a:rPr lang="ko-KR" altLang="en-US" sz="2800" b="1" dirty="0" smtClean="0">
+                <a:latin typeface="HY헤드라인M" panose="02030600000101010101" pitchFamily="18" charset="-127"/>
+                <a:ea typeface="HY헤드라인M" panose="02030600000101010101" pitchFamily="18" charset="-127"/>
+              </a:rPr>
+              <a:t>플레이어의 마음을 울리는 총소리</a:t>
+            </a:r>
+            <a:r>
+              <a:rPr lang="en-US" altLang="ko-KR" sz="2800" b="1" dirty="0" smtClean="0">
+                <a:latin typeface="HY헤드라인M" panose="02030600000101010101" pitchFamily="18" charset="-127"/>
+                <a:ea typeface="HY헤드라인M" panose="02030600000101010101" pitchFamily="18" charset="-127"/>
+              </a:rPr>
+              <a:t>!!</a:t>
+            </a:r>
+            <a:r>
+              <a:rPr lang="ko-KR" altLang="en-US" sz="2800" b="1" dirty="0" smtClean="0">
+                <a:latin typeface="HY헤드라인M" panose="02030600000101010101" pitchFamily="18" charset="-127"/>
+                <a:ea typeface="HY헤드라인M" panose="02030600000101010101" pitchFamily="18" charset="-127"/>
+              </a:rPr>
+              <a:t> </a:t>
+            </a:r>
+            <a:endParaRPr lang="en-US" altLang="ko-KR" sz="2800" b="1" dirty="0" smtClean="0">
+              <a:latin typeface="HY헤드라인M" panose="02030600000101010101" pitchFamily="18" charset="-127"/>
+              <a:ea typeface="HY헤드라인M" panose="02030600000101010101" pitchFamily="18" charset="-127"/>
+            </a:endParaRPr>
+          </a:p>
+          <a:p>
+            <a:pPr marL="342900" indent="-342900">
+              <a:buFont typeface="Wingdings" panose="05000000000000000000" pitchFamily="2" charset="2"/>
+              <a:buChar char="ü"/>
+            </a:pPr>
+            <a:endParaRPr lang="en-US" altLang="ko-KR" sz="2800" b="1" dirty="0">
+              <a:latin typeface="HY헤드라인M" panose="02030600000101010101" pitchFamily="18" charset="-127"/>
+              <a:ea typeface="HY헤드라인M" panose="02030600000101010101" pitchFamily="18" charset="-127"/>
+            </a:endParaRPr>
+          </a:p>
+          <a:p>
+            <a:pPr marL="342900" indent="-342900">
+              <a:buFont typeface="Wingdings" panose="05000000000000000000" pitchFamily="2" charset="2"/>
+              <a:buChar char="ü"/>
+            </a:pPr>
+            <a:r>
+              <a:rPr lang="ko-KR" altLang="en-US" sz="2800" b="1" dirty="0" smtClean="0">
+                <a:latin typeface="HY헤드라인M" panose="02030600000101010101" pitchFamily="18" charset="-127"/>
+                <a:ea typeface="HY헤드라인M" panose="02030600000101010101" pitchFamily="18" charset="-127"/>
+              </a:rPr>
+              <a:t>점수제로 인하여 경쟁 심리 유발</a:t>
+            </a:r>
+            <a:r>
+              <a:rPr lang="en-US" altLang="ko-KR" sz="2800" b="1" dirty="0" smtClean="0">
+                <a:latin typeface="HY헤드라인M" panose="02030600000101010101" pitchFamily="18" charset="-127"/>
+                <a:ea typeface="HY헤드라인M" panose="02030600000101010101" pitchFamily="18" charset="-127"/>
+              </a:rPr>
+              <a:t>!!</a:t>
+            </a:r>
+            <a:endParaRPr lang="en-US" altLang="ko-KR" sz="2800" b="1" dirty="0">
+              <a:latin typeface="HY헤드라인M" panose="02030600000101010101" pitchFamily="18" charset="-127"/>
+              <a:ea typeface="HY헤드라인M" panose="02030600000101010101" pitchFamily="18" charset="-127"/>
+            </a:endParaRPr>
+          </a:p>
+          <a:p>
+            <a:pPr marL="342900" indent="-342900">
+              <a:buFont typeface="Wingdings" panose="05000000000000000000" pitchFamily="2" charset="2"/>
+              <a:buChar char="ü"/>
+            </a:pPr>
+            <a:endParaRPr lang="en-US" altLang="ko-KR" sz="2800" b="1" dirty="0" smtClean="0">
+              <a:latin typeface="HY헤드라인M" panose="02030600000101010101" pitchFamily="18" charset="-127"/>
+              <a:ea typeface="HY헤드라인M" panose="02030600000101010101" pitchFamily="18" charset="-127"/>
+            </a:endParaRPr>
+          </a:p>
+          <a:p>
+            <a:pPr marL="342900" indent="-342900">
+              <a:buFont typeface="Wingdings" panose="05000000000000000000" pitchFamily="2" charset="2"/>
+              <a:buChar char="ü"/>
+            </a:pPr>
+            <a:r>
+              <a:rPr lang="ko-KR" altLang="en-US" sz="2800" b="1" dirty="0" smtClean="0">
+                <a:latin typeface="HY헤드라인M" panose="02030600000101010101" pitchFamily="18" charset="-127"/>
+                <a:ea typeface="HY헤드라인M" panose="02030600000101010101" pitchFamily="18" charset="-127"/>
+              </a:rPr>
+              <a:t>한 판이 빠르게 끝나서 가볍게 즐기기 가능</a:t>
+            </a:r>
+            <a:r>
+              <a:rPr lang="en-US" altLang="ko-KR" sz="2800" b="1" dirty="0" smtClean="0">
+                <a:latin typeface="HY헤드라인M" panose="02030600000101010101" pitchFamily="18" charset="-127"/>
+                <a:ea typeface="HY헤드라인M" panose="02030600000101010101" pitchFamily="18" charset="-127"/>
+              </a:rPr>
+              <a:t>!!</a:t>
+            </a:r>
+            <a:endParaRPr lang="ko-KR" altLang="en-US" sz="2800" b="1" dirty="0">
+              <a:latin typeface="HY헤드라인M" panose="02030600000101010101" pitchFamily="18" charset="-127"/>
+              <a:ea typeface="HY헤드라인M" panose="02030600000101010101" pitchFamily="18" charset="-127"/>
+            </a:endParaRPr>
+          </a:p>
+        </p:txBody>
+      </p:sp>
+    </p:spTree>
+    <p:extLst>
+      <p:ext uri="{BB962C8B-B14F-4D97-AF65-F5344CB8AC3E}">
+        <p14:creationId xmlns:p14="http://schemas.microsoft.com/office/powerpoint/2010/main" val="450712736"/>
+      </p:ext>
+    </p:extLst>
+  </p:cSld>
+  <p:clrMapOvr>
+    <a:masterClrMapping/>
+  </p:clrMapOvr>
+  <p:timing>
+    <p:tnLst>
+      <p:par>
+        <p:cTn id="1" dur="indefinite" restart="never" nodeType="tmRoot"/>
+      </p:par>
+    </p:tnLst>
+  </p:timing>
+</p:sld>
+</file>
+
+<file path=ppt/slides/slide3.xml><?xml version="1.0" encoding="utf-8"?>
+<p:sld xmlns:a="http://schemas.openxmlformats.org/drawingml/2006/main" xmlns:r="http://schemas.openxmlformats.org/officeDocument/2006/relationships" xmlns:p="http://schemas.openxmlformats.org/presentationml/2006/main">
+  <p:cSld>
+    <p:spTree>
+      <p:nvGrpSpPr>
+        <p:cNvPr id="1" name=""/>
+        <p:cNvGrpSpPr/>
+        <p:nvPr/>
+      </p:nvGrpSpPr>
+      <p:grpSpPr>
+        <a:xfrm>
+          <a:off x="0" y="0"/>
+          <a:ext cx="0" cy="0"/>
+          <a:chOff x="0" y="0"/>
+          <a:chExt cx="0" cy="0"/>
+        </a:xfrm>
+      </p:grpSpPr>
+      <p:sp>
+        <p:nvSpPr>
+          <p:cNvPr id="4" name="TextBox 3"/>
+          <p:cNvSpPr txBox="1"/>
+          <p:nvPr/>
+        </p:nvSpPr>
+        <p:spPr>
+          <a:xfrm>
+            <a:off x="0" y="621792"/>
+            <a:ext cx="12192000" cy="1323439"/>
+          </a:xfrm>
+          <a:prstGeom prst="rect">
+            <a:avLst/>
+          </a:prstGeom>
+          <a:noFill/>
+        </p:spPr>
+        <p:txBody>
+          <a:bodyPr wrap="square" rtlCol="0">
+            <a:spAutoFit/>
+          </a:bodyPr>
+          <a:lstStyle/>
+          <a:p>
+            <a:pPr algn="ctr"/>
+            <a:r>
+              <a:rPr lang="ko-KR" altLang="en-US" sz="8000" dirty="0" smtClean="0">
+                <a:latin typeface="HY헤드라인M" panose="02030600000101010101" pitchFamily="18" charset="-127"/>
+                <a:ea typeface="HY헤드라인M" panose="02030600000101010101" pitchFamily="18" charset="-127"/>
+              </a:rPr>
+              <a:t>게임 진행 흐름</a:t>
+            </a:r>
+            <a:endParaRPr lang="ko-KR" altLang="en-US" sz="8000" dirty="0">
+              <a:latin typeface="HY헤드라인M" panose="02030600000101010101" pitchFamily="18" charset="-127"/>
+              <a:ea typeface="HY헤드라인M" panose="02030600000101010101" pitchFamily="18" charset="-127"/>
+            </a:endParaRPr>
+          </a:p>
+        </p:txBody>
+      </p:sp>
+      <p:sp>
+        <p:nvSpPr>
+          <p:cNvPr id="7" name="TextBox 6"/>
+          <p:cNvSpPr txBox="1"/>
+          <p:nvPr/>
+        </p:nvSpPr>
+        <p:spPr>
+          <a:xfrm>
+            <a:off x="1679380" y="5913268"/>
+            <a:ext cx="8969329" cy="954107"/>
+          </a:xfrm>
+          <a:prstGeom prst="rect">
+            <a:avLst/>
+          </a:prstGeom>
+          <a:noFill/>
+        </p:spPr>
+        <p:txBody>
+          <a:bodyPr wrap="square" rtlCol="0">
+            <a:spAutoFit/>
+          </a:bodyPr>
+          <a:lstStyle/>
+          <a:p>
+            <a:r>
+              <a:rPr lang="en-US" altLang="ko-KR" sz="2800" b="1" dirty="0" smtClean="0">
+                <a:latin typeface="HY헤드라인M" panose="02030600000101010101" pitchFamily="18" charset="-127"/>
+                <a:ea typeface="HY헤드라인M" panose="02030600000101010101" pitchFamily="18" charset="-127"/>
+              </a:rPr>
+              <a:t>Easy, Normal, Hard </a:t>
+            </a:r>
+            <a:r>
+              <a:rPr lang="ko-KR" altLang="en-US" sz="2800" b="1" dirty="0" smtClean="0">
+                <a:latin typeface="HY헤드라인M" panose="02030600000101010101" pitchFamily="18" charset="-127"/>
+                <a:ea typeface="HY헤드라인M" panose="02030600000101010101" pitchFamily="18" charset="-127"/>
+              </a:rPr>
+              <a:t>세가지 난이도 존재</a:t>
+            </a:r>
+            <a:endParaRPr lang="en-US" altLang="ko-KR" sz="2800" b="1" dirty="0" smtClean="0">
+              <a:latin typeface="HY헤드라인M" panose="02030600000101010101" pitchFamily="18" charset="-127"/>
+              <a:ea typeface="HY헤드라인M" panose="02030600000101010101" pitchFamily="18" charset="-127"/>
+            </a:endParaRPr>
+          </a:p>
+          <a:p>
+            <a:r>
+              <a:rPr lang="ko-KR" altLang="en-US" sz="2800" b="1" dirty="0" smtClean="0">
+                <a:latin typeface="HY헤드라인M" panose="02030600000101010101" pitchFamily="18" charset="-127"/>
+                <a:ea typeface="HY헤드라인M" panose="02030600000101010101" pitchFamily="18" charset="-127"/>
+              </a:rPr>
+              <a:t>날아오는 원판의 개수</a:t>
+            </a:r>
+            <a:r>
+              <a:rPr lang="en-US" altLang="ko-KR" sz="2800" b="1" dirty="0" smtClean="0">
+                <a:latin typeface="HY헤드라인M" panose="02030600000101010101" pitchFamily="18" charset="-127"/>
+                <a:ea typeface="HY헤드라인M" panose="02030600000101010101" pitchFamily="18" charset="-127"/>
+              </a:rPr>
+              <a:t>, </a:t>
+            </a:r>
+            <a:r>
+              <a:rPr lang="ko-KR" altLang="en-US" sz="2800" b="1" dirty="0" smtClean="0">
+                <a:latin typeface="HY헤드라인M" panose="02030600000101010101" pitchFamily="18" charset="-127"/>
+                <a:ea typeface="HY헤드라인M" panose="02030600000101010101" pitchFamily="18" charset="-127"/>
+              </a:rPr>
+              <a:t>속도 차이</a:t>
+            </a:r>
+            <a:endParaRPr lang="ko-KR" altLang="en-US" sz="2800" b="1" dirty="0">
+              <a:latin typeface="HY헤드라인M" panose="02030600000101010101" pitchFamily="18" charset="-127"/>
+              <a:ea typeface="HY헤드라인M" panose="02030600000101010101" pitchFamily="18" charset="-127"/>
+            </a:endParaRPr>
+          </a:p>
+        </p:txBody>
+      </p:sp>
+      <p:pic>
+        <p:nvPicPr>
+          <p:cNvPr id="8" name="그림 7"/>
+          <p:cNvPicPr>
+            <a:picLocks noChangeAspect="1"/>
+          </p:cNvPicPr>
+          <p:nvPr/>
+        </p:nvPicPr>
+        <p:blipFill>
+          <a:blip r:embed="rId2" cstate="print">
+            <a:extLst>
+              <a:ext uri="{28A0092B-C50C-407E-A947-70E740481C1C}">
+                <a14:useLocalDpi xmlns:a14="http://schemas.microsoft.com/office/drawing/2010/main" val="0"/>
+              </a:ext>
+            </a:extLst>
+          </a:blip>
+          <a:stretch>
+            <a:fillRect/>
+          </a:stretch>
+        </p:blipFill>
+        <p:spPr>
+          <a:xfrm>
+            <a:off x="3538684" y="2167825"/>
+            <a:ext cx="5114631" cy="3745443"/>
+          </a:xfrm>
+          <a:prstGeom prst="rect">
+            <a:avLst/>
+          </a:prstGeom>
+        </p:spPr>
+      </p:pic>
+      <p:pic>
+        <p:nvPicPr>
+          <p:cNvPr id="13" name="그림 12"/>
+          <p:cNvPicPr>
+            <a:picLocks noChangeAspect="1"/>
+          </p:cNvPicPr>
+          <p:nvPr/>
+        </p:nvPicPr>
+        <p:blipFill>
+          <a:blip r:embed="rId3">
+            <a:extLst>
+              <a:ext uri="{BEBA8EAE-BF5A-486C-A8C5-ECC9F3942E4B}">
+                <a14:imgProps xmlns:a14="http://schemas.microsoft.com/office/drawing/2010/main">
+                  <a14:imgLayer r:embed="rId4">
+                    <a14:imgEffect>
+                      <a14:backgroundRemoval t="10000" b="90000" l="10000" r="90000">
+                        <a14:foregroundMark x1="50000" y1="47024" x2="51667" y2="60714"/>
+                        <a14:foregroundMark x1="30000" y1="44048" x2="30000" y2="58333"/>
+                        <a14:foregroundMark x1="42000" y1="40476" x2="42000" y2="40476"/>
+                        <a14:foregroundMark x1="41667" y1="60714" x2="41667" y2="60714"/>
+                      </a14:backgroundRemoval>
+                    </a14:imgEffect>
+                  </a14:imgLayer>
+                </a14:imgProps>
+              </a:ext>
+              <a:ext uri="{28A0092B-C50C-407E-A947-70E740481C1C}">
+                <a14:useLocalDpi xmlns:a14="http://schemas.microsoft.com/office/drawing/2010/main" val="0"/>
+              </a:ext>
+            </a:extLst>
+          </a:blip>
+          <a:stretch>
+            <a:fillRect/>
+          </a:stretch>
+        </p:blipFill>
+        <p:spPr>
+          <a:xfrm>
+            <a:off x="5015092" y="1945231"/>
+            <a:ext cx="2161814" cy="1210616"/>
+          </a:xfrm>
+          <a:prstGeom prst="rect">
+            <a:avLst/>
+          </a:prstGeom>
+          <a:noFill/>
+        </p:spPr>
+      </p:pic>
+      <p:pic>
+        <p:nvPicPr>
+          <p:cNvPr id="14" name="그림 13"/>
+          <p:cNvPicPr>
+            <a:picLocks noChangeAspect="1"/>
+          </p:cNvPicPr>
+          <p:nvPr/>
+        </p:nvPicPr>
+        <p:blipFill>
+          <a:blip r:embed="rId5" cstate="print">
+            <a:extLst>
+              <a:ext uri="{BEBA8EAE-BF5A-486C-A8C5-ECC9F3942E4B}">
+                <a14:imgProps xmlns:a14="http://schemas.microsoft.com/office/drawing/2010/main">
+                  <a14:imgLayer r:embed="rId6">
+                    <a14:imgEffect>
+                      <a14:backgroundRemoval t="10000" b="90000" l="10000" r="90000"/>
+                    </a14:imgEffect>
+                  </a14:imgLayer>
+                </a14:imgProps>
+              </a:ext>
+              <a:ext uri="{28A0092B-C50C-407E-A947-70E740481C1C}">
+                <a14:useLocalDpi xmlns:a14="http://schemas.microsoft.com/office/drawing/2010/main" val="0"/>
+              </a:ext>
+            </a:extLst>
+          </a:blip>
+          <a:stretch>
+            <a:fillRect/>
+          </a:stretch>
+        </p:blipFill>
+        <p:spPr>
+          <a:xfrm>
+            <a:off x="969206" y="2894627"/>
+            <a:ext cx="1936303" cy="1052339"/>
+          </a:xfrm>
+          <a:prstGeom prst="rect">
+            <a:avLst/>
+          </a:prstGeom>
+        </p:spPr>
+      </p:pic>
+      <p:pic>
+        <p:nvPicPr>
+          <p:cNvPr id="15" name="그림 14"/>
+          <p:cNvPicPr>
+            <a:picLocks noChangeAspect="1"/>
+          </p:cNvPicPr>
+          <p:nvPr/>
+        </p:nvPicPr>
+        <p:blipFill>
+          <a:blip r:embed="rId5" cstate="print">
+            <a:extLst>
+              <a:ext uri="{BEBA8EAE-BF5A-486C-A8C5-ECC9F3942E4B}">
+                <a14:imgProps xmlns:a14="http://schemas.microsoft.com/office/drawing/2010/main">
+                  <a14:imgLayer r:embed="rId6">
+                    <a14:imgEffect>
+                      <a14:backgroundRemoval t="10000" b="90000" l="10000" r="90000"/>
+                    </a14:imgEffect>
+                  </a14:imgLayer>
+                </a14:imgProps>
+              </a:ext>
+              <a:ext uri="{28A0092B-C50C-407E-A947-70E740481C1C}">
+                <a14:useLocalDpi xmlns:a14="http://schemas.microsoft.com/office/drawing/2010/main" val="0"/>
+              </a:ext>
+            </a:extLst>
+          </a:blip>
+          <a:stretch>
+            <a:fillRect/>
+          </a:stretch>
+        </p:blipFill>
+        <p:spPr>
+          <a:xfrm>
+            <a:off x="9286490" y="3562714"/>
+            <a:ext cx="2173518" cy="1181260"/>
+          </a:xfrm>
+          <a:prstGeom prst="rect">
+            <a:avLst/>
+          </a:prstGeom>
+        </p:spPr>
+      </p:pic>
+      <p:sp>
+        <p:nvSpPr>
+          <p:cNvPr id="17" name="TextBox 16"/>
+          <p:cNvSpPr txBox="1"/>
+          <p:nvPr/>
+        </p:nvSpPr>
+        <p:spPr>
+          <a:xfrm>
+            <a:off x="1611334" y="3257413"/>
+            <a:ext cx="8969329" cy="1384995"/>
+          </a:xfrm>
+          <a:prstGeom prst="rect">
+            <a:avLst/>
+          </a:prstGeom>
+          <a:noFill/>
+        </p:spPr>
+        <p:txBody>
+          <a:bodyPr wrap="square" rtlCol="0">
+            <a:spAutoFit/>
+          </a:bodyPr>
+          <a:lstStyle/>
+          <a:p>
+            <a:pPr algn="ctr"/>
+            <a:r>
+              <a:rPr lang="en-US" altLang="ko-KR" sz="2800" b="1" dirty="0" smtClean="0">
+                <a:solidFill>
+                  <a:schemeClr val="bg1"/>
+                </a:solidFill>
+                <a:latin typeface="HY헤드라인M" panose="02030600000101010101" pitchFamily="18" charset="-127"/>
+                <a:ea typeface="HY헤드라인M" panose="02030600000101010101" pitchFamily="18" charset="-127"/>
+              </a:rPr>
+              <a:t>Easy</a:t>
+            </a:r>
+          </a:p>
+          <a:p>
+            <a:pPr algn="ctr"/>
+            <a:r>
+              <a:rPr lang="en-US" altLang="ko-KR" sz="2800" b="1" dirty="0" smtClean="0">
+                <a:solidFill>
+                  <a:schemeClr val="bg1"/>
+                </a:solidFill>
+                <a:latin typeface="HY헤드라인M" panose="02030600000101010101" pitchFamily="18" charset="-127"/>
+                <a:ea typeface="HY헤드라인M" panose="02030600000101010101" pitchFamily="18" charset="-127"/>
+              </a:rPr>
+              <a:t>Normal</a:t>
+            </a:r>
+          </a:p>
+          <a:p>
+            <a:pPr algn="ctr"/>
+            <a:r>
+              <a:rPr lang="en-US" altLang="ko-KR" sz="2800" b="1" dirty="0" smtClean="0">
+                <a:solidFill>
+                  <a:schemeClr val="bg1"/>
+                </a:solidFill>
+                <a:latin typeface="HY헤드라인M" panose="02030600000101010101" pitchFamily="18" charset="-127"/>
+                <a:ea typeface="HY헤드라인M" panose="02030600000101010101" pitchFamily="18" charset="-127"/>
+              </a:rPr>
+              <a:t>Hard</a:t>
+            </a:r>
+            <a:endParaRPr lang="ko-KR" altLang="en-US" sz="2800" b="1" dirty="0">
+              <a:solidFill>
+                <a:schemeClr val="bg1"/>
+              </a:solidFill>
+              <a:latin typeface="HY헤드라인M" panose="02030600000101010101" pitchFamily="18" charset="-127"/>
+              <a:ea typeface="HY헤드라인M" panose="02030600000101010101" pitchFamily="18" charset="-127"/>
+            </a:endParaRPr>
+          </a:p>
+        </p:txBody>
+      </p:sp>
+    </p:spTree>
+    <p:extLst>
+      <p:ext uri="{BB962C8B-B14F-4D97-AF65-F5344CB8AC3E}">
+        <p14:creationId xmlns:p14="http://schemas.microsoft.com/office/powerpoint/2010/main" val="261069449"/>
+      </p:ext>
+    </p:extLst>
+  </p:cSld>
+  <p:clrMapOvr>
+    <a:masterClrMapping/>
+  </p:clrMapOvr>
+  <p:timing>
+    <p:tnLst>
+      <p:par>
+        <p:cTn id="1" dur="indefinite" restart="never" nodeType="tmRoot"/>
+      </p:par>
+    </p:tnLst>
+  </p:timing>
+</p:sld>
+</file>
+
+<file path=ppt/slides/slide4.xml><?xml version="1.0" encoding="utf-8"?>
+<p:sld xmlns:a="http://schemas.openxmlformats.org/drawingml/2006/main" xmlns:r="http://schemas.openxmlformats.org/officeDocument/2006/relationships" xmlns:p="http://schemas.openxmlformats.org/presentationml/2006/main">
+  <p:cSld>
+    <p:spTree>
+      <p:nvGrpSpPr>
+        <p:cNvPr id="1" name=""/>
+        <p:cNvGrpSpPr/>
+        <p:nvPr/>
+      </p:nvGrpSpPr>
+      <p:grpSpPr>
+        <a:xfrm>
+          <a:off x="0" y="0"/>
+          <a:ext cx="0" cy="0"/>
+          <a:chOff x="0" y="0"/>
+          <a:chExt cx="0" cy="0"/>
+        </a:xfrm>
+      </p:grpSpPr>
+      <p:sp>
+        <p:nvSpPr>
+          <p:cNvPr id="4" name="TextBox 3"/>
+          <p:cNvSpPr txBox="1"/>
+          <p:nvPr/>
+        </p:nvSpPr>
+        <p:spPr>
+          <a:xfrm>
+            <a:off x="0" y="621792"/>
+            <a:ext cx="12192000" cy="1323439"/>
+          </a:xfrm>
+          <a:prstGeom prst="rect">
+            <a:avLst/>
+          </a:prstGeom>
+          <a:noFill/>
+        </p:spPr>
+        <p:txBody>
+          <a:bodyPr wrap="square" rtlCol="0">
+            <a:spAutoFit/>
+          </a:bodyPr>
+          <a:lstStyle/>
+          <a:p>
+            <a:pPr algn="ctr"/>
+            <a:r>
+              <a:rPr lang="ko-KR" altLang="en-US" sz="8000" dirty="0" smtClean="0">
+                <a:latin typeface="HY헤드라인M" panose="02030600000101010101" pitchFamily="18" charset="-127"/>
+                <a:ea typeface="HY헤드라인M" panose="02030600000101010101" pitchFamily="18" charset="-127"/>
+              </a:rPr>
+              <a:t>게임 진행 흐름</a:t>
+            </a:r>
+            <a:endParaRPr lang="ko-KR" altLang="en-US" sz="8000" dirty="0">
+              <a:latin typeface="HY헤드라인M" panose="02030600000101010101" pitchFamily="18" charset="-127"/>
+              <a:ea typeface="HY헤드라인M" panose="02030600000101010101" pitchFamily="18" charset="-127"/>
+            </a:endParaRPr>
+          </a:p>
+        </p:txBody>
+      </p:sp>
+      <p:sp>
+        <p:nvSpPr>
+          <p:cNvPr id="7" name="TextBox 6"/>
+          <p:cNvSpPr txBox="1"/>
+          <p:nvPr/>
+        </p:nvSpPr>
+        <p:spPr>
+          <a:xfrm>
+            <a:off x="1528909" y="6099847"/>
+            <a:ext cx="8969329" cy="523220"/>
+          </a:xfrm>
+          <a:prstGeom prst="rect">
+            <a:avLst/>
+          </a:prstGeom>
+          <a:noFill/>
+        </p:spPr>
+        <p:txBody>
+          <a:bodyPr wrap="square" rtlCol="0">
+            <a:spAutoFit/>
+          </a:bodyPr>
+          <a:lstStyle/>
+          <a:p>
+            <a:r>
+              <a:rPr lang="ko-KR" altLang="en-US" sz="2800" b="1" dirty="0" smtClean="0">
+                <a:latin typeface="HY헤드라인M" panose="02030600000101010101" pitchFamily="18" charset="-127"/>
+                <a:ea typeface="HY헤드라인M" panose="02030600000101010101" pitchFamily="18" charset="-127"/>
+              </a:rPr>
+              <a:t>원판은 좌측</a:t>
+            </a:r>
+            <a:r>
+              <a:rPr lang="en-US" altLang="ko-KR" sz="2800" b="1" dirty="0" smtClean="0">
+                <a:latin typeface="HY헤드라인M" panose="02030600000101010101" pitchFamily="18" charset="-127"/>
+                <a:ea typeface="HY헤드라인M" panose="02030600000101010101" pitchFamily="18" charset="-127"/>
+              </a:rPr>
+              <a:t>, </a:t>
+            </a:r>
+            <a:r>
+              <a:rPr lang="ko-KR" altLang="en-US" sz="2800" b="1" dirty="0" smtClean="0">
+                <a:latin typeface="HY헤드라인M" panose="02030600000101010101" pitchFamily="18" charset="-127"/>
+                <a:ea typeface="HY헤드라인M" panose="02030600000101010101" pitchFamily="18" charset="-127"/>
+              </a:rPr>
+              <a:t>우측에서 무작위로 날아옴</a:t>
+            </a:r>
+            <a:endParaRPr lang="ko-KR" altLang="en-US" sz="2800" b="1" dirty="0">
+              <a:latin typeface="HY헤드라인M" panose="02030600000101010101" pitchFamily="18" charset="-127"/>
+              <a:ea typeface="HY헤드라인M" panose="02030600000101010101" pitchFamily="18" charset="-127"/>
+            </a:endParaRPr>
+          </a:p>
+        </p:txBody>
+      </p:sp>
+      <p:pic>
+        <p:nvPicPr>
+          <p:cNvPr id="8" name="그림 7"/>
+          <p:cNvPicPr>
+            <a:picLocks noChangeAspect="1"/>
+          </p:cNvPicPr>
+          <p:nvPr/>
+        </p:nvPicPr>
+        <p:blipFill>
+          <a:blip r:embed="rId2" cstate="print">
+            <a:extLst>
+              <a:ext uri="{28A0092B-C50C-407E-A947-70E740481C1C}">
+                <a14:useLocalDpi xmlns:a14="http://schemas.microsoft.com/office/drawing/2010/main" val="0"/>
+              </a:ext>
+            </a:extLst>
+          </a:blip>
+          <a:stretch>
+            <a:fillRect/>
+          </a:stretch>
+        </p:blipFill>
+        <p:spPr>
+          <a:xfrm>
+            <a:off x="3538684" y="2167825"/>
+            <a:ext cx="5114631" cy="3745443"/>
+          </a:xfrm>
+          <a:prstGeom prst="rect">
+            <a:avLst/>
+          </a:prstGeom>
+        </p:spPr>
+      </p:pic>
+      <p:pic>
+        <p:nvPicPr>
+          <p:cNvPr id="13" name="그림 12"/>
+          <p:cNvPicPr>
+            <a:picLocks noChangeAspect="1"/>
+          </p:cNvPicPr>
+          <p:nvPr/>
+        </p:nvPicPr>
+        <p:blipFill>
+          <a:blip r:embed="rId3">
+            <a:extLst>
+              <a:ext uri="{BEBA8EAE-BF5A-486C-A8C5-ECC9F3942E4B}">
+                <a14:imgProps xmlns:a14="http://schemas.microsoft.com/office/drawing/2010/main">
+                  <a14:imgLayer r:embed="rId4">
+                    <a14:imgEffect>
+                      <a14:backgroundRemoval t="10000" b="90000" l="10000" r="90000">
+                        <a14:foregroundMark x1="50000" y1="47024" x2="51667" y2="60714"/>
+                        <a14:foregroundMark x1="30000" y1="44048" x2="30000" y2="58333"/>
+                        <a14:foregroundMark x1="42000" y1="40476" x2="42000" y2="40476"/>
+                        <a14:foregroundMark x1="41667" y1="60714" x2="41667" y2="60714"/>
+                      </a14:backgroundRemoval>
+                    </a14:imgEffect>
+                  </a14:imgLayer>
+                </a14:imgProps>
+              </a:ext>
+              <a:ext uri="{28A0092B-C50C-407E-A947-70E740481C1C}">
+                <a14:useLocalDpi xmlns:a14="http://schemas.microsoft.com/office/drawing/2010/main" val="0"/>
+              </a:ext>
+            </a:extLst>
+          </a:blip>
+          <a:stretch>
+            <a:fillRect/>
+          </a:stretch>
+        </p:blipFill>
+        <p:spPr>
+          <a:xfrm>
+            <a:off x="5015092" y="1945231"/>
+            <a:ext cx="2161814" cy="1210616"/>
+          </a:xfrm>
+          <a:prstGeom prst="rect">
+            <a:avLst/>
+          </a:prstGeom>
+          <a:noFill/>
+        </p:spPr>
+      </p:pic>
+      <p:pic>
+        <p:nvPicPr>
+          <p:cNvPr id="14" name="그림 13"/>
+          <p:cNvPicPr>
+            <a:picLocks noChangeAspect="1"/>
+          </p:cNvPicPr>
+          <p:nvPr/>
+        </p:nvPicPr>
+        <p:blipFill>
+          <a:blip r:embed="rId5" cstate="print">
+            <a:extLst>
+              <a:ext uri="{BEBA8EAE-BF5A-486C-A8C5-ECC9F3942E4B}">
+                <a14:imgProps xmlns:a14="http://schemas.microsoft.com/office/drawing/2010/main">
+                  <a14:imgLayer r:embed="rId6">
+                    <a14:imgEffect>
+                      <a14:backgroundRemoval t="10000" b="90000" l="10000" r="90000"/>
+                    </a14:imgEffect>
+                  </a14:imgLayer>
+                </a14:imgProps>
+              </a:ext>
+              <a:ext uri="{28A0092B-C50C-407E-A947-70E740481C1C}">
+                <a14:useLocalDpi xmlns:a14="http://schemas.microsoft.com/office/drawing/2010/main" val="0"/>
+              </a:ext>
+            </a:extLst>
+          </a:blip>
+          <a:stretch>
+            <a:fillRect/>
+          </a:stretch>
+        </p:blipFill>
+        <p:spPr>
+          <a:xfrm>
+            <a:off x="1840612" y="3101005"/>
+            <a:ext cx="1936303" cy="1052339"/>
+          </a:xfrm>
+          <a:prstGeom prst="rect">
+            <a:avLst/>
+          </a:prstGeom>
+        </p:spPr>
+      </p:pic>
+      <p:pic>
+        <p:nvPicPr>
+          <p:cNvPr id="15" name="그림 14"/>
+          <p:cNvPicPr>
+            <a:picLocks noChangeAspect="1"/>
+          </p:cNvPicPr>
+          <p:nvPr/>
+        </p:nvPicPr>
+        <p:blipFill>
+          <a:blip r:embed="rId5" cstate="print">
+            <a:extLst>
+              <a:ext uri="{BEBA8EAE-BF5A-486C-A8C5-ECC9F3942E4B}">
+                <a14:imgProps xmlns:a14="http://schemas.microsoft.com/office/drawing/2010/main">
+                  <a14:imgLayer r:embed="rId6">
+                    <a14:imgEffect>
+                      <a14:backgroundRemoval t="10000" b="90000" l="10000" r="90000"/>
+                    </a14:imgEffect>
+                  </a14:imgLayer>
+                </a14:imgProps>
+              </a:ext>
+              <a:ext uri="{28A0092B-C50C-407E-A947-70E740481C1C}">
+                <a14:useLocalDpi xmlns:a14="http://schemas.microsoft.com/office/drawing/2010/main" val="0"/>
+              </a:ext>
+            </a:extLst>
+          </a:blip>
+          <a:stretch>
+            <a:fillRect/>
+          </a:stretch>
+        </p:blipFill>
+        <p:spPr>
+          <a:xfrm>
+            <a:off x="2222486" y="3905264"/>
+            <a:ext cx="2173518" cy="1181260"/>
+          </a:xfrm>
+          <a:prstGeom prst="rect">
+            <a:avLst/>
+          </a:prstGeom>
+        </p:spPr>
+      </p:pic>
+    </p:spTree>
+    <p:extLst>
+      <p:ext uri="{BB962C8B-B14F-4D97-AF65-F5344CB8AC3E}">
+        <p14:creationId xmlns:p14="http://schemas.microsoft.com/office/powerpoint/2010/main" val="3954934608"/>
+      </p:ext>
+    </p:extLst>
+  </p:cSld>
+  <p:clrMapOvr>
+    <a:masterClrMapping/>
+  </p:clrMapOvr>
+  <p:timing>
+    <p:tnLst>
+      <p:par>
+        <p:cTn id="1" dur="indefinite" restart="never" nodeType="tmRoot">
+          <p:childTnLst>
+            <p:seq concurrent="1" nextAc="seek">
+              <p:cTn id="2" dur="indefinite" nodeType="mainSeq">
+                <p:childTnLst>
+                  <p:par>
+                    <p:cTn id="3" fill="hold">
+                      <p:stCondLst>
+                        <p:cond delay="indefinite"/>
+                      </p:stCondLst>
+                      <p:childTnLst>
+                        <p:par>
+                          <p:cTn id="4" fill="hold">
+                            <p:stCondLst>
+                              <p:cond delay="0"/>
+                            </p:stCondLst>
+                            <p:childTnLst>
+                              <p:par>
+                                <p:cTn id="5" presetID="37" presetClass="path" presetSubtype="0" accel="50000" decel="50000" fill="hold" nodeType="clickEffect">
+                                  <p:stCondLst>
+                                    <p:cond delay="0"/>
+                                  </p:stCondLst>
+                                  <p:childTnLst>
+                                    <p:animMotion origin="layout" path="M 1.45833E-6 0.09399 C 0.04479 0.1213 0.08177 -0.01319 0.10963 -0.04236 C 0.13711 -0.07152 0.13958 -0.07199 0.16497 -0.08009 C 0.19062 -0.0875 0.22265 -0.09328 0.26315 -0.08981 C 0.30325 -0.08657 0.37383 -0.1074 0.40664 -0.06018 C 0.51107 0.02593 0.45833 0.1213 0.50377 0.09399 " pathEditMode="relative" rAng="0" ptsTypes="AAAAAA">
+                                      <p:cBhvr>
+                                        <p:cTn id="6" dur="2000" fill="hold"/>
+                                        <p:tgtEl>
+                                          <p:spTgt spid="14"/>
+                                        </p:tgtEl>
+                                        <p:attrNameLst>
+                                          <p:attrName>ppt_x</p:attrName>
+                                          <p:attrName>ppt_y</p:attrName>
+                                        </p:attrNameLst>
+                                      </p:cBhvr>
+                                      <p:rCtr x="25182" y="-9074"/>
+                                    </p:animMotion>
+                                  </p:childTnLst>
+                                </p:cTn>
+                              </p:par>
+                            </p:childTnLst>
+                          </p:cTn>
+                        </p:par>
+                      </p:childTnLst>
+                    </p:cTn>
+                  </p:par>
+                  <p:par>
+                    <p:cTn id="7" fill="hold">
+                      <p:stCondLst>
+                        <p:cond delay="indefinite"/>
+                      </p:stCondLst>
+                      <p:childTnLst>
+                        <p:par>
+                          <p:cTn id="8" fill="hold">
+                            <p:stCondLst>
+                              <p:cond delay="0"/>
+                            </p:stCondLst>
+                            <p:childTnLst>
+                              <p:par>
+                                <p:cTn id="9" presetID="44" presetClass="path" presetSubtype="0" accel="50000" decel="50000" fill="hold" nodeType="clickEffect">
+                                  <p:stCondLst>
+                                    <p:cond delay="0"/>
+                                  </p:stCondLst>
+                                  <p:childTnLst>
+                                    <p:animMotion origin="layout" path="M -4.16667E-6 -0.00047 C 0.01732 -0.00764 0.00821 -0.0919 0.02722 -0.12871 C 0.04597 -0.16575 0.07722 -0.19954 0.11446 -0.22153 C 0.15209 -0.24306 0.24089 -0.26389 0.2517 -0.2595 C 0.37566 -0.26436 0.50821 -0.20394 0.52657 -0.19746 " pathEditMode="relative" rAng="0" ptsTypes="AAAAA">
+                                      <p:cBhvr>
+                                        <p:cTn id="10" dur="2000" spd="-100000" fill="hold"/>
+                                        <p:tgtEl>
+                                          <p:spTgt spid="15"/>
+                                        </p:tgtEl>
+                                        <p:attrNameLst>
+                                          <p:attrName>ppt_x</p:attrName>
+                                          <p:attrName>ppt_y</p:attrName>
+                                        </p:attrNameLst>
+                                      </p:cBhvr>
+                                      <p:rCtr x="26328" y="-12986"/>
+                                    </p:animMotion>
+                                  </p:childTnLst>
+                                </p:cTn>
+                              </p:par>
+                            </p:childTnLst>
+                          </p:cTn>
+                        </p:par>
+                      </p:childTnLst>
+                    </p:cTn>
+                  </p:par>
+                </p:childTnLst>
+              </p:cTn>
+              <p:prevCondLst>
+                <p:cond evt="onPrev" delay="0">
+                  <p:tgtEl>
+                    <p:sldTgt/>
+                  </p:tgtEl>
+                </p:cond>
+              </p:prevCondLst>
+              <p:nextCondLst>
+                <p:cond evt="onNext" delay="0">
+                  <p:tgtEl>
+                    <p:sldTgt/>
+                  </p:tgtEl>
+                </p:cond>
+              </p:nextCondLst>
+            </p:seq>
+          </p:childTnLst>
+        </p:cTn>
+      </p:par>
+    </p:tnLst>
+  </p:timing>
+</p:sld>
+</file>
+
+<file path=ppt/slides/slide5.xml><?xml version="1.0" encoding="utf-8"?>
+<p:sld xmlns:a="http://schemas.openxmlformats.org/drawingml/2006/main" xmlns:r="http://schemas.openxmlformats.org/officeDocument/2006/relationships" xmlns:p="http://schemas.openxmlformats.org/presentationml/2006/main">
+  <p:cSld>
+    <p:spTree>
+      <p:nvGrpSpPr>
+        <p:cNvPr id="1" name=""/>
+        <p:cNvGrpSpPr/>
+        <p:nvPr/>
+      </p:nvGrpSpPr>
+      <p:grpSpPr>
+        <a:xfrm>
+          <a:off x="0" y="0"/>
+          <a:ext cx="0" cy="0"/>
+          <a:chOff x="0" y="0"/>
+          <a:chExt cx="0" cy="0"/>
+        </a:xfrm>
+      </p:grpSpPr>
+      <p:sp>
+        <p:nvSpPr>
+          <p:cNvPr id="4" name="TextBox 3"/>
+          <p:cNvSpPr txBox="1"/>
+          <p:nvPr/>
+        </p:nvSpPr>
+        <p:spPr>
+          <a:xfrm>
+            <a:off x="0" y="621792"/>
+            <a:ext cx="12192000" cy="1323439"/>
+          </a:xfrm>
+          <a:prstGeom prst="rect">
+            <a:avLst/>
+          </a:prstGeom>
+          <a:noFill/>
+        </p:spPr>
+        <p:txBody>
+          <a:bodyPr wrap="square" rtlCol="0">
+            <a:spAutoFit/>
+          </a:bodyPr>
+          <a:lstStyle/>
+          <a:p>
+            <a:pPr algn="ctr"/>
+            <a:r>
+              <a:rPr lang="ko-KR" altLang="en-US" sz="8000" dirty="0" smtClean="0">
+                <a:latin typeface="HY헤드라인M" panose="02030600000101010101" pitchFamily="18" charset="-127"/>
+                <a:ea typeface="HY헤드라인M" panose="02030600000101010101" pitchFamily="18" charset="-127"/>
+              </a:rPr>
+              <a:t>클레이 사격</a:t>
+            </a:r>
+            <a:endParaRPr lang="ko-KR" altLang="en-US" sz="8000" dirty="0">
+              <a:latin typeface="HY헤드라인M" panose="02030600000101010101" pitchFamily="18" charset="-127"/>
+              <a:ea typeface="HY헤드라인M" panose="02030600000101010101" pitchFamily="18" charset="-127"/>
+            </a:endParaRPr>
+          </a:p>
+        </p:txBody>
+      </p:sp>
+      <p:sp>
+        <p:nvSpPr>
+          <p:cNvPr id="9" name="TextBox 8"/>
+          <p:cNvSpPr txBox="1"/>
+          <p:nvPr/>
+        </p:nvSpPr>
+        <p:spPr>
+          <a:xfrm>
+            <a:off x="2051410" y="5852641"/>
+            <a:ext cx="3502882" cy="461665"/>
+          </a:xfrm>
+          <a:prstGeom prst="rect">
+            <a:avLst/>
+          </a:prstGeom>
+          <a:noFill/>
+        </p:spPr>
+        <p:txBody>
+          <a:bodyPr wrap="none" rtlCol="0">
+            <a:spAutoFit/>
+          </a:bodyPr>
+          <a:lstStyle/>
+          <a:p>
+            <a:r>
+              <a:rPr lang="ko-KR" altLang="en-US" sz="2400" b="1" dirty="0" smtClean="0">
+                <a:latin typeface="HY헤드라인M" panose="02030600000101010101" pitchFamily="18" charset="-127"/>
+                <a:ea typeface="HY헤드라인M" panose="02030600000101010101" pitchFamily="18" charset="-127"/>
+              </a:rPr>
+              <a:t>표적 명중 시 점수 획득  </a:t>
+            </a:r>
+            <a:endParaRPr lang="ko-KR" altLang="en-US" sz="2400" b="1" dirty="0">
+              <a:latin typeface="HY헤드라인M" panose="02030600000101010101" pitchFamily="18" charset="-127"/>
+              <a:ea typeface="HY헤드라인M" panose="02030600000101010101" pitchFamily="18" charset="-127"/>
+            </a:endParaRPr>
+          </a:p>
+        </p:txBody>
+      </p:sp>
+      <p:pic>
+        <p:nvPicPr>
+          <p:cNvPr id="2" name="그림 1"/>
+          <p:cNvPicPr>
+            <a:picLocks noChangeAspect="1"/>
+          </p:cNvPicPr>
+          <p:nvPr/>
+        </p:nvPicPr>
+        <p:blipFill rotWithShape="1">
+          <a:blip r:embed="rId2">
+            <a:extLst>
+              <a:ext uri="{28A0092B-C50C-407E-A947-70E740481C1C}">
+                <a14:useLocalDpi xmlns:a14="http://schemas.microsoft.com/office/drawing/2010/main" val="0"/>
+              </a:ext>
+            </a:extLst>
+          </a:blip>
+          <a:srcRect l="33575" t="2313" r="33604" b="539"/>
+          <a:stretch/>
+        </p:blipFill>
+        <p:spPr>
+          <a:xfrm>
+            <a:off x="1304081" y="2211425"/>
+            <a:ext cx="4363656" cy="3200716"/>
+          </a:xfrm>
+          <a:prstGeom prst="rect">
+            <a:avLst/>
+          </a:prstGeom>
+        </p:spPr>
+      </p:pic>
+      <p:pic>
+        <p:nvPicPr>
+          <p:cNvPr id="3" name="그림 2"/>
+          <p:cNvPicPr>
+            <a:picLocks noChangeAspect="1"/>
+          </p:cNvPicPr>
+          <p:nvPr/>
+        </p:nvPicPr>
+        <p:blipFill>
+          <a:blip r:embed="rId3">
+            <a:extLst>
+              <a:ext uri="{28A0092B-C50C-407E-A947-70E740481C1C}">
+                <a14:useLocalDpi xmlns:a14="http://schemas.microsoft.com/office/drawing/2010/main" val="0"/>
+              </a:ext>
+            </a:extLst>
+          </a:blip>
+          <a:stretch>
+            <a:fillRect/>
+          </a:stretch>
+        </p:blipFill>
+        <p:spPr>
+          <a:xfrm>
+            <a:off x="6310894" y="2211425"/>
+            <a:ext cx="4464521" cy="2500132"/>
+          </a:xfrm>
+          <a:prstGeom prst="rect">
+            <a:avLst/>
+          </a:prstGeom>
+        </p:spPr>
+      </p:pic>
+      <p:sp>
+        <p:nvSpPr>
+          <p:cNvPr id="5" name="오른쪽 화살표 4"/>
+          <p:cNvSpPr/>
+          <p:nvPr/>
+        </p:nvSpPr>
+        <p:spPr>
+          <a:xfrm>
+            <a:off x="5459393" y="5960962"/>
+            <a:ext cx="1126602" cy="302235"/>
+          </a:xfrm>
+          <a:prstGeom prst="rightArrow">
+            <a:avLst/>
+          </a:prstGeom>
+          <a:solidFill>
+            <a:schemeClr val="tx1"/>
+          </a:solidFill>
+          <a:ln>
+            <a:solidFill>
+              <a:schemeClr val="tx1"/>
+            </a:solidFill>
+          </a:ln>
+        </p:spPr>
+        <p:style>
+          <a:lnRef idx="2">
+            <a:schemeClr val="accent1">
+              <a:shade val="50000"/>
+            </a:schemeClr>
+          </a:lnRef>
+          <a:fillRef idx="1">
+            <a:schemeClr val="accent1"/>
+          </a:fillRef>
+          <a:effectRef idx="0">
+            <a:schemeClr val="accent1"/>
+          </a:effectRef>
+          <a:fontRef idx="minor">
+            <a:schemeClr val="lt1"/>
+          </a:fontRef>
+        </p:style>
+        <p:txBody>
+          <a:bodyPr rtlCol="0" anchor="ctr"/>
+          <a:lstStyle/>
+          <a:p>
+            <a:pPr algn="ctr"/>
+            <a:endParaRPr lang="ko-KR" altLang="en-US"/>
+          </a:p>
+        </p:txBody>
+      </p:sp>
+      <p:sp>
+        <p:nvSpPr>
+          <p:cNvPr id="7" name="TextBox 6"/>
+          <p:cNvSpPr txBox="1"/>
+          <p:nvPr/>
+        </p:nvSpPr>
+        <p:spPr>
+          <a:xfrm>
+            <a:off x="6791713" y="5881246"/>
+            <a:ext cx="3199915" cy="461665"/>
+          </a:xfrm>
+          <a:prstGeom prst="rect">
+            <a:avLst/>
+          </a:prstGeom>
+          <a:noFill/>
+        </p:spPr>
+        <p:txBody>
+          <a:bodyPr wrap="none" rtlCol="0">
+            <a:spAutoFit/>
+          </a:bodyPr>
+          <a:lstStyle/>
+          <a:p>
+            <a:r>
+              <a:rPr lang="ko-KR" altLang="en-US" sz="2400" b="1" dirty="0" smtClean="0">
+                <a:latin typeface="HY헤드라인M" panose="02030600000101010101" pitchFamily="18" charset="-127"/>
+                <a:ea typeface="HY헤드라인M" panose="02030600000101010101" pitchFamily="18" charset="-127"/>
+              </a:rPr>
+              <a:t>점수로 랭킹 제도 도입</a:t>
+            </a:r>
+            <a:endParaRPr lang="ko-KR" altLang="en-US" sz="2400" b="1" dirty="0">
+              <a:latin typeface="HY헤드라인M" panose="02030600000101010101" pitchFamily="18" charset="-127"/>
+              <a:ea typeface="HY헤드라인M" panose="02030600000101010101" pitchFamily="18" charset="-127"/>
+            </a:endParaRPr>
+          </a:p>
+        </p:txBody>
+      </p:sp>
+    </p:spTree>
+    <p:extLst>
+      <p:ext uri="{BB962C8B-B14F-4D97-AF65-F5344CB8AC3E}">
+        <p14:creationId xmlns:p14="http://schemas.microsoft.com/office/powerpoint/2010/main" val="44129270"/>
+      </p:ext>
+    </p:extLst>
+  </p:cSld>
+  <p:clrMapOvr>
+    <a:masterClrMapping/>
+  </p:clrMapOvr>
+  <p:timing>
+    <p:tnLst>
+      <p:par>
+        <p:cTn id="1" dur="indefinite" restart="never" nodeType="tmRoot"/>
+      </p:par>
+    </p:tnLst>
+  </p:timing>
+</p:sld>
+</file>
+
+<file path=ppt/slides/slide6.xml><?xml version="1.0" encoding="utf-8"?>
+<p:sld xmlns:a="http://schemas.openxmlformats.org/drawingml/2006/main" xmlns:r="http://schemas.openxmlformats.org/officeDocument/2006/relationships" xmlns:p="http://schemas.openxmlformats.org/presentationml/2006/main">
+  <p:cSld>
+    <p:spTree>
+      <p:nvGrpSpPr>
+        <p:cNvPr id="1" name=""/>
+        <p:cNvGrpSpPr/>
+        <p:nvPr/>
+      </p:nvGrpSpPr>
+      <p:grpSpPr>
+        <a:xfrm>
+          <a:off x="0" y="0"/>
+          <a:ext cx="0" cy="0"/>
+          <a:chOff x="0" y="0"/>
+          <a:chExt cx="0" cy="0"/>
+        </a:xfrm>
+      </p:grpSpPr>
+      <p:sp>
+        <p:nvSpPr>
+          <p:cNvPr id="4" name="TextBox 3"/>
+          <p:cNvSpPr txBox="1"/>
+          <p:nvPr/>
+        </p:nvSpPr>
+        <p:spPr>
+          <a:xfrm>
+            <a:off x="0" y="621792"/>
+            <a:ext cx="12192000" cy="1323439"/>
+          </a:xfrm>
+          <a:prstGeom prst="rect">
+            <a:avLst/>
+          </a:prstGeom>
+          <a:noFill/>
+        </p:spPr>
+        <p:txBody>
+          <a:bodyPr wrap="square" rtlCol="0">
+            <a:spAutoFit/>
+          </a:bodyPr>
+          <a:lstStyle/>
+          <a:p>
+            <a:pPr algn="ctr"/>
+            <a:r>
+              <a:rPr lang="ko-KR" altLang="en-US" sz="8000" dirty="0" smtClean="0">
+                <a:latin typeface="HY헤드라인M" panose="02030600000101010101" pitchFamily="18" charset="-127"/>
+                <a:ea typeface="HY헤드라인M" panose="02030600000101010101" pitchFamily="18" charset="-127"/>
+              </a:rPr>
+              <a:t>개발 일정</a:t>
+            </a:r>
+            <a:endParaRPr lang="ko-KR" altLang="en-US" sz="8000" dirty="0">
+              <a:latin typeface="HY헤드라인M" panose="02030600000101010101" pitchFamily="18" charset="-127"/>
+              <a:ea typeface="HY헤드라인M" panose="02030600000101010101" pitchFamily="18" charset="-127"/>
+            </a:endParaRPr>
+          </a:p>
+        </p:txBody>
+      </p:sp>
+      <p:graphicFrame>
+        <p:nvGraphicFramePr>
+          <p:cNvPr id="2" name="표 1"/>
+          <p:cNvGraphicFramePr>
+            <a:graphicFrameLocks noGrp="1"/>
+          </p:cNvGraphicFramePr>
+          <p:nvPr>
+            <p:extLst>
+              <p:ext uri="{D42A27DB-BD31-4B8C-83A1-F6EECF244321}">
+                <p14:modId xmlns:p14="http://schemas.microsoft.com/office/powerpoint/2010/main" val="2296063364"/>
+              </p:ext>
+            </p:extLst>
+          </p:nvPr>
+        </p:nvGraphicFramePr>
+        <p:xfrm>
+          <a:off x="1770283" y="2444292"/>
+          <a:ext cx="8651434" cy="3559565"/>
+        </p:xfrm>
+        <a:graphic>
+          <a:graphicData uri="http://schemas.openxmlformats.org/drawingml/2006/table">
+            <a:tbl>
+              <a:tblPr bandRow="1">
+                <a:tableStyleId>{073A0DAA-6AF3-43AB-8588-CEC1D06C72B9}</a:tableStyleId>
+              </a:tblPr>
+              <a:tblGrid>
+                <a:gridCol w="1237484">
+                  <a:extLst>
+                    <a:ext uri="{9D8B030D-6E8A-4147-A177-3AD203B41FA5}">
+                      <a16:colId xmlns:a16="http://schemas.microsoft.com/office/drawing/2014/main" val="3636723114"/>
+                    </a:ext>
+                  </a:extLst>
+                </a:gridCol>
+                <a:gridCol w="7413950">
+                  <a:extLst>
+                    <a:ext uri="{9D8B030D-6E8A-4147-A177-3AD203B41FA5}">
+                      <a16:colId xmlns:a16="http://schemas.microsoft.com/office/drawing/2014/main" val="1119547220"/>
+                    </a:ext>
+                  </a:extLst>
+                </a:gridCol>
+              </a:tblGrid>
+              <a:tr h="443924">
+                <a:tc>
+                  <a:txBody>
+                    <a:bodyPr/>
+                    <a:lstStyle/>
+                    <a:p>
+                      <a:pPr algn="ctr" latinLnBrk="1"/>
+                      <a:r>
+                        <a:rPr lang="en-US" altLang="ko-KR" sz="2000" dirty="0" smtClean="0"/>
+                        <a:t>1</a:t>
+                      </a:r>
+                      <a:r>
+                        <a:rPr lang="ko-KR" altLang="en-US" sz="2000" dirty="0" smtClean="0"/>
+                        <a:t>주차</a:t>
+                      </a:r>
+                      <a:endParaRPr lang="ko-KR" altLang="en-US" sz="2000" dirty="0"/>
+                    </a:p>
+                  </a:txBody>
+                  <a:tcPr/>
+                </a:tc>
+                <a:tc>
+                  <a:txBody>
+                    <a:bodyPr/>
+                    <a:lstStyle/>
+                    <a:p>
+                      <a:pPr algn="ctr" latinLnBrk="1"/>
+                      <a:r>
+                        <a:rPr lang="ko-KR" altLang="en-US" sz="2000" dirty="0" smtClean="0"/>
+                        <a:t>게임 개발 일정 및 기획</a:t>
+                      </a:r>
+                      <a:endParaRPr lang="ko-KR" altLang="en-US" sz="2000" dirty="0"/>
+                    </a:p>
+                  </a:txBody>
+                  <a:tcPr/>
+                </a:tc>
+                <a:extLst>
+                  <a:ext uri="{0D108BD9-81ED-4DB2-BD59-A6C34878D82A}">
+                    <a16:rowId xmlns:a16="http://schemas.microsoft.com/office/drawing/2014/main" val="4009083400"/>
+                  </a:ext>
+                </a:extLst>
+              </a:tr>
+              <a:tr h="443924">
+                <a:tc>
+                  <a:txBody>
+                    <a:bodyPr/>
+                    <a:lstStyle/>
+                    <a:p>
+                      <a:pPr algn="ctr" latinLnBrk="1"/>
+                      <a:r>
+                        <a:rPr lang="en-US" altLang="ko-KR" sz="2000" dirty="0" smtClean="0"/>
+                        <a:t>2</a:t>
+                      </a:r>
+                      <a:r>
+                        <a:rPr lang="ko-KR" altLang="en-US" sz="2000" dirty="0" smtClean="0"/>
+                        <a:t>주차</a:t>
+                      </a:r>
+                      <a:endParaRPr lang="ko-KR" altLang="en-US" sz="2000" dirty="0"/>
+                    </a:p>
+                  </a:txBody>
+                  <a:tcPr/>
+                </a:tc>
+                <a:tc>
+                  <a:txBody>
+                    <a:bodyPr/>
+                    <a:lstStyle/>
+                    <a:p>
+                      <a:pPr algn="ctr" latinLnBrk="1"/>
+                      <a:r>
+                        <a:rPr lang="ko-KR" altLang="en-US" sz="2000" dirty="0" smtClean="0"/>
+                        <a:t>객체 구상 등의 추상화 작업 완료</a:t>
+                      </a:r>
+                      <a:r>
+                        <a:rPr lang="en-US" altLang="ko-KR" sz="2000" dirty="0" smtClean="0"/>
+                        <a:t>, </a:t>
+                      </a:r>
+                      <a:r>
+                        <a:rPr lang="ko-KR" altLang="en-US" sz="2000" dirty="0" smtClean="0"/>
+                        <a:t>배경 등 </a:t>
+                      </a:r>
+                      <a:r>
+                        <a:rPr lang="ko-KR" altLang="en-US" sz="2000" dirty="0" err="1" smtClean="0"/>
+                        <a:t>밑작업</a:t>
+                      </a:r>
+                      <a:r>
+                        <a:rPr lang="ko-KR" altLang="en-US" sz="2000" dirty="0" smtClean="0"/>
+                        <a:t> 완료</a:t>
+                      </a:r>
+                      <a:endParaRPr lang="ko-KR" altLang="en-US" sz="2000" dirty="0"/>
+                    </a:p>
+                  </a:txBody>
+                  <a:tcPr/>
+                </a:tc>
+                <a:extLst>
+                  <a:ext uri="{0D108BD9-81ED-4DB2-BD59-A6C34878D82A}">
+                    <a16:rowId xmlns:a16="http://schemas.microsoft.com/office/drawing/2014/main" val="336824940"/>
+                  </a:ext>
+                </a:extLst>
+              </a:tr>
+              <a:tr h="443924">
+                <a:tc>
+                  <a:txBody>
+                    <a:bodyPr/>
+                    <a:lstStyle/>
+                    <a:p>
+                      <a:pPr algn="ctr" latinLnBrk="1"/>
+                      <a:r>
+                        <a:rPr lang="en-US" altLang="ko-KR" sz="2000" dirty="0" smtClean="0"/>
+                        <a:t>3</a:t>
+                      </a:r>
+                      <a:r>
+                        <a:rPr lang="ko-KR" altLang="en-US" sz="2000" dirty="0" smtClean="0"/>
+                        <a:t>주차</a:t>
+                      </a:r>
+                      <a:endParaRPr lang="ko-KR" altLang="en-US" sz="2000" dirty="0"/>
+                    </a:p>
+                  </a:txBody>
+                  <a:tcPr/>
+                </a:tc>
+                <a:tc>
+                  <a:txBody>
+                    <a:bodyPr/>
+                    <a:lstStyle/>
+                    <a:p>
+                      <a:pPr algn="ctr" latinLnBrk="1"/>
+                      <a:r>
+                        <a:rPr lang="ko-KR" altLang="en-US" sz="2000" dirty="0" smtClean="0"/>
+                        <a:t>게임 구현 및 코드 작성에 필요한 리소스 탐색</a:t>
+                      </a:r>
+                      <a:endParaRPr lang="ko-KR" altLang="en-US" sz="2000" dirty="0"/>
+                    </a:p>
+                  </a:txBody>
+                  <a:tcPr/>
+                </a:tc>
+                <a:extLst>
+                  <a:ext uri="{0D108BD9-81ED-4DB2-BD59-A6C34878D82A}">
+                    <a16:rowId xmlns:a16="http://schemas.microsoft.com/office/drawing/2014/main" val="508874441"/>
+                  </a:ext>
+                </a:extLst>
+              </a:tr>
+              <a:tr h="443924">
+                <a:tc>
+                  <a:txBody>
+                    <a:bodyPr/>
+                    <a:lstStyle/>
+                    <a:p>
+                      <a:pPr algn="ctr" latinLnBrk="1"/>
+                      <a:r>
+                        <a:rPr lang="en-US" altLang="ko-KR" sz="2000" dirty="0" smtClean="0"/>
+                        <a:t>4</a:t>
+                      </a:r>
+                      <a:r>
+                        <a:rPr lang="ko-KR" altLang="en-US" sz="2000" dirty="0" smtClean="0"/>
+                        <a:t>주차</a:t>
+                      </a:r>
+                      <a:endParaRPr lang="ko-KR" altLang="en-US" sz="2000" dirty="0"/>
+                    </a:p>
+                  </a:txBody>
+                  <a:tcPr/>
+                </a:tc>
+                <a:tc>
+                  <a:txBody>
+                    <a:bodyPr/>
+                    <a:lstStyle/>
+                    <a:p>
+                      <a:pPr algn="ctr" latinLnBrk="1"/>
+                      <a:r>
+                        <a:rPr lang="ko-KR" altLang="en-US" sz="2000" dirty="0" smtClean="0"/>
+                        <a:t>원판</a:t>
+                      </a:r>
+                      <a:r>
+                        <a:rPr lang="en-US" altLang="ko-KR" sz="2000" baseline="0" dirty="0" smtClean="0"/>
+                        <a:t> </a:t>
+                      </a:r>
+                      <a:r>
+                        <a:rPr lang="ko-KR" altLang="en-US" sz="2000" baseline="0" dirty="0" smtClean="0"/>
+                        <a:t>이동</a:t>
+                      </a:r>
+                      <a:r>
+                        <a:rPr lang="en-US" altLang="ko-KR" sz="2000" baseline="0" dirty="0" smtClean="0"/>
+                        <a:t> </a:t>
+                      </a:r>
+                      <a:r>
+                        <a:rPr lang="ko-KR" altLang="en-US" sz="2000" baseline="0" dirty="0" smtClean="0"/>
+                        <a:t>코드 구현</a:t>
+                      </a:r>
+                      <a:endParaRPr lang="ko-KR" altLang="en-US" sz="2000" dirty="0"/>
+                    </a:p>
+                  </a:txBody>
+                  <a:tcPr/>
+                </a:tc>
+                <a:extLst>
+                  <a:ext uri="{0D108BD9-81ED-4DB2-BD59-A6C34878D82A}">
+                    <a16:rowId xmlns:a16="http://schemas.microsoft.com/office/drawing/2014/main" val="3508755937"/>
+                  </a:ext>
+                </a:extLst>
+              </a:tr>
+              <a:tr h="443924">
+                <a:tc>
+                  <a:txBody>
+                    <a:bodyPr/>
+                    <a:lstStyle/>
+                    <a:p>
+                      <a:pPr algn="ctr" latinLnBrk="1"/>
+                      <a:r>
+                        <a:rPr lang="en-US" altLang="ko-KR" sz="2000" dirty="0" smtClean="0"/>
+                        <a:t>5</a:t>
+                      </a:r>
+                      <a:r>
+                        <a:rPr lang="ko-KR" altLang="en-US" sz="2000" dirty="0" smtClean="0"/>
+                        <a:t>주차</a:t>
+                      </a:r>
+                      <a:endParaRPr lang="ko-KR" altLang="en-US" sz="2000" dirty="0"/>
+                    </a:p>
+                  </a:txBody>
+                  <a:tcPr/>
+                </a:tc>
+                <a:tc>
+                  <a:txBody>
+                    <a:bodyPr/>
+                    <a:lstStyle/>
+                    <a:p>
+                      <a:pPr algn="ctr" latinLnBrk="1"/>
+                      <a:r>
+                        <a:rPr lang="ko-KR" altLang="en-US" sz="2000" baseline="0" dirty="0" smtClean="0"/>
+                        <a:t>마우스 좌표 및 조준 사격 코드 구현</a:t>
+                      </a:r>
+                      <a:endParaRPr lang="ko-KR" altLang="en-US" sz="2000" dirty="0"/>
+                    </a:p>
+                  </a:txBody>
+                  <a:tcPr/>
+                </a:tc>
+                <a:extLst>
+                  <a:ext uri="{0D108BD9-81ED-4DB2-BD59-A6C34878D82A}">
+                    <a16:rowId xmlns:a16="http://schemas.microsoft.com/office/drawing/2014/main" val="2225398752"/>
+                  </a:ext>
+                </a:extLst>
+              </a:tr>
+              <a:tr h="452097">
+                <a:tc>
+                  <a:txBody>
+                    <a:bodyPr/>
+                    <a:lstStyle/>
+                    <a:p>
+                      <a:pPr algn="ctr" latinLnBrk="1"/>
+                      <a:r>
+                        <a:rPr lang="en-US" altLang="ko-KR" sz="2000" dirty="0" smtClean="0"/>
+                        <a:t>6</a:t>
+                      </a:r>
+                      <a:r>
+                        <a:rPr lang="ko-KR" altLang="en-US" sz="2000" dirty="0" smtClean="0"/>
+                        <a:t>주차</a:t>
+                      </a:r>
+                      <a:endParaRPr lang="ko-KR" altLang="en-US" sz="2000" dirty="0"/>
+                    </a:p>
+                  </a:txBody>
+                  <a:tcPr/>
+                </a:tc>
+                <a:tc>
+                  <a:txBody>
+                    <a:bodyPr/>
+                    <a:lstStyle/>
+                    <a:p>
+                      <a:pPr algn="ctr" latinLnBrk="1"/>
+                      <a:r>
+                        <a:rPr lang="ko-KR" altLang="en-US" sz="2000" dirty="0" smtClean="0"/>
+                        <a:t>타이머 작업 및 사격 모션 작업</a:t>
+                      </a:r>
+                      <a:endParaRPr lang="ko-KR" altLang="en-US" sz="2000" dirty="0"/>
+                    </a:p>
+                  </a:txBody>
+                  <a:tcPr/>
+                </a:tc>
+                <a:extLst>
+                  <a:ext uri="{0D108BD9-81ED-4DB2-BD59-A6C34878D82A}">
+                    <a16:rowId xmlns:a16="http://schemas.microsoft.com/office/drawing/2014/main" val="289980627"/>
+                  </a:ext>
+                </a:extLst>
+              </a:tr>
+              <a:tr h="443924">
+                <a:tc>
+                  <a:txBody>
+                    <a:bodyPr/>
+                    <a:lstStyle/>
+                    <a:p>
+                      <a:pPr algn="ctr" latinLnBrk="1"/>
+                      <a:r>
+                        <a:rPr lang="en-US" altLang="ko-KR" sz="2000" dirty="0" smtClean="0"/>
+                        <a:t>7</a:t>
+                      </a:r>
+                      <a:r>
+                        <a:rPr lang="ko-KR" altLang="en-US" sz="2000" dirty="0" smtClean="0"/>
+                        <a:t>주차</a:t>
+                      </a:r>
+                      <a:endParaRPr lang="ko-KR" altLang="en-US" sz="2000" dirty="0"/>
+                    </a:p>
+                  </a:txBody>
+                  <a:tcPr/>
+                </a:tc>
+                <a:tc>
+                  <a:txBody>
+                    <a:bodyPr/>
+                    <a:lstStyle/>
+                    <a:p>
+                      <a:pPr algn="ctr" latinLnBrk="1"/>
+                      <a:r>
+                        <a:rPr lang="ko-KR" altLang="en-US" sz="2000" dirty="0" smtClean="0"/>
+                        <a:t>난이도 작업 및 </a:t>
+                      </a:r>
+                      <a:r>
+                        <a:rPr lang="ko-KR" altLang="en-US" sz="2000" dirty="0" err="1" smtClean="0"/>
+                        <a:t>순위판</a:t>
+                      </a:r>
+                      <a:r>
+                        <a:rPr lang="ko-KR" altLang="en-US" sz="2000" dirty="0" smtClean="0"/>
+                        <a:t> 제작</a:t>
+                      </a:r>
+                      <a:endParaRPr lang="ko-KR" altLang="en-US" sz="2000" dirty="0"/>
+                    </a:p>
+                  </a:txBody>
+                  <a:tcPr/>
+                </a:tc>
+                <a:extLst>
+                  <a:ext uri="{0D108BD9-81ED-4DB2-BD59-A6C34878D82A}">
+                    <a16:rowId xmlns:a16="http://schemas.microsoft.com/office/drawing/2014/main" val="1770830619"/>
+                  </a:ext>
+                </a:extLst>
+              </a:tr>
+              <a:tr h="443924">
+                <a:tc>
+                  <a:txBody>
+                    <a:bodyPr/>
+                    <a:lstStyle/>
+                    <a:p>
+                      <a:pPr algn="ctr" latinLnBrk="1"/>
+                      <a:r>
+                        <a:rPr lang="en-US" altLang="ko-KR" sz="2000" dirty="0" smtClean="0"/>
+                        <a:t>8</a:t>
+                      </a:r>
+                      <a:r>
+                        <a:rPr lang="ko-KR" altLang="en-US" sz="2000" dirty="0" smtClean="0"/>
+                        <a:t>주차</a:t>
+                      </a:r>
+                      <a:endParaRPr lang="ko-KR" altLang="en-US" sz="2000" dirty="0"/>
+                    </a:p>
+                  </a:txBody>
+                  <a:tcPr/>
+                </a:tc>
+                <a:tc>
+                  <a:txBody>
+                    <a:bodyPr/>
+                    <a:lstStyle/>
+                    <a:p>
+                      <a:pPr algn="ctr" latinLnBrk="1"/>
+                      <a:r>
+                        <a:rPr lang="ko-KR" altLang="en-US" sz="2000" dirty="0" smtClean="0"/>
+                        <a:t>마무리 및 최종 정리</a:t>
+                      </a:r>
+                      <a:endParaRPr lang="ko-KR" altLang="en-US" sz="2000" dirty="0"/>
+                    </a:p>
+                  </a:txBody>
+                  <a:tcPr/>
+                </a:tc>
+                <a:extLst>
+                  <a:ext uri="{0D108BD9-81ED-4DB2-BD59-A6C34878D82A}">
+                    <a16:rowId xmlns:a16="http://schemas.microsoft.com/office/drawing/2014/main" val="3956674234"/>
+                  </a:ext>
+                </a:extLst>
+              </a:tr>
+            </a:tbl>
+          </a:graphicData>
+        </a:graphic>
+      </p:graphicFrame>
+    </p:spTree>
+    <p:extLst>
+      <p:ext uri="{BB962C8B-B14F-4D97-AF65-F5344CB8AC3E}">
+        <p14:creationId xmlns:p14="http://schemas.microsoft.com/office/powerpoint/2010/main" val="2583879079"/>
+      </p:ext>
+    </p:extLst>
+  </p:cSld>
+  <p:clrMapOvr>
+    <a:masterClrMapping/>
+  </p:clrMapOvr>
+  <p:timing>
+    <p:tnLst>
+      <p:par>
+        <p:cTn id="1" dur="indefinite" restart="never" nodeType="tmRoot"/>
+      </p:par>
+    </p:tnLst>
+  </p:timing>
 </p:sld>
 </file>
 
 <file path=ppt/theme/theme1.xml><?xml version="1.0" encoding="utf-8"?>
-<a:theme xmlns:a="http://schemas.openxmlformats.org/drawingml/2006/main" name="Office 테마">
+<a:theme xmlns:a="http://schemas.openxmlformats.org/drawingml/2006/main" name="이온">
   <a:themeElements>
-    <a:clrScheme name="Office">
+    <a:clrScheme name="이온">
       <a:dk1>
         <a:sysClr val="windowText" lastClr="000000"/>
       </a:dk1>
@@ -2988,44 +8155,44 @@
         <a:sysClr val="window" lastClr="FFFFFF"/>
       </a:lt1>
       <a:dk2>
-        <a:srgbClr val="44546A"/>
+        <a:srgbClr val="1E5155"/>
       </a:dk2>
       <a:lt2>
-        <a:srgbClr val="E7E6E6"/>
+        <a:srgbClr val="EBEBEB"/>
       </a:lt2>
       <a:accent1>
-        <a:srgbClr val="5B9BD5"/>
+        <a:srgbClr val="B01513"/>
       </a:accent1>
       <a:accent2>
-        <a:srgbClr val="ED7D31"/>
+        <a:srgbClr val="EA6312"/>
       </a:accent2>
       <a:accent3>
-        <a:srgbClr val="A5A5A5"/>
+        <a:srgbClr val="E6B729"/>
       </a:accent3>
       <a:accent4>
-        <a:srgbClr val="FFC000"/>
+        <a:srgbClr val="6AAC90"/>
       </a:accent4>
       <a:accent5>
-        <a:srgbClr val="4472C4"/>
+        <a:srgbClr val="54849A"/>
       </a:accent5>
       <a:accent6>
-        <a:srgbClr val="70AD47"/>
+        <a:srgbClr val="9E5E9B"/>
       </a:accent6>
       <a:hlink>
-        <a:srgbClr val="0563C1"/>
+        <a:srgbClr val="58C1BA"/>
       </a:hlink>
       <a:folHlink>
-        <a:srgbClr val="954F72"/>
+        <a:srgbClr val="9DFFCB"/>
       </a:folHlink>
     </a:clrScheme>
-    <a:fontScheme name="Office">
+    <a:fontScheme name="이온">
       <a:majorFont>
-        <a:latin typeface="맑은 고딕" panose="020F0302020204030204"/>
+        <a:latin typeface="Century Gothic" panose="020B0502020202020204"/>
         <a:ea typeface=""/>
         <a:cs typeface=""/>
-        <a:font script="Jpan" typeface="游ゴシック Light"/>
+        <a:font script="Jpan" typeface="メイリオ"/>
         <a:font script="Hang" typeface="맑은 고딕"/>
-        <a:font script="Hans" typeface="等线 Light"/>
+        <a:font script="Hans" typeface="宋体"/>
         <a:font script="Hant" typeface="新細明體"/>
         <a:font script="Arab" typeface="Times New Roman"/>
         <a:font script="Hebr" typeface="Times New Roman"/>
@@ -3055,12 +8222,12 @@
         <a:font script="Geor" typeface="Sylfaen"/>
       </a:majorFont>
       <a:minorFont>
-        <a:latin typeface="맑은 고딕" panose="020F0502020204030204"/>
+        <a:latin typeface="Century Gothic" panose="020B0502020202020204"/>
         <a:ea typeface=""/>
         <a:cs typeface=""/>
-        <a:font script="Jpan" typeface="游ゴシック"/>
+        <a:font script="Jpan" typeface="メイリオ"/>
         <a:font script="Hang" typeface="맑은 고딕"/>
-        <a:font script="Hans" typeface="等线"/>
+        <a:font script="Hans" typeface="宋体"/>
         <a:font script="Hant" typeface="新細明體"/>
         <a:font script="Arab" typeface="Arial"/>
         <a:font script="Hebr" typeface="Arial"/>
@@ -3090,7 +8257,7 @@
         <a:font script="Geor" typeface="Sylfaen"/>
       </a:minorFont>
     </a:fontScheme>
-    <a:fmtScheme name="Office">
+    <a:fmtScheme name="이온">
       <a:fillStyleLst>
         <a:solidFill>
           <a:schemeClr val="phClr"/>
@@ -3099,23 +8266,15 @@
           <a:gsLst>
             <a:gs pos="0">
               <a:schemeClr val="phClr">
-                <a:lumMod val="110000"/>
-                <a:satMod val="105000"/>
-                <a:tint val="67000"/>
-              </a:schemeClr>
-            </a:gs>
-            <a:gs pos="50000">
-              <a:schemeClr val="phClr">
-                <a:lumMod val="105000"/>
-                <a:satMod val="103000"/>
-                <a:tint val="73000"/>
+                <a:tint val="64000"/>
+                <a:lumMod val="118000"/>
               </a:schemeClr>
             </a:gs>
             <a:gs pos="100000">
               <a:schemeClr val="phClr">
-                <a:lumMod val="105000"/>
-                <a:satMod val="109000"/>
-                <a:tint val="81000"/>
+                <a:tint val="92000"/>
+                <a:alpha val="100000"/>
+                <a:lumMod val="110000"/>
               </a:schemeClr>
             </a:gs>
           </a:gsLst>
@@ -3125,23 +8284,14 @@
           <a:gsLst>
             <a:gs pos="0">
               <a:schemeClr val="phClr">
-                <a:satMod val="103000"/>
-                <a:lumMod val="102000"/>
-                <a:tint val="94000"/>
-              </a:schemeClr>
-            </a:gs>
-            <a:gs pos="50000">
-              <a:schemeClr val="phClr">
-                <a:satMod val="110000"/>
-                <a:lumMod val="100000"/>
-                <a:shade val="100000"/>
+                <a:tint val="98000"/>
+                <a:lumMod val="114000"/>
               </a:schemeClr>
             </a:gs>
             <a:gs pos="100000">
               <a:schemeClr val="phClr">
-                <a:lumMod val="99000"/>
-                <a:satMod val="120000"/>
-                <a:shade val="78000"/>
+                <a:shade val="90000"/>
+                <a:lumMod val="84000"/>
               </a:schemeClr>
             </a:gs>
           </a:gsLst>
@@ -3149,26 +8299,23 @@
         </a:gradFill>
       </a:fillStyleLst>
       <a:lnStyleLst>
-        <a:ln w="6350" cap="flat" cmpd="sng" algn="ctr">
+        <a:ln w="9525" cap="rnd" cmpd="sng" algn="ctr">
           <a:solidFill>
             <a:schemeClr val="phClr"/>
           </a:solidFill>
           <a:prstDash val="solid"/>
-          <a:miter lim="800000"/>
         </a:ln>
-        <a:ln w="12700" cap="flat" cmpd="sng" algn="ctr">
+        <a:ln w="19050" cap="rnd" cmpd="sng" algn="ctr">
           <a:solidFill>
             <a:schemeClr val="phClr"/>
           </a:solidFill>
           <a:prstDash val="solid"/>
-          <a:miter lim="800000"/>
         </a:ln>
-        <a:ln w="19050" cap="flat" cmpd="sng" algn="ctr">
+        <a:ln w="28575" cap="rnd" cmpd="sng" algn="ctr">
           <a:solidFill>
             <a:schemeClr val="phClr"/>
           </a:solidFill>
           <a:prstDash val="solid"/>
-          <a:miter lim="800000"/>
         </a:ln>
       </a:lnStyleLst>
       <a:effectStyleLst>
@@ -3176,55 +8323,80 @@
           <a:effectLst/>
         </a:effectStyle>
         <a:effectStyle>
-          <a:effectLst/>
+          <a:effectLst>
+            <a:outerShdw blurRad="38100" dist="25400" dir="5400000" rotWithShape="0">
+              <a:srgbClr val="000000">
+                <a:alpha val="45000"/>
+              </a:srgbClr>
+            </a:outerShdw>
+          </a:effectLst>
         </a:effectStyle>
         <a:effectStyle>
           <a:effectLst>
-            <a:outerShdw blurRad="57150" dist="19050" dir="5400000" algn="ctr" rotWithShape="0">
+            <a:outerShdw blurRad="63500" dist="38100" dir="5400000" rotWithShape="0">
               <a:srgbClr val="000000">
-                <a:alpha val="63000"/>
+                <a:alpha val="60000"/>
               </a:srgbClr>
             </a:outerShdw>
           </a:effectLst>
+          <a:scene3d>
+            <a:camera prst="orthographicFront">
+              <a:rot lat="0" lon="0" rev="0"/>
+            </a:camera>
+            <a:lightRig rig="threePt" dir="tl"/>
+          </a:scene3d>
+          <a:sp3d prstMaterial="plastic">
+            <a:bevelT w="0" h="0"/>
+          </a:sp3d>
         </a:effectStyle>
       </a:effectStyleLst>
       <a:bgFillStyleLst>
         <a:solidFill>
           <a:schemeClr val="phClr"/>
         </a:solidFill>
-        <a:solidFill>
-          <a:schemeClr val="phClr">
-            <a:tint val="95000"/>
-            <a:satMod val="170000"/>
-          </a:schemeClr>
-        </a:solidFill>
         <a:gradFill rotWithShape="1">
           <a:gsLst>
             <a:gs pos="0">
               <a:schemeClr val="phClr">
-                <a:tint val="93000"/>
-                <a:satMod val="150000"/>
-                <a:shade val="98000"/>
-                <a:lumMod val="102000"/>
-              </a:schemeClr>
-            </a:gs>
-            <a:gs pos="50000">
-              <a:schemeClr val="phClr">
-                <a:tint val="98000"/>
+                <a:tint val="97000"/>
+                <a:hueMod val="88000"/>
                 <a:satMod val="130000"/>
-                <a:shade val="90000"/>
-                <a:lumMod val="103000"/>
+                <a:lumMod val="124000"/>
               </a:schemeClr>
             </a:gs>
             <a:gs pos="100000">
               <a:schemeClr val="phClr">
-                <a:shade val="63000"/>
-                <a:satMod val="120000"/>
+                <a:tint val="96000"/>
+                <a:shade val="88000"/>
+                <a:hueMod val="108000"/>
+                <a:satMod val="164000"/>
+                <a:lumMod val="76000"/>
               </a:schemeClr>
             </a:gs>
           </a:gsLst>
-          <a:lin ang="5400000" scaled="0"/>
+          <a:path path="circle">
+            <a:fillToRect l="45000" t="65000" r="125000" b="100000"/>
+          </a:path>
         </a:gradFill>
+        <a:blipFill rotWithShape="1">
+          <a:blip xmlns:r="http://schemas.openxmlformats.org/officeDocument/2006/relationships" r:embed="rId1">
+            <a:duotone>
+              <a:schemeClr val="phClr">
+                <a:shade val="69000"/>
+                <a:hueMod val="108000"/>
+                <a:satMod val="164000"/>
+                <a:lumMod val="74000"/>
+              </a:schemeClr>
+              <a:schemeClr val="phClr">
+                <a:tint val="96000"/>
+                <a:hueMod val="88000"/>
+                <a:satMod val="140000"/>
+                <a:lumMod val="132000"/>
+              </a:schemeClr>
+            </a:duotone>
+          </a:blip>
+          <a:stretch/>
+        </a:blipFill>
       </a:bgFillStyleLst>
     </a:fmtScheme>
   </a:themeElements>
@@ -3232,7 +8404,7 @@
   <a:extraClrSchemeLst/>
   <a:extLst>
     <a:ext uri="{05A4C25C-085E-4340-85A3-A5531E510DB2}">
-      <thm15:themeFamily xmlns:thm15="http://schemas.microsoft.com/office/thememl/2012/main" name="Office Theme" id="{62F939B6-93AF-4DB8-9C6B-D6C7DFDC589F}" vid="{4A3C46E8-61CC-4603-A589-7422A47A8E4A}"/>
+      <thm15:themeFamily xmlns:thm15="http://schemas.microsoft.com/office/thememl/2012/main" name="Ion" id="{B8441ADB-2E43-4AF7-B97A-BD870242C6A8}" vid="{292E63A9-BB86-4E3D-B92A-7223C6510D2E}"/>
     </a:ext>
   </a:extLst>
 </a:theme>

--- a/발표 PPT.pptx
+++ b/발표 PPT.pptx
@@ -109,6 +109,11 @@
       </a:defRPr>
     </a:lvl9pPr>
   </p:defaultTextStyle>
+  <p:extLst>
+    <p:ext uri="{EFAFB233-063F-42B5-8137-9DF3F51BA10A}">
+      <p15:sldGuideLst xmlns:p15="http://schemas.microsoft.com/office/powerpoint/2012/main"/>
+    </p:ext>
+  </p:extLst>
 </p:presentation>
 </file>
 
@@ -298,7 +303,7 @@
           <a:p>
             <a:fld id="{B38698DB-F693-4909-A9D1-53D55708E0A0}" type="datetimeFigureOut">
               <a:rPr lang="ko-KR" altLang="en-US" smtClean="0"/>
-              <a:t>2023-10-14</a:t>
+              <a:t>2023-10-15</a:t>
             </a:fld>
             <a:endParaRPr lang="ko-KR" altLang="en-US"/>
           </a:p>
@@ -573,7 +578,7 @@
           <a:p>
             <a:fld id="{B38698DB-F693-4909-A9D1-53D55708E0A0}" type="datetimeFigureOut">
               <a:rPr lang="ko-KR" altLang="en-US" smtClean="0"/>
-              <a:t>2023-10-14</a:t>
+              <a:t>2023-10-15</a:t>
             </a:fld>
             <a:endParaRPr lang="ko-KR" altLang="en-US"/>
           </a:p>
@@ -767,7 +772,7 @@
           <a:p>
             <a:fld id="{B38698DB-F693-4909-A9D1-53D55708E0A0}" type="datetimeFigureOut">
               <a:rPr lang="ko-KR" altLang="en-US" smtClean="0"/>
-              <a:t>2023-10-14</a:t>
+              <a:t>2023-10-15</a:t>
             </a:fld>
             <a:endParaRPr lang="ko-KR" altLang="en-US"/>
           </a:p>
@@ -1040,7 +1045,7 @@
           <a:p>
             <a:fld id="{B38698DB-F693-4909-A9D1-53D55708E0A0}" type="datetimeFigureOut">
               <a:rPr lang="ko-KR" altLang="en-US" smtClean="0"/>
-              <a:t>2023-10-14</a:t>
+              <a:t>2023-10-15</a:t>
             </a:fld>
             <a:endParaRPr lang="ko-KR" altLang="en-US"/>
           </a:p>
@@ -1381,7 +1386,7 @@
           <a:p>
             <a:fld id="{B38698DB-F693-4909-A9D1-53D55708E0A0}" type="datetimeFigureOut">
               <a:rPr lang="ko-KR" altLang="en-US" smtClean="0"/>
-              <a:t>2023-10-14</a:t>
+              <a:t>2023-10-15</a:t>
             </a:fld>
             <a:endParaRPr lang="ko-KR" altLang="en-US"/>
           </a:p>
@@ -2004,7 +2009,7 @@
           <a:p>
             <a:fld id="{B38698DB-F693-4909-A9D1-53D55708E0A0}" type="datetimeFigureOut">
               <a:rPr lang="ko-KR" altLang="en-US" smtClean="0"/>
-              <a:t>2023-10-14</a:t>
+              <a:t>2023-10-15</a:t>
             </a:fld>
             <a:endParaRPr lang="ko-KR" altLang="en-US"/>
           </a:p>
@@ -2864,7 +2869,7 @@
           <a:p>
             <a:fld id="{B38698DB-F693-4909-A9D1-53D55708E0A0}" type="datetimeFigureOut">
               <a:rPr lang="ko-KR" altLang="en-US" smtClean="0"/>
-              <a:t>2023-10-14</a:t>
+              <a:t>2023-10-15</a:t>
             </a:fld>
             <a:endParaRPr lang="ko-KR" altLang="en-US"/>
           </a:p>
@@ -3034,7 +3039,7 @@
           <a:p>
             <a:fld id="{B38698DB-F693-4909-A9D1-53D55708E0A0}" type="datetimeFigureOut">
               <a:rPr lang="ko-KR" altLang="en-US" smtClean="0"/>
-              <a:t>2023-10-14</a:t>
+              <a:t>2023-10-15</a:t>
             </a:fld>
             <a:endParaRPr lang="ko-KR" altLang="en-US"/>
           </a:p>
@@ -3214,7 +3219,7 @@
           <a:p>
             <a:fld id="{B38698DB-F693-4909-A9D1-53D55708E0A0}" type="datetimeFigureOut">
               <a:rPr lang="ko-KR" altLang="en-US" smtClean="0"/>
-              <a:t>2023-10-14</a:t>
+              <a:t>2023-10-15</a:t>
             </a:fld>
             <a:endParaRPr lang="ko-KR" altLang="en-US"/>
           </a:p>
@@ -3384,7 +3389,7 @@
           <a:p>
             <a:fld id="{B38698DB-F693-4909-A9D1-53D55708E0A0}" type="datetimeFigureOut">
               <a:rPr lang="ko-KR" altLang="en-US" smtClean="0"/>
-              <a:t>2023-10-14</a:t>
+              <a:t>2023-10-15</a:t>
             </a:fld>
             <a:endParaRPr lang="ko-KR" altLang="en-US"/>
           </a:p>
@@ -3631,7 +3636,7 @@
           <a:p>
             <a:fld id="{B38698DB-F693-4909-A9D1-53D55708E0A0}" type="datetimeFigureOut">
               <a:rPr lang="ko-KR" altLang="en-US" smtClean="0"/>
-              <a:t>2023-10-14</a:t>
+              <a:t>2023-10-15</a:t>
             </a:fld>
             <a:endParaRPr lang="ko-KR" altLang="en-US"/>
           </a:p>
@@ -3923,7 +3928,7 @@
           <a:p>
             <a:fld id="{B38698DB-F693-4909-A9D1-53D55708E0A0}" type="datetimeFigureOut">
               <a:rPr lang="ko-KR" altLang="en-US" smtClean="0"/>
-              <a:t>2023-10-14</a:t>
+              <a:t>2023-10-15</a:t>
             </a:fld>
             <a:endParaRPr lang="ko-KR" altLang="en-US"/>
           </a:p>
@@ -4367,7 +4372,7 @@
           <a:p>
             <a:fld id="{B38698DB-F693-4909-A9D1-53D55708E0A0}" type="datetimeFigureOut">
               <a:rPr lang="ko-KR" altLang="en-US" smtClean="0"/>
-              <a:t>2023-10-14</a:t>
+              <a:t>2023-10-15</a:t>
             </a:fld>
             <a:endParaRPr lang="ko-KR" altLang="en-US"/>
           </a:p>
@@ -4485,7 +4490,7 @@
           <a:p>
             <a:fld id="{B38698DB-F693-4909-A9D1-53D55708E0A0}" type="datetimeFigureOut">
               <a:rPr lang="ko-KR" altLang="en-US" smtClean="0"/>
-              <a:t>2023-10-14</a:t>
+              <a:t>2023-10-15</a:t>
             </a:fld>
             <a:endParaRPr lang="ko-KR" altLang="en-US"/>
           </a:p>
@@ -4580,7 +4585,7 @@
           <a:p>
             <a:fld id="{B38698DB-F693-4909-A9D1-53D55708E0A0}" type="datetimeFigureOut">
               <a:rPr lang="ko-KR" altLang="en-US" smtClean="0"/>
-              <a:t>2023-10-14</a:t>
+              <a:t>2023-10-15</a:t>
             </a:fld>
             <a:endParaRPr lang="ko-KR" altLang="en-US"/>
           </a:p>
@@ -4859,7 +4864,7 @@
           <a:p>
             <a:fld id="{B38698DB-F693-4909-A9D1-53D55708E0A0}" type="datetimeFigureOut">
               <a:rPr lang="ko-KR" altLang="en-US" smtClean="0"/>
-              <a:t>2023-10-14</a:t>
+              <a:t>2023-10-15</a:t>
             </a:fld>
             <a:endParaRPr lang="ko-KR" altLang="en-US"/>
           </a:p>
@@ -5134,7 +5139,7 @@
           <a:p>
             <a:fld id="{B38698DB-F693-4909-A9D1-53D55708E0A0}" type="datetimeFigureOut">
               <a:rPr lang="ko-KR" altLang="en-US" smtClean="0"/>
-              <a:t>2023-10-14</a:t>
+              <a:t>2023-10-15</a:t>
             </a:fld>
             <a:endParaRPr lang="ko-KR" altLang="en-US"/>
           </a:p>
@@ -5563,7 +5568,7 @@
           <a:p>
             <a:fld id="{B38698DB-F693-4909-A9D1-53D55708E0A0}" type="datetimeFigureOut">
               <a:rPr lang="ko-KR" altLang="en-US" smtClean="0"/>
-              <a:t>2023-10-14</a:t>
+              <a:t>2023-10-15</a:t>
             </a:fld>
             <a:endParaRPr lang="ko-KR" altLang="en-US"/>
           </a:p>
@@ -6136,7 +6141,7 @@
         </p:nvSpPr>
         <p:spPr>
           <a:xfrm>
-            <a:off x="1333208" y="2828544"/>
+            <a:off x="6986662" y="4013271"/>
             <a:ext cx="3225563" cy="461665"/>
           </a:xfrm>
           <a:prstGeom prst="rect">
@@ -6162,7 +6167,14 @@
                 <a:latin typeface="HY헤드라인M" panose="02030600000101010101" pitchFamily="18" charset="-127"/>
                 <a:ea typeface="HY헤드라인M" panose="02030600000101010101" pitchFamily="18" charset="-127"/>
               </a:rPr>
-              <a:t>인칭 사격의 진수</a:t>
+              <a:t>인칭 사격의 </a:t>
+            </a:r>
+            <a:r>
+              <a:rPr lang="ko-KR" altLang="en-US" sz="2400" b="1" dirty="0" smtClean="0">
+                <a:latin typeface="HY헤드라인M" panose="02030600000101010101" pitchFamily="18" charset="-127"/>
+                <a:ea typeface="HY헤드라인M" panose="02030600000101010101" pitchFamily="18" charset="-127"/>
+              </a:rPr>
+              <a:t>진수</a:t>
             </a:r>
             <a:r>
               <a:rPr lang="en-US" altLang="ko-KR" sz="2400" b="1" dirty="0" smtClean="0">
@@ -6186,8 +6198,8 @@
         </p:nvSpPr>
         <p:spPr>
           <a:xfrm>
-            <a:off x="2755192" y="3942689"/>
-            <a:ext cx="7622600" cy="461665"/>
+            <a:off x="1119823" y="2446906"/>
+            <a:ext cx="7471917" cy="461665"/>
           </a:xfrm>
           <a:prstGeom prst="rect">
             <a:avLst/>
@@ -6212,7 +6224,14 @@
                 <a:latin typeface="HY헤드라인M" panose="02030600000101010101" pitchFamily="18" charset="-127"/>
                 <a:ea typeface="HY헤드라인M" panose="02030600000101010101" pitchFamily="18" charset="-127"/>
               </a:rPr>
-              <a:t>평범한 과녁에 총을 쏘는 것이 아닌 움직이는 원판</a:t>
+              <a:t>평범한 과녁에 총을 쏘는 것이 아닌 움직이는 </a:t>
+            </a:r>
+            <a:r>
+              <a:rPr lang="ko-KR" altLang="en-US" sz="2400" b="1" dirty="0" smtClean="0">
+                <a:latin typeface="HY헤드라인M" panose="02030600000101010101" pitchFamily="18" charset="-127"/>
+                <a:ea typeface="HY헤드라인M" panose="02030600000101010101" pitchFamily="18" charset="-127"/>
+              </a:rPr>
+              <a:t>원판</a:t>
             </a:r>
             <a:r>
               <a:rPr lang="en-US" altLang="ko-KR" sz="2400" b="1" dirty="0" smtClean="0">
@@ -6228,66 +6247,9 @@
           </a:p>
         </p:txBody>
       </p:sp>
-      <p:sp>
-        <p:nvSpPr>
-          <p:cNvPr id="9" name="TextBox 8"/>
-          <p:cNvSpPr txBox="1"/>
-          <p:nvPr/>
-        </p:nvSpPr>
-        <p:spPr>
-          <a:xfrm>
-            <a:off x="6566492" y="5053988"/>
-            <a:ext cx="3953326" cy="461665"/>
-          </a:xfrm>
-          <a:prstGeom prst="rect">
-            <a:avLst/>
-          </a:prstGeom>
-          <a:noFill/>
-        </p:spPr>
-        <p:txBody>
-          <a:bodyPr wrap="none" rtlCol="0">
-            <a:spAutoFit/>
-          </a:bodyPr>
-          <a:lstStyle/>
-          <a:p>
-            <a:r>
-              <a:rPr lang="en-US" altLang="ko-KR" sz="2400" b="1" dirty="0" smtClean="0">
-                <a:latin typeface="HY헤드라인M" panose="02030600000101010101" pitchFamily="18" charset="-127"/>
-                <a:ea typeface="HY헤드라인M" panose="02030600000101010101" pitchFamily="18" charset="-127"/>
-              </a:rPr>
-              <a:t>☞</a:t>
-            </a:r>
-            <a:r>
-              <a:rPr lang="ko-KR" altLang="en-US" sz="2400" b="1" dirty="0">
-                <a:latin typeface="HY헤드라인M" panose="02030600000101010101" pitchFamily="18" charset="-127"/>
-                <a:ea typeface="HY헤드라인M" panose="02030600000101010101" pitchFamily="18" charset="-127"/>
-              </a:rPr>
-              <a:t> </a:t>
-            </a:r>
-            <a:r>
-              <a:rPr lang="ko-KR" altLang="en-US" sz="2400" b="1" dirty="0" smtClean="0">
-                <a:latin typeface="HY헤드라인M" panose="02030600000101010101" pitchFamily="18" charset="-127"/>
-                <a:ea typeface="HY헤드라인M" panose="02030600000101010101" pitchFamily="18" charset="-127"/>
-              </a:rPr>
-              <a:t>정신없이 날아오는 원판</a:t>
-            </a:r>
-            <a:r>
-              <a:rPr lang="en-US" altLang="ko-KR" sz="2400" b="1" dirty="0" smtClean="0">
-                <a:latin typeface="HY헤드라인M" panose="02030600000101010101" pitchFamily="18" charset="-127"/>
-                <a:ea typeface="HY헤드라인M" panose="02030600000101010101" pitchFamily="18" charset="-127"/>
-              </a:rPr>
-              <a:t>!!</a:t>
-            </a:r>
-            <a:endParaRPr lang="ko-KR" altLang="en-US" sz="2400" b="1" dirty="0">
-              <a:latin typeface="HY헤드라인M" panose="02030600000101010101" pitchFamily="18" charset="-127"/>
-              <a:ea typeface="HY헤드라인M" panose="02030600000101010101" pitchFamily="18" charset="-127"/>
-            </a:endParaRPr>
-          </a:p>
-        </p:txBody>
-      </p:sp>
       <p:pic>
         <p:nvPicPr>
-          <p:cNvPr id="10" name="그림 9"/>
+          <p:cNvPr id="2" name="그림 1"/>
           <p:cNvPicPr>
             <a:picLocks noChangeAspect="1"/>
           </p:cNvPicPr>
@@ -6296,15 +6258,6 @@
         <p:blipFill>
           <a:blip r:embed="rId2">
             <a:extLst>
-              <a:ext uri="{BEBA8EAE-BF5A-486C-A8C5-ECC9F3942E4B}">
-                <a14:imgProps xmlns:a14="http://schemas.microsoft.com/office/drawing/2010/main">
-                  <a14:imgLayer r:embed="rId3">
-                    <a14:imgEffect>
-                      <a14:backgroundRemoval t="10000" b="90000" l="10000" r="90000"/>
-                    </a14:imgEffect>
-                  </a14:imgLayer>
-                </a14:imgProps>
-              </a:ext>
               <a:ext uri="{28A0092B-C50C-407E-A947-70E740481C1C}">
                 <a14:useLocalDpi xmlns:a14="http://schemas.microsoft.com/office/drawing/2010/main" val="0"/>
               </a:ext>
@@ -6316,8 +6269,8 @@
         </p:blipFill>
         <p:spPr>
           <a:xfrm>
-            <a:off x="-1252631" y="4659629"/>
-            <a:ext cx="4426368" cy="2405635"/>
+            <a:off x="1494399" y="3188510"/>
+            <a:ext cx="5179209" cy="2816635"/>
           </a:xfrm>
           <a:prstGeom prst="rect">
             <a:avLst/>
@@ -6337,70 +6290,7 @@
   <p:timing>
     <p:tnLst>
       <p:par>
-        <p:cTn id="1" dur="indefinite" restart="never" nodeType="tmRoot">
-          <p:childTnLst>
-            <p:seq concurrent="1" nextAc="seek">
-              <p:cTn id="2" dur="indefinite" nodeType="mainSeq">
-                <p:childTnLst>
-                  <p:par>
-                    <p:cTn id="3" fill="hold">
-                      <p:stCondLst>
-                        <p:cond delay="indefinite"/>
-                      </p:stCondLst>
-                      <p:childTnLst>
-                        <p:par>
-                          <p:cTn id="4" fill="hold">
-                            <p:stCondLst>
-                              <p:cond delay="0"/>
-                            </p:stCondLst>
-                            <p:childTnLst>
-                              <p:par>
-                                <p:cTn id="5" presetID="44" presetClass="path" presetSubtype="0" accel="50000" decel="50000" fill="hold" nodeType="clickEffect">
-                                  <p:stCondLst>
-                                    <p:cond delay="0"/>
-                                  </p:stCondLst>
-                                  <p:childTnLst>
-                                    <p:animMotion origin="layout" path="M 3.95833E-6 -1.11111E-6 C 0.02226 -0.01505 0.01054 -0.18773 0.03489 -0.26319 C 0.05885 -0.33912 0.09895 -0.4088 0.14648 -0.45347 C 0.19466 -0.49838 0.30833 -0.54074 0.32213 -0.53171 C 0.48073 -0.54167 0.65039 -0.41805 0.67382 -0.40463 " pathEditMode="relative" rAng="0" ptsTypes="AAAAA">
-                                      <p:cBhvr>
-                                        <p:cTn id="6" dur="2000" fill="hold"/>
-                                        <p:tgtEl>
-                                          <p:spTgt spid="10"/>
-                                        </p:tgtEl>
-                                        <p:attrNameLst>
-                                          <p:attrName>ppt_x</p:attrName>
-                                          <p:attrName>ppt_y</p:attrName>
-                                        </p:attrNameLst>
-                                      </p:cBhvr>
-                                      <p:rCtr x="33685" y="-26644"/>
-                                    </p:animMotion>
-                                  </p:childTnLst>
-                                </p:cTn>
-                              </p:par>
-                            </p:childTnLst>
-                          </p:cTn>
-                        </p:par>
-                      </p:childTnLst>
-                    </p:cTn>
-                  </p:par>
-                </p:childTnLst>
-              </p:cTn>
-              <p:prevCondLst>
-                <p:cond evt="onPrev" delay="0">
-                  <p:tgtEl>
-                    <p:sldTgt/>
-                  </p:tgtEl>
-                </p:cond>
-              </p:prevCondLst>
-              <p:nextCondLst>
-                <p:cond evt="onNext" delay="0">
-                  <p:tgtEl>
-                    <p:sldTgt/>
-                  </p:tgtEl>
-                </p:cond>
-              </p:nextCondLst>
-            </p:seq>
-          </p:childTnLst>
-        </p:cTn>
+        <p:cTn id="1" dur="indefinite" restart="never" nodeType="tmRoot"/>
       </p:par>
     </p:tnLst>
   </p:timing>
@@ -7450,7 +7340,7 @@
                 <a:latin typeface="HY헤드라인M" panose="02030600000101010101" pitchFamily="18" charset="-127"/>
                 <a:ea typeface="HY헤드라인M" panose="02030600000101010101" pitchFamily="18" charset="-127"/>
               </a:rPr>
-              <a:t>클레이 사격</a:t>
+              <a:t>게임 진행 흐름</a:t>
             </a:r>
             <a:endParaRPr lang="ko-KR" altLang="en-US" sz="8000" dirty="0">
               <a:latin typeface="HY헤드라인M" panose="02030600000101010101" pitchFamily="18" charset="-127"/>
@@ -7721,7 +7611,7 @@
           <p:nvPr>
             <p:extLst>
               <p:ext uri="{D42A27DB-BD31-4B8C-83A1-F6EECF244321}">
-                <p14:modId xmlns:p14="http://schemas.microsoft.com/office/powerpoint/2010/main" val="2296063364"/>
+                <p14:modId xmlns:p14="http://schemas.microsoft.com/office/powerpoint/2010/main" val="1466249709"/>
               </p:ext>
             </p:extLst>
           </p:nvPr>
@@ -8107,7 +7997,15 @@
                       <a:pPr algn="ctr" latinLnBrk="1"/>
                       <a:r>
                         <a:rPr lang="ko-KR" altLang="en-US" sz="2000" dirty="0" smtClean="0"/>
-                        <a:t>마무리 및 최종 정리</a:t>
+                        <a:t>마무리 및 최종 </a:t>
+                      </a:r>
+                      <a:r>
+                        <a:rPr lang="ko-KR" altLang="en-US" sz="2000" smtClean="0"/>
+                        <a:t>오류</a:t>
+                      </a:r>
+                      <a:r>
+                        <a:rPr lang="ko-KR" altLang="en-US" sz="2000" baseline="0" smtClean="0"/>
+                        <a:t> 제거 작업</a:t>
                       </a:r>
                       <a:endParaRPr lang="ko-KR" altLang="en-US" sz="2000" dirty="0"/>
                     </a:p>
